--- a/week05/lab.pptx
+++ b/week05/lab.pptx
@@ -3179,7 +3179,7 @@
             </a:pPr>
             <a:r>
               <a:rPr/>
-              <a:t>October 2, 2023</a:t>
+              <a:t>October 29, 2024</a:t>
             </a:r>
           </a:p>
         </p:txBody>

--- a/week05/lab.pptx
+++ b/week05/lab.pptx
@@ -1,8 +1,8 @@
 
 <file path=ppt/presentation.xml><?xml version="1.0" encoding="utf-8"?>
-<p:presentation xmlns:a="http://schemas.openxmlformats.org/drawingml/2006/main" xmlns:p="http://schemas.openxmlformats.org/presentationml/2006/main" xmlns:r="http://schemas.openxmlformats.org/officeDocument/2006/relationships" autoCompressPictures="0" saveSubsetFonts="1">
+<p:presentation xmlns:a="http://schemas.openxmlformats.org/drawingml/2006/main" xmlns:p="http://schemas.openxmlformats.org/presentationml/2006/main" xmlns:r="http://schemas.openxmlformats.org/officeDocument/2006/relationships" autoCompressPictures="0">
   <p:sldMasterIdLst>
-    <p:sldMasterId id="2147483648" r:id="rId1"/>
+    <p:sldMasterId id="2147483686" r:id="rId1"/>
   </p:sldMasterIdLst>
   <p:sldIdLst>
     <p:sldId id="256" r:id="rId2"/>
@@ -10,13 +10,13 @@
     <p:sldId id="258" r:id="rId4"/>
     <p:sldId id="259" r:id="rId5"/>
   </p:sldIdLst>
-  <p:sldSz cx="9144000" cy="5143500" type="screen16x9"/>
+  <p:sldSz cx="12192000" cy="6858000"/>
   <p:notesSz cx="6858000" cy="9144000"/>
   <p:defaultTextStyle>
     <a:defPPr>
       <a:defRPr lang="en-US"/>
     </a:defPPr>
-    <a:lvl1pPr algn="l" defTabSz="457200" eaLnBrk="1" hangingPunct="1" latinLnBrk="0" marL="0" rtl="0">
+    <a:lvl1pPr algn="l" defTabSz="914400" eaLnBrk="1" hangingPunct="1" latinLnBrk="0" marL="0" rtl="0">
       <a:defRPr kern="1200" sz="1800">
         <a:solidFill>
           <a:schemeClr val="tx1"/>
@@ -26,7 +26,7 @@
         <a:cs typeface="+mn-cs"/>
       </a:defRPr>
     </a:lvl1pPr>
-    <a:lvl2pPr algn="l" defTabSz="457200" eaLnBrk="1" hangingPunct="1" latinLnBrk="0" marL="457200" rtl="0">
+    <a:lvl2pPr algn="l" defTabSz="914400" eaLnBrk="1" hangingPunct="1" latinLnBrk="0" marL="457200" rtl="0">
       <a:defRPr kern="1200" sz="1800">
         <a:solidFill>
           <a:schemeClr val="tx1"/>
@@ -36,7 +36,7 @@
         <a:cs typeface="+mn-cs"/>
       </a:defRPr>
     </a:lvl2pPr>
-    <a:lvl3pPr algn="l" defTabSz="457200" eaLnBrk="1" hangingPunct="1" latinLnBrk="0" marL="914400" rtl="0">
+    <a:lvl3pPr algn="l" defTabSz="914400" eaLnBrk="1" hangingPunct="1" latinLnBrk="0" marL="914400" rtl="0">
       <a:defRPr kern="1200" sz="1800">
         <a:solidFill>
           <a:schemeClr val="tx1"/>
@@ -46,7 +46,7 @@
         <a:cs typeface="+mn-cs"/>
       </a:defRPr>
     </a:lvl3pPr>
-    <a:lvl4pPr algn="l" defTabSz="457200" eaLnBrk="1" hangingPunct="1" latinLnBrk="0" marL="1371600" rtl="0">
+    <a:lvl4pPr algn="l" defTabSz="914400" eaLnBrk="1" hangingPunct="1" latinLnBrk="0" marL="1371600" rtl="0">
       <a:defRPr kern="1200" sz="1800">
         <a:solidFill>
           <a:schemeClr val="tx1"/>
@@ -56,7 +56,7 @@
         <a:cs typeface="+mn-cs"/>
       </a:defRPr>
     </a:lvl4pPr>
-    <a:lvl5pPr algn="l" defTabSz="457200" eaLnBrk="1" hangingPunct="1" latinLnBrk="0" marL="1828800" rtl="0">
+    <a:lvl5pPr algn="l" defTabSz="914400" eaLnBrk="1" hangingPunct="1" latinLnBrk="0" marL="1828800" rtl="0">
       <a:defRPr kern="1200" sz="1800">
         <a:solidFill>
           <a:schemeClr val="tx1"/>
@@ -66,7 +66,7 @@
         <a:cs typeface="+mn-cs"/>
       </a:defRPr>
     </a:lvl5pPr>
-    <a:lvl6pPr algn="l" defTabSz="457200" eaLnBrk="1" hangingPunct="1" latinLnBrk="0" marL="2286000" rtl="0">
+    <a:lvl6pPr algn="l" defTabSz="914400" eaLnBrk="1" hangingPunct="1" latinLnBrk="0" marL="2286000" rtl="0">
       <a:defRPr kern="1200" sz="1800">
         <a:solidFill>
           <a:schemeClr val="tx1"/>
@@ -76,7 +76,7 @@
         <a:cs typeface="+mn-cs"/>
       </a:defRPr>
     </a:lvl6pPr>
-    <a:lvl7pPr algn="l" defTabSz="457200" eaLnBrk="1" hangingPunct="1" latinLnBrk="0" marL="2743200" rtl="0">
+    <a:lvl7pPr algn="l" defTabSz="914400" eaLnBrk="1" hangingPunct="1" latinLnBrk="0" marL="2743200" rtl="0">
       <a:defRPr kern="1200" sz="1800">
         <a:solidFill>
           <a:schemeClr val="tx1"/>
@@ -86,7 +86,7 @@
         <a:cs typeface="+mn-cs"/>
       </a:defRPr>
     </a:lvl7pPr>
-    <a:lvl8pPr algn="l" defTabSz="457200" eaLnBrk="1" hangingPunct="1" latinLnBrk="0" marL="3200400" rtl="0">
+    <a:lvl8pPr algn="l" defTabSz="914400" eaLnBrk="1" hangingPunct="1" latinLnBrk="0" marL="3200400" rtl="0">
       <a:defRPr kern="1200" sz="1800">
         <a:solidFill>
           <a:schemeClr val="tx1"/>
@@ -96,7 +96,7 @@
         <a:cs typeface="+mn-cs"/>
       </a:defRPr>
     </a:lvl8pPr>
-    <a:lvl9pPr algn="l" defTabSz="457200" eaLnBrk="1" hangingPunct="1" latinLnBrk="0" marL="3657600" rtl="0">
+    <a:lvl9pPr algn="l" defTabSz="914400" eaLnBrk="1" hangingPunct="1" latinLnBrk="0" marL="3657600" rtl="0">
       <a:defRPr kern="1200" sz="1800">
         <a:solidFill>
           <a:schemeClr val="tx1"/>
@@ -110,12 +110,12 @@
   <p:extLst>
     <p:ext uri="{EFAFB233-063F-42B5-8137-9DF3F51BA10A}">
       <p15:sldGuideLst xmlns:p15="http://schemas.microsoft.com/office/powerpoint/2012/main">
-        <p15:guide id="1" orient="horz" pos="1620" userDrawn="1">
+        <p15:guide id="1" orient="horz" pos="2160" userDrawn="1">
           <p15:clr>
             <a:srgbClr val="A4A3A4"/>
           </p15:clr>
         </p15:guide>
-        <p15:guide id="2" pos="2880" userDrawn="1">
+        <p15:guide id="2" pos="3840" userDrawn="1">
           <p15:clr>
             <a:srgbClr val="A4A3A4"/>
           </p15:clr>
@@ -145,7 +145,13 @@
       </p:grpSpPr>
       <p:sp>
         <p:nvSpPr>
-          <p:cNvPr id="2" name="Title 1"/>
+          <p:cNvPr id="2" name="Title 1">
+            <a:extLst>
+              <a:ext uri="{FF2B5EF4-FFF2-40B4-BE49-F238E27FC236}">
+                <a16:creationId xmlns:a16="http://schemas.microsoft.com/office/drawing/2014/main" id="{5216EB9F-821C-3043-9B29-83C5977F52F4}"/>
+              </a:ext>
+            </a:extLst>
+          </p:cNvPr>
           <p:cNvSpPr>
             <a:spLocks noGrp="1"/>
           </p:cNvSpPr>
@@ -155,142 +161,121 @@
         </p:nvSpPr>
         <p:spPr>
           <a:xfrm>
-            <a:off x="685800" y="1597819"/>
-            <a:ext cx="7772400" cy="1102519"/>
+            <a:off x="1524000" y="1122364"/>
+            <a:ext cx="9144000" cy="2396341"/>
           </a:xfrm>
+          <a:prstGeom prst="rect">
+            <a:avLst/>
+          </a:prstGeom>
         </p:spPr>
         <p:txBody>
-          <a:bodyPr/>
-          <a:lstStyle/>
-          <a:p>
-            <a:r>
-              <a:rPr lang="en-US"/>
-              <a:t>Click to edit Master title style</a:t>
-            </a:r>
-          </a:p>
-        </p:txBody>
-      </p:sp>
-      <p:sp>
-        <p:nvSpPr>
-          <p:cNvPr id="3" name="Subtitle 2"/>
-          <p:cNvSpPr>
-            <a:spLocks noGrp="1"/>
-          </p:cNvSpPr>
-          <p:nvPr>
-            <p:ph type="subTitle" idx="1"/>
-          </p:nvPr>
-        </p:nvSpPr>
-        <p:spPr>
-          <a:xfrm>
-            <a:off x="1371600" y="2914650"/>
-            <a:ext cx="6400800" cy="1314450"/>
-          </a:xfrm>
-        </p:spPr>
-        <p:txBody>
-          <a:bodyPr/>
+          <a:bodyPr anchor="b">
+            <a:normAutofit/>
+          </a:bodyPr>
           <a:lstStyle>
-            <a:lvl1pPr marL="0" indent="0" algn="ctr">
-              <a:buNone/>
-              <a:defRPr>
+            <a:lvl1pPr algn="ctr">
+              <a:defRPr sz="3600">
                 <a:solidFill>
-                  <a:schemeClr val="tx1">
-                    <a:tint val="75000"/>
-                  </a:schemeClr>
+                  <a:srgbClr val="1A1A1A"/>
                 </a:solidFill>
               </a:defRPr>
             </a:lvl1pPr>
-            <a:lvl2pPr marL="342900" indent="0" algn="ctr">
-              <a:buNone/>
-              <a:defRPr>
+          </a:lstStyle>
+          <a:p>
+            <a:r>
+              <a:rPr lang="en-GB" dirty="0"/>
+              <a:t>Click to edit Master title style</a:t>
+            </a:r>
+            <a:endParaRPr lang="en-US" dirty="0"/>
+          </a:p>
+        </p:txBody>
+      </p:sp>
+      <p:sp>
+        <p:nvSpPr>
+          <p:cNvPr id="3" name="Subtitle 2">
+            <a:extLst>
+              <a:ext uri="{FF2B5EF4-FFF2-40B4-BE49-F238E27FC236}">
+                <a16:creationId xmlns:a16="http://schemas.microsoft.com/office/drawing/2014/main" id="{8C337200-5D83-FE46-9E69-B6B1D353C69A}"/>
+              </a:ext>
+            </a:extLst>
+          </p:cNvPr>
+          <p:cNvSpPr>
+            <a:spLocks noGrp="1"/>
+          </p:cNvSpPr>
+          <p:nvPr>
+            <p:ph type="subTitle" idx="1"/>
+          </p:nvPr>
+        </p:nvSpPr>
+        <p:spPr>
+          <a:xfrm>
+            <a:off x="1524000" y="3611302"/>
+            <a:ext cx="9144000" cy="1646498"/>
+          </a:xfrm>
+        </p:spPr>
+        <p:txBody>
+          <a:bodyPr>
+            <a:normAutofit/>
+          </a:bodyPr>
+          <a:lstStyle>
+            <a:lvl1pPr marL="0" indent="0" algn="ctr">
+              <a:buNone/>
+              <a:defRPr sz="1800" b="0">
                 <a:solidFill>
-                  <a:schemeClr val="tx1">
-                    <a:tint val="75000"/>
-                  </a:schemeClr>
+                  <a:srgbClr val="DC322F"/>
                 </a:solidFill>
               </a:defRPr>
+            </a:lvl1pPr>
+            <a:lvl2pPr marL="257175" indent="0" algn="ctr">
+              <a:buNone/>
+              <a:defRPr sz="1125"/>
             </a:lvl2pPr>
-            <a:lvl3pPr marL="685800" indent="0" algn="ctr">
-              <a:buNone/>
-              <a:defRPr>
-                <a:solidFill>
-                  <a:schemeClr val="tx1">
-                    <a:tint val="75000"/>
-                  </a:schemeClr>
-                </a:solidFill>
-              </a:defRPr>
+            <a:lvl3pPr marL="514350" indent="0" algn="ctr">
+              <a:buNone/>
+              <a:defRPr sz="1013"/>
             </a:lvl3pPr>
-            <a:lvl4pPr marL="1028700" indent="0" algn="ctr">
-              <a:buNone/>
-              <a:defRPr>
-                <a:solidFill>
-                  <a:schemeClr val="tx1">
-                    <a:tint val="75000"/>
-                  </a:schemeClr>
-                </a:solidFill>
-              </a:defRPr>
+            <a:lvl4pPr marL="771525" indent="0" algn="ctr">
+              <a:buNone/>
+              <a:defRPr sz="900"/>
             </a:lvl4pPr>
-            <a:lvl5pPr marL="1371600" indent="0" algn="ctr">
-              <a:buNone/>
-              <a:defRPr>
-                <a:solidFill>
-                  <a:schemeClr val="tx1">
-                    <a:tint val="75000"/>
-                  </a:schemeClr>
-                </a:solidFill>
-              </a:defRPr>
+            <a:lvl5pPr marL="1028700" indent="0" algn="ctr">
+              <a:buNone/>
+              <a:defRPr sz="900"/>
             </a:lvl5pPr>
-            <a:lvl6pPr marL="1714500" indent="0" algn="ctr">
-              <a:buNone/>
-              <a:defRPr>
-                <a:solidFill>
-                  <a:schemeClr val="tx1">
-                    <a:tint val="75000"/>
-                  </a:schemeClr>
-                </a:solidFill>
-              </a:defRPr>
+            <a:lvl6pPr marL="1285875" indent="0" algn="ctr">
+              <a:buNone/>
+              <a:defRPr sz="900"/>
             </a:lvl6pPr>
-            <a:lvl7pPr marL="2057400" indent="0" algn="ctr">
-              <a:buNone/>
-              <a:defRPr>
-                <a:solidFill>
-                  <a:schemeClr val="tx1">
-                    <a:tint val="75000"/>
-                  </a:schemeClr>
-                </a:solidFill>
-              </a:defRPr>
+            <a:lvl7pPr marL="1543050" indent="0" algn="ctr">
+              <a:buNone/>
+              <a:defRPr sz="900"/>
             </a:lvl7pPr>
-            <a:lvl8pPr marL="2400300" indent="0" algn="ctr">
-              <a:buNone/>
-              <a:defRPr>
-                <a:solidFill>
-                  <a:schemeClr val="tx1">
-                    <a:tint val="75000"/>
-                  </a:schemeClr>
-                </a:solidFill>
-              </a:defRPr>
+            <a:lvl8pPr marL="1800225" indent="0" algn="ctr">
+              <a:buNone/>
+              <a:defRPr sz="900"/>
             </a:lvl8pPr>
-            <a:lvl9pPr marL="2743200" indent="0" algn="ctr">
-              <a:buNone/>
-              <a:defRPr>
-                <a:solidFill>
-                  <a:schemeClr val="tx1">
-                    <a:tint val="75000"/>
-                  </a:schemeClr>
-                </a:solidFill>
-              </a:defRPr>
+            <a:lvl9pPr marL="2057400" indent="0" algn="ctr">
+              <a:buNone/>
+              <a:defRPr sz="900"/>
             </a:lvl9pPr>
           </a:lstStyle>
           <a:p>
             <a:r>
-              <a:rPr lang="en-US"/>
+              <a:rPr lang="en-GB" dirty="0"/>
               <a:t>Click to edit Master subtitle style</a:t>
             </a:r>
-          </a:p>
-        </p:txBody>
-      </p:sp>
-      <p:sp>
-        <p:nvSpPr>
-          <p:cNvPr id="4" name="Date Placeholder 3"/>
+            <a:endParaRPr lang="en-US" dirty="0"/>
+          </a:p>
+        </p:txBody>
+      </p:sp>
+      <p:sp>
+        <p:nvSpPr>
+          <p:cNvPr id="4" name="Date Placeholder 3">
+            <a:extLst>
+              <a:ext uri="{FF2B5EF4-FFF2-40B4-BE49-F238E27FC236}">
+                <a16:creationId xmlns:a16="http://schemas.microsoft.com/office/drawing/2014/main" id="{1069A7C7-1ADA-474D-B8F0-3471D14F86DA}"/>
+              </a:ext>
+            </a:extLst>
+          </p:cNvPr>
           <p:cNvSpPr>
             <a:spLocks noGrp="1"/>
           </p:cNvSpPr>
@@ -305,7 +290,7 @@
           <a:p>
             <a:fld id="{241EB5C9-1307-BA42-ABA2-0BC069CD8E7F}" type="datetimeFigureOut">
               <a:rPr lang="en-US" smtClean="0"/>
-              <a:t>1/2/22</a:t>
+              <a:t>1/31/22</a:t>
             </a:fld>
             <a:endParaRPr lang="en-US"/>
           </a:p>
@@ -313,7 +298,13 @@
       </p:sp>
       <p:sp>
         <p:nvSpPr>
-          <p:cNvPr id="5" name="Footer Placeholder 4"/>
+          <p:cNvPr id="5" name="Footer Placeholder 4">
+            <a:extLst>
+              <a:ext uri="{FF2B5EF4-FFF2-40B4-BE49-F238E27FC236}">
+                <a16:creationId xmlns:a16="http://schemas.microsoft.com/office/drawing/2014/main" id="{D7AE5A21-E3F8-414E-8783-9B787CEE9E94}"/>
+              </a:ext>
+            </a:extLst>
+          </p:cNvPr>
           <p:cNvSpPr>
             <a:spLocks noGrp="1"/>
           </p:cNvSpPr>
@@ -321,7 +312,15 @@
             <p:ph type="ftr" sz="quarter" idx="11"/>
           </p:nvPr>
         </p:nvSpPr>
-        <p:spPr/>
+        <p:spPr>
+          <a:xfrm>
+            <a:off x="4038600" y="6356354"/>
+            <a:ext cx="4114800" cy="365125"/>
+          </a:xfrm>
+          <a:prstGeom prst="rect">
+            <a:avLst/>
+          </a:prstGeom>
+        </p:spPr>
         <p:txBody>
           <a:bodyPr/>
           <a:lstStyle/>
@@ -332,7 +331,13 @@
       </p:sp>
       <p:sp>
         <p:nvSpPr>
-          <p:cNvPr id="6" name="Slide Number Placeholder 5"/>
+          <p:cNvPr id="6" name="Slide Number Placeholder 5">
+            <a:extLst>
+              <a:ext uri="{FF2B5EF4-FFF2-40B4-BE49-F238E27FC236}">
+                <a16:creationId xmlns:a16="http://schemas.microsoft.com/office/drawing/2014/main" id="{4BBA10B1-3C39-5B4F-85DD-4E44D8BDBC75}"/>
+              </a:ext>
+            </a:extLst>
+          </p:cNvPr>
           <p:cNvSpPr>
             <a:spLocks noGrp="1"/>
           </p:cNvSpPr>
@@ -356,7 +361,7 @@
     </p:spTree>
     <p:extLst>
       <p:ext uri="{BB962C8B-B14F-4D97-AF65-F5344CB8AC3E}">
-        <p14:creationId xmlns:p14="http://schemas.microsoft.com/office/powerpoint/2010/main" val="1444357513"/>
+        <p14:creationId xmlns:p14="http://schemas.microsoft.com/office/powerpoint/2010/main" val="472853658"/>
       </p:ext>
     </p:extLst>
   </p:cSld>
@@ -385,7 +390,13 @@
       </p:grpSpPr>
       <p:sp>
         <p:nvSpPr>
-          <p:cNvPr id="2" name="Title 1"/>
+          <p:cNvPr id="2" name="Title 1">
+            <a:extLst>
+              <a:ext uri="{FF2B5EF4-FFF2-40B4-BE49-F238E27FC236}">
+                <a16:creationId xmlns:a16="http://schemas.microsoft.com/office/drawing/2014/main" id="{8AC8FF1A-8372-FB40-B0E0-0EE88C8B296D}"/>
+              </a:ext>
+            </a:extLst>
+          </p:cNvPr>
           <p:cNvSpPr>
             <a:spLocks noGrp="1"/>
           </p:cNvSpPr>
@@ -393,21 +404,44 @@
             <p:ph type="title"/>
           </p:nvPr>
         </p:nvSpPr>
-        <p:spPr/>
-        <p:txBody>
-          <a:bodyPr/>
-          <a:lstStyle/>
-          <a:p>
-            <a:r>
-              <a:rPr lang="en-US"/>
+        <p:spPr>
+          <a:xfrm>
+            <a:off x="838200" y="365129"/>
+            <a:ext cx="10515600" cy="1325563"/>
+          </a:xfrm>
+          <a:prstGeom prst="rect">
+            <a:avLst/>
+          </a:prstGeom>
+        </p:spPr>
+        <p:txBody>
+          <a:bodyPr/>
+          <a:lstStyle>
+            <a:lvl1pPr>
+              <a:defRPr>
+                <a:solidFill>
+                  <a:srgbClr val="DC322F"/>
+                </a:solidFill>
+              </a:defRPr>
+            </a:lvl1pPr>
+          </a:lstStyle>
+          <a:p>
+            <a:r>
+              <a:rPr lang="en-GB" dirty="0"/>
               <a:t>Click to edit Master title style</a:t>
             </a:r>
-          </a:p>
-        </p:txBody>
-      </p:sp>
-      <p:sp>
-        <p:nvSpPr>
-          <p:cNvPr id="3" name="Vertical Text Placeholder 2"/>
+            <a:endParaRPr lang="en-US" dirty="0"/>
+          </a:p>
+        </p:txBody>
+      </p:sp>
+      <p:sp>
+        <p:nvSpPr>
+          <p:cNvPr id="3" name="Vertical Text Placeholder 2">
+            <a:extLst>
+              <a:ext uri="{FF2B5EF4-FFF2-40B4-BE49-F238E27FC236}">
+                <a16:creationId xmlns:a16="http://schemas.microsoft.com/office/drawing/2014/main" id="{809F1868-78C4-704F-87A4-9909281CB57C}"/>
+              </a:ext>
+            </a:extLst>
+          </p:cNvPr>
           <p:cNvSpPr>
             <a:spLocks noGrp="1"/>
           </p:cNvSpPr>
@@ -422,43 +456,50 @@
           <a:p>
             <a:pPr lvl="0"/>
             <a:r>
-              <a:rPr lang="en-US"/>
+              <a:rPr lang="en-GB" dirty="0"/>
               <a:t>Click to edit Master text styles</a:t>
             </a:r>
           </a:p>
           <a:p>
             <a:pPr lvl="1"/>
             <a:r>
-              <a:rPr lang="en-US"/>
+              <a:rPr lang="en-GB" dirty="0"/>
               <a:t>Second level</a:t>
             </a:r>
           </a:p>
           <a:p>
             <a:pPr lvl="2"/>
             <a:r>
-              <a:rPr lang="en-US"/>
+              <a:rPr lang="en-GB" dirty="0"/>
               <a:t>Third level</a:t>
             </a:r>
           </a:p>
           <a:p>
             <a:pPr lvl="3"/>
             <a:r>
-              <a:rPr lang="en-US"/>
+              <a:rPr lang="en-GB" dirty="0"/>
               <a:t>Fourth level</a:t>
             </a:r>
           </a:p>
           <a:p>
             <a:pPr lvl="4"/>
             <a:r>
-              <a:rPr lang="en-US"/>
+              <a:rPr lang="en-GB" dirty="0"/>
               <a:t>Fifth level</a:t>
             </a:r>
-          </a:p>
-        </p:txBody>
-      </p:sp>
-      <p:sp>
-        <p:nvSpPr>
-          <p:cNvPr id="4" name="Date Placeholder 3"/>
+            <a:endParaRPr lang="en-US" dirty="0"/>
+          </a:p>
+        </p:txBody>
+      </p:sp>
+      <p:sp>
+        <p:nvSpPr>
+          <p:cNvPr id="4" name="Date Placeholder 3">
+            <a:extLst>
+              <a:ext uri="{FF2B5EF4-FFF2-40B4-BE49-F238E27FC236}">
+                <a16:creationId xmlns:a16="http://schemas.microsoft.com/office/drawing/2014/main" id="{86A64A86-EE40-7F47-8F4A-D5FD082D30CB}"/>
+              </a:ext>
+            </a:extLst>
+          </p:cNvPr>
           <p:cNvSpPr>
             <a:spLocks noGrp="1"/>
           </p:cNvSpPr>
@@ -473,7 +514,7 @@
           <a:p>
             <a:fld id="{241EB5C9-1307-BA42-ABA2-0BC069CD8E7F}" type="datetimeFigureOut">
               <a:rPr lang="en-US" smtClean="0"/>
-              <a:t>1/2/22</a:t>
+              <a:t>1/31/22</a:t>
             </a:fld>
             <a:endParaRPr lang="en-US"/>
           </a:p>
@@ -481,7 +522,13 @@
       </p:sp>
       <p:sp>
         <p:nvSpPr>
-          <p:cNvPr id="5" name="Footer Placeholder 4"/>
+          <p:cNvPr id="5" name="Footer Placeholder 4">
+            <a:extLst>
+              <a:ext uri="{FF2B5EF4-FFF2-40B4-BE49-F238E27FC236}">
+                <a16:creationId xmlns:a16="http://schemas.microsoft.com/office/drawing/2014/main" id="{55936DD5-D90C-D148-9A75-6E5EF76E4F06}"/>
+              </a:ext>
+            </a:extLst>
+          </p:cNvPr>
           <p:cNvSpPr>
             <a:spLocks noGrp="1"/>
           </p:cNvSpPr>
@@ -489,7 +536,15 @@
             <p:ph type="ftr" sz="quarter" idx="11"/>
           </p:nvPr>
         </p:nvSpPr>
-        <p:spPr/>
+        <p:spPr>
+          <a:xfrm>
+            <a:off x="4038600" y="6356354"/>
+            <a:ext cx="4114800" cy="365125"/>
+          </a:xfrm>
+          <a:prstGeom prst="rect">
+            <a:avLst/>
+          </a:prstGeom>
+        </p:spPr>
         <p:txBody>
           <a:bodyPr/>
           <a:lstStyle/>
@@ -500,7 +555,13 @@
       </p:sp>
       <p:sp>
         <p:nvSpPr>
-          <p:cNvPr id="6" name="Slide Number Placeholder 5"/>
+          <p:cNvPr id="6" name="Slide Number Placeholder 5">
+            <a:extLst>
+              <a:ext uri="{FF2B5EF4-FFF2-40B4-BE49-F238E27FC236}">
+                <a16:creationId xmlns:a16="http://schemas.microsoft.com/office/drawing/2014/main" id="{C28649B3-720E-654D-9610-263AC0D91137}"/>
+              </a:ext>
+            </a:extLst>
+          </p:cNvPr>
           <p:cNvSpPr>
             <a:spLocks noGrp="1"/>
           </p:cNvSpPr>
@@ -524,7 +585,7 @@
     </p:spTree>
     <p:extLst>
       <p:ext uri="{BB962C8B-B14F-4D97-AF65-F5344CB8AC3E}">
-        <p14:creationId xmlns:p14="http://schemas.microsoft.com/office/powerpoint/2010/main" val="313914798"/>
+        <p14:creationId xmlns:p14="http://schemas.microsoft.com/office/powerpoint/2010/main" val="1164995391"/>
       </p:ext>
     </p:extLst>
   </p:cSld>
@@ -553,7 +614,13 @@
       </p:grpSpPr>
       <p:sp>
         <p:nvSpPr>
-          <p:cNvPr id="2" name="Vertical Title 1"/>
+          <p:cNvPr id="2" name="Vertical Title 1">
+            <a:extLst>
+              <a:ext uri="{FF2B5EF4-FFF2-40B4-BE49-F238E27FC236}">
+                <a16:creationId xmlns:a16="http://schemas.microsoft.com/office/drawing/2014/main" id="{575E4B96-467B-A24D-9EC1-DD46EE699A09}"/>
+              </a:ext>
+            </a:extLst>
+          </p:cNvPr>
           <p:cNvSpPr>
             <a:spLocks noGrp="1"/>
           </p:cNvSpPr>
@@ -563,122 +630,167 @@
         </p:nvSpPr>
         <p:spPr>
           <a:xfrm>
-            <a:off x="6629400" y="205979"/>
-            <a:ext cx="2057400" cy="4388644"/>
+            <a:off x="8724902" y="365125"/>
+            <a:ext cx="2628900" cy="5811838"/>
+          </a:xfrm>
+          <a:prstGeom prst="rect">
+            <a:avLst/>
+          </a:prstGeom>
+        </p:spPr>
+        <p:txBody>
+          <a:bodyPr vert="eaVert"/>
+          <a:lstStyle>
+            <a:lvl1pPr>
+              <a:defRPr>
+                <a:solidFill>
+                  <a:srgbClr val="1A1A1A"/>
+                </a:solidFill>
+              </a:defRPr>
+            </a:lvl1pPr>
+          </a:lstStyle>
+          <a:p>
+            <a:r>
+              <a:rPr lang="en-GB" dirty="0"/>
+              <a:t>Click to edit Master title style</a:t>
+            </a:r>
+            <a:endParaRPr lang="en-US" dirty="0"/>
+          </a:p>
+        </p:txBody>
+      </p:sp>
+      <p:sp>
+        <p:nvSpPr>
+          <p:cNvPr id="3" name="Vertical Text Placeholder 2">
+            <a:extLst>
+              <a:ext uri="{FF2B5EF4-FFF2-40B4-BE49-F238E27FC236}">
+                <a16:creationId xmlns:a16="http://schemas.microsoft.com/office/drawing/2014/main" id="{0E50EC97-EC51-3242-A427-B6C401F9BC04}"/>
+              </a:ext>
+            </a:extLst>
+          </p:cNvPr>
+          <p:cNvSpPr>
+            <a:spLocks noGrp="1"/>
+          </p:cNvSpPr>
+          <p:nvPr>
+            <p:ph type="body" orient="vert" idx="1"/>
+          </p:nvPr>
+        </p:nvSpPr>
+        <p:spPr>
+          <a:xfrm>
+            <a:off x="838202" y="365125"/>
+            <a:ext cx="7734300" cy="5811838"/>
           </a:xfrm>
         </p:spPr>
         <p:txBody>
           <a:bodyPr vert="eaVert"/>
           <a:lstStyle/>
           <a:p>
-            <a:r>
-              <a:rPr lang="en-US"/>
-              <a:t>Click to edit Master title style</a:t>
-            </a:r>
-          </a:p>
-        </p:txBody>
-      </p:sp>
-      <p:sp>
-        <p:nvSpPr>
-          <p:cNvPr id="3" name="Vertical Text Placeholder 2"/>
-          <p:cNvSpPr>
-            <a:spLocks noGrp="1"/>
-          </p:cNvSpPr>
-          <p:nvPr>
-            <p:ph type="body" orient="vert" idx="1"/>
+            <a:pPr lvl="0"/>
+            <a:r>
+              <a:rPr lang="en-GB" dirty="0"/>
+              <a:t>Click to edit Master text styles</a:t>
+            </a:r>
+          </a:p>
+          <a:p>
+            <a:pPr lvl="1"/>
+            <a:r>
+              <a:rPr lang="en-GB" dirty="0"/>
+              <a:t>Second level</a:t>
+            </a:r>
+          </a:p>
+          <a:p>
+            <a:pPr lvl="2"/>
+            <a:r>
+              <a:rPr lang="en-GB" dirty="0"/>
+              <a:t>Third level</a:t>
+            </a:r>
+          </a:p>
+          <a:p>
+            <a:pPr lvl="3"/>
+            <a:r>
+              <a:rPr lang="en-GB" dirty="0"/>
+              <a:t>Fourth level</a:t>
+            </a:r>
+          </a:p>
+          <a:p>
+            <a:pPr lvl="4"/>
+            <a:r>
+              <a:rPr lang="en-GB" dirty="0"/>
+              <a:t>Fifth level</a:t>
+            </a:r>
+            <a:endParaRPr lang="en-US" dirty="0"/>
+          </a:p>
+        </p:txBody>
+      </p:sp>
+      <p:sp>
+        <p:nvSpPr>
+          <p:cNvPr id="4" name="Date Placeholder 3">
+            <a:extLst>
+              <a:ext uri="{FF2B5EF4-FFF2-40B4-BE49-F238E27FC236}">
+                <a16:creationId xmlns:a16="http://schemas.microsoft.com/office/drawing/2014/main" id="{D5954FCF-A603-6944-ACE1-F3530AABAAD9}"/>
+              </a:ext>
+            </a:extLst>
+          </p:cNvPr>
+          <p:cNvSpPr>
+            <a:spLocks noGrp="1"/>
+          </p:cNvSpPr>
+          <p:nvPr>
+            <p:ph type="dt" sz="half" idx="10"/>
+          </p:nvPr>
+        </p:nvSpPr>
+        <p:spPr/>
+        <p:txBody>
+          <a:bodyPr/>
+          <a:lstStyle/>
+          <a:p>
+            <a:fld id="{241EB5C9-1307-BA42-ABA2-0BC069CD8E7F}" type="datetimeFigureOut">
+              <a:rPr lang="en-US" smtClean="0"/>
+              <a:t>1/31/22</a:t>
+            </a:fld>
+            <a:endParaRPr lang="en-US"/>
+          </a:p>
+        </p:txBody>
+      </p:sp>
+      <p:sp>
+        <p:nvSpPr>
+          <p:cNvPr id="5" name="Footer Placeholder 4">
+            <a:extLst>
+              <a:ext uri="{FF2B5EF4-FFF2-40B4-BE49-F238E27FC236}">
+                <a16:creationId xmlns:a16="http://schemas.microsoft.com/office/drawing/2014/main" id="{C0DD700E-B16B-6340-9BEE-2E563F9274B4}"/>
+              </a:ext>
+            </a:extLst>
+          </p:cNvPr>
+          <p:cNvSpPr>
+            <a:spLocks noGrp="1"/>
+          </p:cNvSpPr>
+          <p:nvPr>
+            <p:ph type="ftr" sz="quarter" idx="11"/>
           </p:nvPr>
         </p:nvSpPr>
         <p:spPr>
           <a:xfrm>
-            <a:off x="457200" y="205979"/>
-            <a:ext cx="6019800" cy="4388644"/>
+            <a:off x="4038600" y="6356354"/>
+            <a:ext cx="4114800" cy="365125"/>
           </a:xfrm>
+          <a:prstGeom prst="rect">
+            <a:avLst/>
+          </a:prstGeom>
         </p:spPr>
         <p:txBody>
-          <a:bodyPr vert="eaVert"/>
+          <a:bodyPr/>
           <a:lstStyle/>
           <a:p>
-            <a:pPr lvl="0"/>
-            <a:r>
-              <a:rPr lang="en-US"/>
-              <a:t>Click to edit Master text styles</a:t>
-            </a:r>
-          </a:p>
-          <a:p>
-            <a:pPr lvl="1"/>
-            <a:r>
-              <a:rPr lang="en-US"/>
-              <a:t>Second level</a:t>
-            </a:r>
-          </a:p>
-          <a:p>
-            <a:pPr lvl="2"/>
-            <a:r>
-              <a:rPr lang="en-US"/>
-              <a:t>Third level</a:t>
-            </a:r>
-          </a:p>
-          <a:p>
-            <a:pPr lvl="3"/>
-            <a:r>
-              <a:rPr lang="en-US"/>
-              <a:t>Fourth level</a:t>
-            </a:r>
-          </a:p>
-          <a:p>
-            <a:pPr lvl="4"/>
-            <a:r>
-              <a:rPr lang="en-US"/>
-              <a:t>Fifth level</a:t>
-            </a:r>
-          </a:p>
-        </p:txBody>
-      </p:sp>
-      <p:sp>
-        <p:nvSpPr>
-          <p:cNvPr id="4" name="Date Placeholder 3"/>
-          <p:cNvSpPr>
-            <a:spLocks noGrp="1"/>
-          </p:cNvSpPr>
-          <p:nvPr>
-            <p:ph type="dt" sz="half" idx="10"/>
-          </p:nvPr>
-        </p:nvSpPr>
-        <p:spPr/>
-        <p:txBody>
-          <a:bodyPr/>
-          <a:lstStyle/>
-          <a:p>
-            <a:fld id="{241EB5C9-1307-BA42-ABA2-0BC069CD8E7F}" type="datetimeFigureOut">
-              <a:rPr lang="en-US" smtClean="0"/>
-              <a:t>1/2/22</a:t>
-            </a:fld>
             <a:endParaRPr lang="en-US"/>
           </a:p>
         </p:txBody>
       </p:sp>
       <p:sp>
         <p:nvSpPr>
-          <p:cNvPr id="5" name="Footer Placeholder 4"/>
-          <p:cNvSpPr>
-            <a:spLocks noGrp="1"/>
-          </p:cNvSpPr>
-          <p:nvPr>
-            <p:ph type="ftr" sz="quarter" idx="11"/>
-          </p:nvPr>
-        </p:nvSpPr>
-        <p:spPr/>
-        <p:txBody>
-          <a:bodyPr/>
-          <a:lstStyle/>
-          <a:p>
-            <a:endParaRPr lang="en-US"/>
-          </a:p>
-        </p:txBody>
-      </p:sp>
-      <p:sp>
-        <p:nvSpPr>
-          <p:cNvPr id="6" name="Slide Number Placeholder 5"/>
+          <p:cNvPr id="6" name="Slide Number Placeholder 5">
+            <a:extLst>
+              <a:ext uri="{FF2B5EF4-FFF2-40B4-BE49-F238E27FC236}">
+                <a16:creationId xmlns:a16="http://schemas.microsoft.com/office/drawing/2014/main" id="{36CBADE9-5F17-2E4E-A23B-A3EF5CC96322}"/>
+              </a:ext>
+            </a:extLst>
+          </p:cNvPr>
           <p:cNvSpPr>
             <a:spLocks noGrp="1"/>
           </p:cNvSpPr>
@@ -702,7 +814,300 @@
     </p:spTree>
     <p:extLst>
       <p:ext uri="{BB962C8B-B14F-4D97-AF65-F5344CB8AC3E}">
-        <p14:creationId xmlns:p14="http://schemas.microsoft.com/office/powerpoint/2010/main" val="2581529045"/>
+        <p14:creationId xmlns:p14="http://schemas.microsoft.com/office/powerpoint/2010/main" val="359348663"/>
+      </p:ext>
+    </p:extLst>
+  </p:cSld>
+  <p:clrMapOvr>
+    <a:masterClrMapping/>
+  </p:clrMapOvr>
+</p:sldLayout>
+</file>
+
+<file path=ppt/slideLayouts/slideLayout12.xml><?xml version="1.0" encoding="utf-8"?>
+<p:sldLayout xmlns:a="http://schemas.openxmlformats.org/drawingml/2006/main" xmlns:r="http://schemas.openxmlformats.org/officeDocument/2006/relationships" xmlns:p="http://schemas.openxmlformats.org/presentationml/2006/main" type="secHead">
+  <p:cSld name="1_Section Header">
+    <p:spTree>
+      <p:nvGrpSpPr>
+        <p:cNvPr id="1" name=""/>
+        <p:cNvGrpSpPr/>
+        <p:nvPr/>
+      </p:nvGrpSpPr>
+      <p:grpSpPr>
+        <a:xfrm>
+          <a:off x="0" y="0"/>
+          <a:ext cx="0" cy="0"/>
+          <a:chOff x="0" y="0"/>
+          <a:chExt cx="0" cy="0"/>
+        </a:xfrm>
+      </p:grpSpPr>
+      <p:sp>
+        <p:nvSpPr>
+          <p:cNvPr id="2" name="Title 1">
+            <a:extLst>
+              <a:ext uri="{FF2B5EF4-FFF2-40B4-BE49-F238E27FC236}">
+                <a16:creationId xmlns:a16="http://schemas.microsoft.com/office/drawing/2014/main" id="{FF6A6CB2-D1B6-B94A-84C1-83C65423C650}"/>
+              </a:ext>
+            </a:extLst>
+          </p:cNvPr>
+          <p:cNvSpPr>
+            <a:spLocks noGrp="1"/>
+          </p:cNvSpPr>
+          <p:nvPr>
+            <p:ph type="title"/>
+          </p:nvPr>
+        </p:nvSpPr>
+        <p:spPr>
+          <a:xfrm>
+            <a:off x="831851" y="1709742"/>
+            <a:ext cx="10515600" cy="2852737"/>
+          </a:xfrm>
+          <a:prstGeom prst="rect">
+            <a:avLst/>
+          </a:prstGeom>
+        </p:spPr>
+        <p:txBody>
+          <a:bodyPr anchor="ctr">
+            <a:normAutofit/>
+          </a:bodyPr>
+          <a:lstStyle>
+            <a:lvl1pPr algn="ctr">
+              <a:defRPr sz="3600">
+                <a:solidFill>
+                  <a:srgbClr val="1A1A1A"/>
+                </a:solidFill>
+              </a:defRPr>
+            </a:lvl1pPr>
+          </a:lstStyle>
+          <a:p>
+            <a:r>
+              <a:rPr lang="en-GB" dirty="0"/>
+              <a:t>Click to edit Master title style</a:t>
+            </a:r>
+            <a:endParaRPr lang="en-US" dirty="0"/>
+          </a:p>
+        </p:txBody>
+      </p:sp>
+      <p:sp>
+        <p:nvSpPr>
+          <p:cNvPr id="3" name="Text Placeholder 2">
+            <a:extLst>
+              <a:ext uri="{FF2B5EF4-FFF2-40B4-BE49-F238E27FC236}">
+                <a16:creationId xmlns:a16="http://schemas.microsoft.com/office/drawing/2014/main" id="{51A433C7-4F7C-4247-8FF5-1E63E18E14D1}"/>
+              </a:ext>
+            </a:extLst>
+          </p:cNvPr>
+          <p:cNvSpPr>
+            <a:spLocks noGrp="1"/>
+          </p:cNvSpPr>
+          <p:nvPr>
+            <p:ph type="body" idx="1"/>
+          </p:nvPr>
+        </p:nvSpPr>
+        <p:spPr>
+          <a:xfrm>
+            <a:off x="831851" y="4589467"/>
+            <a:ext cx="10515600" cy="1500187"/>
+          </a:xfrm>
+        </p:spPr>
+        <p:txBody>
+          <a:bodyPr>
+            <a:normAutofit/>
+          </a:bodyPr>
+          <a:lstStyle>
+            <a:lvl1pPr marL="0" indent="0" algn="ctr">
+              <a:buNone/>
+              <a:defRPr sz="2000" b="0">
+                <a:solidFill>
+                  <a:srgbClr val="DC322F"/>
+                </a:solidFill>
+              </a:defRPr>
+            </a:lvl1pPr>
+            <a:lvl2pPr marL="257175" indent="0">
+              <a:buNone/>
+              <a:defRPr sz="1125">
+                <a:solidFill>
+                  <a:schemeClr val="tx1">
+                    <a:tint val="75000"/>
+                  </a:schemeClr>
+                </a:solidFill>
+              </a:defRPr>
+            </a:lvl2pPr>
+            <a:lvl3pPr marL="514350" indent="0">
+              <a:buNone/>
+              <a:defRPr sz="1013">
+                <a:solidFill>
+                  <a:schemeClr val="tx1">
+                    <a:tint val="75000"/>
+                  </a:schemeClr>
+                </a:solidFill>
+              </a:defRPr>
+            </a:lvl3pPr>
+            <a:lvl4pPr marL="771525" indent="0">
+              <a:buNone/>
+              <a:defRPr sz="900">
+                <a:solidFill>
+                  <a:schemeClr val="tx1">
+                    <a:tint val="75000"/>
+                  </a:schemeClr>
+                </a:solidFill>
+              </a:defRPr>
+            </a:lvl4pPr>
+            <a:lvl5pPr marL="1028700" indent="0">
+              <a:buNone/>
+              <a:defRPr sz="900">
+                <a:solidFill>
+                  <a:schemeClr val="tx1">
+                    <a:tint val="75000"/>
+                  </a:schemeClr>
+                </a:solidFill>
+              </a:defRPr>
+            </a:lvl5pPr>
+            <a:lvl6pPr marL="1285875" indent="0">
+              <a:buNone/>
+              <a:defRPr sz="900">
+                <a:solidFill>
+                  <a:schemeClr val="tx1">
+                    <a:tint val="75000"/>
+                  </a:schemeClr>
+                </a:solidFill>
+              </a:defRPr>
+            </a:lvl6pPr>
+            <a:lvl7pPr marL="1543050" indent="0">
+              <a:buNone/>
+              <a:defRPr sz="900">
+                <a:solidFill>
+                  <a:schemeClr val="tx1">
+                    <a:tint val="75000"/>
+                  </a:schemeClr>
+                </a:solidFill>
+              </a:defRPr>
+            </a:lvl7pPr>
+            <a:lvl8pPr marL="1800225" indent="0">
+              <a:buNone/>
+              <a:defRPr sz="900">
+                <a:solidFill>
+                  <a:schemeClr val="tx1">
+                    <a:tint val="75000"/>
+                  </a:schemeClr>
+                </a:solidFill>
+              </a:defRPr>
+            </a:lvl8pPr>
+            <a:lvl9pPr marL="2057400" indent="0">
+              <a:buNone/>
+              <a:defRPr sz="900">
+                <a:solidFill>
+                  <a:schemeClr val="tx1">
+                    <a:tint val="75000"/>
+                  </a:schemeClr>
+                </a:solidFill>
+              </a:defRPr>
+            </a:lvl9pPr>
+          </a:lstStyle>
+          <a:p>
+            <a:pPr lvl="0"/>
+            <a:r>
+              <a:rPr lang="en-GB" dirty="0"/>
+              <a:t>Click to edit Master text styles</a:t>
+            </a:r>
+          </a:p>
+        </p:txBody>
+      </p:sp>
+      <p:sp>
+        <p:nvSpPr>
+          <p:cNvPr id="4" name="Date Placeholder 3">
+            <a:extLst>
+              <a:ext uri="{FF2B5EF4-FFF2-40B4-BE49-F238E27FC236}">
+                <a16:creationId xmlns:a16="http://schemas.microsoft.com/office/drawing/2014/main" id="{9E116D53-A7E8-384A-A924-CB556123D05C}"/>
+              </a:ext>
+            </a:extLst>
+          </p:cNvPr>
+          <p:cNvSpPr>
+            <a:spLocks noGrp="1"/>
+          </p:cNvSpPr>
+          <p:nvPr>
+            <p:ph type="dt" sz="half" idx="10"/>
+          </p:nvPr>
+        </p:nvSpPr>
+        <p:spPr/>
+        <p:txBody>
+          <a:bodyPr/>
+          <a:lstStyle/>
+          <a:p>
+            <a:fld id="{241EB5C9-1307-BA42-ABA2-0BC069CD8E7F}" type="datetimeFigureOut">
+              <a:rPr lang="en-US" smtClean="0"/>
+              <a:t>1/31/22</a:t>
+            </a:fld>
+            <a:endParaRPr lang="en-US"/>
+          </a:p>
+        </p:txBody>
+      </p:sp>
+      <p:sp>
+        <p:nvSpPr>
+          <p:cNvPr id="5" name="Footer Placeholder 4">
+            <a:extLst>
+              <a:ext uri="{FF2B5EF4-FFF2-40B4-BE49-F238E27FC236}">
+                <a16:creationId xmlns:a16="http://schemas.microsoft.com/office/drawing/2014/main" id="{9D8D3A5F-D224-144E-B1C6-E4C0A0C64637}"/>
+              </a:ext>
+            </a:extLst>
+          </p:cNvPr>
+          <p:cNvSpPr>
+            <a:spLocks noGrp="1"/>
+          </p:cNvSpPr>
+          <p:nvPr>
+            <p:ph type="ftr" sz="quarter" idx="11"/>
+          </p:nvPr>
+        </p:nvSpPr>
+        <p:spPr>
+          <a:xfrm>
+            <a:off x="4038600" y="6356354"/>
+            <a:ext cx="4114800" cy="365125"/>
+          </a:xfrm>
+          <a:prstGeom prst="rect">
+            <a:avLst/>
+          </a:prstGeom>
+        </p:spPr>
+        <p:txBody>
+          <a:bodyPr/>
+          <a:lstStyle/>
+          <a:p>
+            <a:endParaRPr lang="en-US"/>
+          </a:p>
+        </p:txBody>
+      </p:sp>
+      <p:sp>
+        <p:nvSpPr>
+          <p:cNvPr id="6" name="Slide Number Placeholder 5">
+            <a:extLst>
+              <a:ext uri="{FF2B5EF4-FFF2-40B4-BE49-F238E27FC236}">
+                <a16:creationId xmlns:a16="http://schemas.microsoft.com/office/drawing/2014/main" id="{23885A41-9B71-494D-8739-5A09F705E6B7}"/>
+              </a:ext>
+            </a:extLst>
+          </p:cNvPr>
+          <p:cNvSpPr>
+            <a:spLocks noGrp="1"/>
+          </p:cNvSpPr>
+          <p:nvPr>
+            <p:ph type="sldNum" sz="quarter" idx="12"/>
+          </p:nvPr>
+        </p:nvSpPr>
+        <p:spPr/>
+        <p:txBody>
+          <a:bodyPr/>
+          <a:lstStyle/>
+          <a:p>
+            <a:fld id="{C5EF2332-01BF-834F-8236-50238282D533}" type="slidenum">
+              <a:rPr lang="en-US" smtClean="0"/>
+              <a:t>‹#›</a:t>
+            </a:fld>
+            <a:endParaRPr lang="en-US"/>
+          </a:p>
+        </p:txBody>
+      </p:sp>
+    </p:spTree>
+    <p:extLst>
+      <p:ext uri="{BB962C8B-B14F-4D97-AF65-F5344CB8AC3E}">
+        <p14:creationId xmlns:p14="http://schemas.microsoft.com/office/powerpoint/2010/main" val="742582636"/>
       </p:ext>
     </p:extLst>
   </p:cSld>
@@ -731,7 +1136,13 @@
       </p:grpSpPr>
       <p:sp>
         <p:nvSpPr>
-          <p:cNvPr id="2" name="Title 1"/>
+          <p:cNvPr id="2" name="Title 1">
+            <a:extLst>
+              <a:ext uri="{FF2B5EF4-FFF2-40B4-BE49-F238E27FC236}">
+                <a16:creationId xmlns:a16="http://schemas.microsoft.com/office/drawing/2014/main" id="{DD9B8E45-0772-954C-8D4B-6E6808DFEDED}"/>
+              </a:ext>
+            </a:extLst>
+          </p:cNvPr>
           <p:cNvSpPr>
             <a:spLocks noGrp="1"/>
           </p:cNvSpPr>
@@ -739,72 +1150,152 @@
             <p:ph type="title"/>
           </p:nvPr>
         </p:nvSpPr>
+        <p:spPr>
+          <a:xfrm>
+            <a:off x="838200" y="365129"/>
+            <a:ext cx="10515600" cy="1325563"/>
+          </a:xfrm>
+          <a:prstGeom prst="rect">
+            <a:avLst/>
+          </a:prstGeom>
+        </p:spPr>
+        <p:txBody>
+          <a:bodyPr>
+            <a:normAutofit/>
+          </a:bodyPr>
+          <a:lstStyle>
+            <a:lvl1pPr>
+              <a:defRPr sz="3200">
+                <a:solidFill>
+                  <a:srgbClr val="DC322F"/>
+                </a:solidFill>
+                <a:latin typeface="Trebuchet MS" panose="020B0703020202090204" pitchFamily="34" charset="0"/>
+                <a:cs typeface="Arial" panose="020B0604020202020204" pitchFamily="34" charset="0"/>
+              </a:defRPr>
+            </a:lvl1pPr>
+          </a:lstStyle>
+          <a:p>
+            <a:r>
+              <a:rPr lang="en-GB" dirty="0"/>
+              <a:t>Click to edit Master title style</a:t>
+            </a:r>
+            <a:endParaRPr lang="en-US" dirty="0"/>
+          </a:p>
+        </p:txBody>
+      </p:sp>
+      <p:sp>
+        <p:nvSpPr>
+          <p:cNvPr id="3" name="Content Placeholder 2">
+            <a:extLst>
+              <a:ext uri="{FF2B5EF4-FFF2-40B4-BE49-F238E27FC236}">
+                <a16:creationId xmlns:a16="http://schemas.microsoft.com/office/drawing/2014/main" id="{A4EB24F9-04F1-C843-9D71-56C5C024552B}"/>
+              </a:ext>
+            </a:extLst>
+          </p:cNvPr>
+          <p:cNvSpPr>
+            <a:spLocks noGrp="1"/>
+          </p:cNvSpPr>
+          <p:nvPr>
+            <p:ph idx="1"/>
+          </p:nvPr>
+        </p:nvSpPr>
         <p:spPr/>
         <p:txBody>
           <a:bodyPr/>
-          <a:lstStyle/>
-          <a:p>
-            <a:r>
-              <a:rPr lang="en-US"/>
-              <a:t>Click to edit Master title style</a:t>
-            </a:r>
-          </a:p>
-        </p:txBody>
-      </p:sp>
-      <p:sp>
-        <p:nvSpPr>
-          <p:cNvPr id="3" name="Content Placeholder 2"/>
-          <p:cNvSpPr>
-            <a:spLocks noGrp="1"/>
-          </p:cNvSpPr>
-          <p:nvPr>
-            <p:ph idx="1"/>
-          </p:nvPr>
-        </p:nvSpPr>
-        <p:spPr/>
-        <p:txBody>
-          <a:bodyPr/>
-          <a:lstStyle/>
+          <a:lstStyle>
+            <a:lvl1pPr>
+              <a:defRPr>
+                <a:solidFill>
+                  <a:srgbClr val="1A1A1A"/>
+                </a:solidFill>
+                <a:latin typeface="Arial" panose="020B0604020202020204" pitchFamily="34" charset="0"/>
+                <a:cs typeface="Arial" panose="020B0604020202020204" pitchFamily="34" charset="0"/>
+              </a:defRPr>
+            </a:lvl1pPr>
+            <a:lvl2pPr>
+              <a:defRPr>
+                <a:solidFill>
+                  <a:srgbClr val="1A1A1A"/>
+                </a:solidFill>
+                <a:latin typeface="Arial" panose="020B0604020202020204" pitchFamily="34" charset="0"/>
+                <a:cs typeface="Arial" panose="020B0604020202020204" pitchFamily="34" charset="0"/>
+              </a:defRPr>
+            </a:lvl2pPr>
+            <a:lvl3pPr>
+              <a:defRPr>
+                <a:solidFill>
+                  <a:srgbClr val="1A1A1A"/>
+                </a:solidFill>
+                <a:latin typeface="Arial" panose="020B0604020202020204" pitchFamily="34" charset="0"/>
+                <a:cs typeface="Arial" panose="020B0604020202020204" pitchFamily="34" charset="0"/>
+              </a:defRPr>
+            </a:lvl3pPr>
+            <a:lvl4pPr>
+              <a:defRPr>
+                <a:solidFill>
+                  <a:srgbClr val="1A1A1A"/>
+                </a:solidFill>
+                <a:latin typeface="Arial" panose="020B0604020202020204" pitchFamily="34" charset="0"/>
+                <a:cs typeface="Arial" panose="020B0604020202020204" pitchFamily="34" charset="0"/>
+              </a:defRPr>
+            </a:lvl4pPr>
+            <a:lvl5pPr>
+              <a:defRPr>
+                <a:solidFill>
+                  <a:srgbClr val="1A1A1A"/>
+                </a:solidFill>
+                <a:latin typeface="Arial" panose="020B0604020202020204" pitchFamily="34" charset="0"/>
+                <a:cs typeface="Arial" panose="020B0604020202020204" pitchFamily="34" charset="0"/>
+              </a:defRPr>
+            </a:lvl5pPr>
+          </a:lstStyle>
           <a:p>
             <a:pPr lvl="0"/>
             <a:r>
-              <a:rPr lang="en-US"/>
+              <a:rPr lang="en-GB" dirty="0"/>
               <a:t>Click to edit Master text styles</a:t>
             </a:r>
           </a:p>
           <a:p>
             <a:pPr lvl="1"/>
             <a:r>
-              <a:rPr lang="en-US"/>
+              <a:rPr lang="en-GB" dirty="0"/>
               <a:t>Second level</a:t>
             </a:r>
           </a:p>
           <a:p>
             <a:pPr lvl="2"/>
             <a:r>
-              <a:rPr lang="en-US"/>
+              <a:rPr lang="en-GB" dirty="0"/>
               <a:t>Third level</a:t>
             </a:r>
           </a:p>
           <a:p>
             <a:pPr lvl="3"/>
             <a:r>
-              <a:rPr lang="en-US"/>
+              <a:rPr lang="en-GB" dirty="0"/>
               <a:t>Fourth level</a:t>
             </a:r>
           </a:p>
           <a:p>
             <a:pPr lvl="4"/>
             <a:r>
-              <a:rPr lang="en-US"/>
+              <a:rPr lang="en-GB" dirty="0"/>
               <a:t>Fifth level</a:t>
             </a:r>
-          </a:p>
-        </p:txBody>
-      </p:sp>
-      <p:sp>
-        <p:nvSpPr>
-          <p:cNvPr id="4" name="Date Placeholder 3"/>
+            <a:endParaRPr lang="en-US" dirty="0"/>
+          </a:p>
+        </p:txBody>
+      </p:sp>
+      <p:sp>
+        <p:nvSpPr>
+          <p:cNvPr id="4" name="Date Placeholder 3">
+            <a:extLst>
+              <a:ext uri="{FF2B5EF4-FFF2-40B4-BE49-F238E27FC236}">
+                <a16:creationId xmlns:a16="http://schemas.microsoft.com/office/drawing/2014/main" id="{A53559EF-BAB7-0E42-9E60-A03A3B0DDE32}"/>
+              </a:ext>
+            </a:extLst>
+          </p:cNvPr>
           <p:cNvSpPr>
             <a:spLocks noGrp="1"/>
           </p:cNvSpPr>
@@ -819,7 +1310,7 @@
           <a:p>
             <a:fld id="{241EB5C9-1307-BA42-ABA2-0BC069CD8E7F}" type="datetimeFigureOut">
               <a:rPr lang="en-US" smtClean="0"/>
-              <a:t>1/2/22</a:t>
+              <a:t>1/31/22</a:t>
             </a:fld>
             <a:endParaRPr lang="en-US"/>
           </a:p>
@@ -827,7 +1318,13 @@
       </p:sp>
       <p:sp>
         <p:nvSpPr>
-          <p:cNvPr id="5" name="Footer Placeholder 4"/>
+          <p:cNvPr id="5" name="Footer Placeholder 4">
+            <a:extLst>
+              <a:ext uri="{FF2B5EF4-FFF2-40B4-BE49-F238E27FC236}">
+                <a16:creationId xmlns:a16="http://schemas.microsoft.com/office/drawing/2014/main" id="{BEEBB6D2-A026-D74A-8C2A-7AD33F225C47}"/>
+              </a:ext>
+            </a:extLst>
+          </p:cNvPr>
           <p:cNvSpPr>
             <a:spLocks noGrp="1"/>
           </p:cNvSpPr>
@@ -835,7 +1332,15 @@
             <p:ph type="ftr" sz="quarter" idx="11"/>
           </p:nvPr>
         </p:nvSpPr>
-        <p:spPr/>
+        <p:spPr>
+          <a:xfrm>
+            <a:off x="4038600" y="6356354"/>
+            <a:ext cx="4114800" cy="365125"/>
+          </a:xfrm>
+          <a:prstGeom prst="rect">
+            <a:avLst/>
+          </a:prstGeom>
+        </p:spPr>
         <p:txBody>
           <a:bodyPr/>
           <a:lstStyle/>
@@ -846,7 +1351,13 @@
       </p:sp>
       <p:sp>
         <p:nvSpPr>
-          <p:cNvPr id="6" name="Slide Number Placeholder 5"/>
+          <p:cNvPr id="6" name="Slide Number Placeholder 5">
+            <a:extLst>
+              <a:ext uri="{FF2B5EF4-FFF2-40B4-BE49-F238E27FC236}">
+                <a16:creationId xmlns:a16="http://schemas.microsoft.com/office/drawing/2014/main" id="{D2D1D05D-520A-D942-8D98-B02EF8CF6776}"/>
+              </a:ext>
+            </a:extLst>
+          </p:cNvPr>
           <p:cNvSpPr>
             <a:spLocks noGrp="1"/>
           </p:cNvSpPr>
@@ -870,7 +1381,7 @@
     </p:spTree>
     <p:extLst>
       <p:ext uri="{BB962C8B-B14F-4D97-AF65-F5344CB8AC3E}">
-        <p14:creationId xmlns:p14="http://schemas.microsoft.com/office/powerpoint/2010/main" val="338346009"/>
+        <p14:creationId xmlns:p14="http://schemas.microsoft.com/office/powerpoint/2010/main" val="3516714738"/>
       </p:ext>
     </p:extLst>
   </p:cSld>
@@ -881,7 +1392,7 @@
 </file>
 
 <file path=ppt/slideLayouts/slideLayout3.xml><?xml version="1.0" encoding="utf-8"?>
-<p:sldLayout xmlns:a="http://schemas.openxmlformats.org/drawingml/2006/main" xmlns:r="http://schemas.openxmlformats.org/officeDocument/2006/relationships" xmlns:p="http://schemas.openxmlformats.org/presentationml/2006/main" type="secHead" preserve="1">
+<p:sldLayout xmlns:a="http://schemas.openxmlformats.org/drawingml/2006/main" xmlns:r="http://schemas.openxmlformats.org/officeDocument/2006/relationships" xmlns:p="http://schemas.openxmlformats.org/presentationml/2006/main" preserve="1">
   <p:cSld name="Section Header">
     <p:spTree>
       <p:nvGrpSpPr>
@@ -899,7 +1410,13 @@
       </p:grpSpPr>
       <p:sp>
         <p:nvSpPr>
-          <p:cNvPr id="2" name="Title 1"/>
+          <p:cNvPr id="2" name="Title 1">
+            <a:extLst>
+              <a:ext uri="{FF2B5EF4-FFF2-40B4-BE49-F238E27FC236}">
+                <a16:creationId xmlns:a16="http://schemas.microsoft.com/office/drawing/2014/main" id="{FF6A6CB2-D1B6-B94A-84C1-83C65423C650}"/>
+              </a:ext>
+            </a:extLst>
+          </p:cNvPr>
           <p:cNvSpPr>
             <a:spLocks noGrp="1"/>
           </p:cNvSpPr>
@@ -909,147 +1426,44 @@
         </p:nvSpPr>
         <p:spPr>
           <a:xfrm>
-            <a:off x="722313" y="3305176"/>
-            <a:ext cx="7772400" cy="1021556"/>
+            <a:off x="831851" y="1709742"/>
+            <a:ext cx="10515600" cy="2852737"/>
           </a:xfrm>
+          <a:prstGeom prst="rect">
+            <a:avLst/>
+          </a:prstGeom>
         </p:spPr>
         <p:txBody>
-          <a:bodyPr anchor="t"/>
+          <a:bodyPr anchor="ctr">
+            <a:normAutofit/>
+          </a:bodyPr>
           <a:lstStyle>
-            <a:lvl1pPr algn="l">
-              <a:defRPr sz="3000" b="1" cap="all"/>
-            </a:lvl1pPr>
-          </a:lstStyle>
-          <a:p>
-            <a:r>
-              <a:rPr lang="en-US"/>
-              <a:t>Click to edit Master title style</a:t>
-            </a:r>
-          </a:p>
-        </p:txBody>
-      </p:sp>
-      <p:sp>
-        <p:nvSpPr>
-          <p:cNvPr id="3" name="Text Placeholder 2"/>
-          <p:cNvSpPr>
-            <a:spLocks noGrp="1"/>
-          </p:cNvSpPr>
-          <p:nvPr>
-            <p:ph type="body" idx="1"/>
-          </p:nvPr>
-        </p:nvSpPr>
-        <p:spPr>
-          <a:xfrm>
-            <a:off x="722313" y="2180035"/>
-            <a:ext cx="7772400" cy="1125140"/>
-          </a:xfrm>
-        </p:spPr>
-        <p:txBody>
-          <a:bodyPr anchor="b"/>
-          <a:lstStyle>
-            <a:lvl1pPr marL="0" indent="0">
-              <a:buNone/>
-              <a:defRPr sz="1500">
+            <a:lvl1pPr algn="ctr">
+              <a:defRPr sz="4400">
                 <a:solidFill>
-                  <a:schemeClr val="tx1">
-                    <a:tint val="75000"/>
-                  </a:schemeClr>
+                  <a:srgbClr val="1A1A1A"/>
                 </a:solidFill>
               </a:defRPr>
             </a:lvl1pPr>
-            <a:lvl2pPr marL="342900" indent="0">
-              <a:buNone/>
-              <a:defRPr sz="1350">
-                <a:solidFill>
-                  <a:schemeClr val="tx1">
-                    <a:tint val="75000"/>
-                  </a:schemeClr>
-                </a:solidFill>
-              </a:defRPr>
-            </a:lvl2pPr>
-            <a:lvl3pPr marL="685800" indent="0">
-              <a:buNone/>
-              <a:defRPr sz="1200">
-                <a:solidFill>
-                  <a:schemeClr val="tx1">
-                    <a:tint val="75000"/>
-                  </a:schemeClr>
-                </a:solidFill>
-              </a:defRPr>
-            </a:lvl3pPr>
-            <a:lvl4pPr marL="1028700" indent="0">
-              <a:buNone/>
-              <a:defRPr sz="1050">
-                <a:solidFill>
-                  <a:schemeClr val="tx1">
-                    <a:tint val="75000"/>
-                  </a:schemeClr>
-                </a:solidFill>
-              </a:defRPr>
-            </a:lvl4pPr>
-            <a:lvl5pPr marL="1371600" indent="0">
-              <a:buNone/>
-              <a:defRPr sz="1050">
-                <a:solidFill>
-                  <a:schemeClr val="tx1">
-                    <a:tint val="75000"/>
-                  </a:schemeClr>
-                </a:solidFill>
-              </a:defRPr>
-            </a:lvl5pPr>
-            <a:lvl6pPr marL="1714500" indent="0">
-              <a:buNone/>
-              <a:defRPr sz="1050">
-                <a:solidFill>
-                  <a:schemeClr val="tx1">
-                    <a:tint val="75000"/>
-                  </a:schemeClr>
-                </a:solidFill>
-              </a:defRPr>
-            </a:lvl6pPr>
-            <a:lvl7pPr marL="2057400" indent="0">
-              <a:buNone/>
-              <a:defRPr sz="1050">
-                <a:solidFill>
-                  <a:schemeClr val="tx1">
-                    <a:tint val="75000"/>
-                  </a:schemeClr>
-                </a:solidFill>
-              </a:defRPr>
-            </a:lvl7pPr>
-            <a:lvl8pPr marL="2400300" indent="0">
-              <a:buNone/>
-              <a:defRPr sz="1050">
-                <a:solidFill>
-                  <a:schemeClr val="tx1">
-                    <a:tint val="75000"/>
-                  </a:schemeClr>
-                </a:solidFill>
-              </a:defRPr>
-            </a:lvl8pPr>
-            <a:lvl9pPr marL="2743200" indent="0">
-              <a:buNone/>
-              <a:defRPr sz="1050">
-                <a:solidFill>
-                  <a:schemeClr val="tx1">
-                    <a:tint val="75000"/>
-                  </a:schemeClr>
-                </a:solidFill>
-              </a:defRPr>
-            </a:lvl9pPr>
           </a:lstStyle>
           <a:p>
-            <a:pPr lvl="0"/>
-            <a:r>
-              <a:rPr lang="en-US"/>
-              <a:t>Click to edit Master text styles</a:t>
-            </a:r>
-          </a:p>
-        </p:txBody>
-      </p:sp>
-      <p:sp>
-        <p:nvSpPr>
-          <p:cNvPr id="4" name="Date Placeholder 3"/>
+            <a:r>
+              <a:rPr lang="en-GB" dirty="0"/>
+              <a:t>Click to edit Master title style</a:t>
+            </a:r>
+            <a:endParaRPr lang="en-US" dirty="0"/>
+          </a:p>
+        </p:txBody>
+      </p:sp>
+      <p:sp>
+        <p:nvSpPr>
+          <p:cNvPr id="4" name="Date Placeholder 3">
+            <a:extLst>
+              <a:ext uri="{FF2B5EF4-FFF2-40B4-BE49-F238E27FC236}">
+                <a16:creationId xmlns:a16="http://schemas.microsoft.com/office/drawing/2014/main" id="{9E116D53-A7E8-384A-A924-CB556123D05C}"/>
+              </a:ext>
+            </a:extLst>
+          </p:cNvPr>
           <p:cNvSpPr>
             <a:spLocks noGrp="1"/>
           </p:cNvSpPr>
@@ -1064,7 +1478,7 @@
           <a:p>
             <a:fld id="{241EB5C9-1307-BA42-ABA2-0BC069CD8E7F}" type="datetimeFigureOut">
               <a:rPr lang="en-US" smtClean="0"/>
-              <a:t>1/2/22</a:t>
+              <a:t>1/31/22</a:t>
             </a:fld>
             <a:endParaRPr lang="en-US"/>
           </a:p>
@@ -1072,7 +1486,13 @@
       </p:sp>
       <p:sp>
         <p:nvSpPr>
-          <p:cNvPr id="5" name="Footer Placeholder 4"/>
+          <p:cNvPr id="5" name="Footer Placeholder 4">
+            <a:extLst>
+              <a:ext uri="{FF2B5EF4-FFF2-40B4-BE49-F238E27FC236}">
+                <a16:creationId xmlns:a16="http://schemas.microsoft.com/office/drawing/2014/main" id="{9D8D3A5F-D224-144E-B1C6-E4C0A0C64637}"/>
+              </a:ext>
+            </a:extLst>
+          </p:cNvPr>
           <p:cNvSpPr>
             <a:spLocks noGrp="1"/>
           </p:cNvSpPr>
@@ -1080,7 +1500,15 @@
             <p:ph type="ftr" sz="quarter" idx="11"/>
           </p:nvPr>
         </p:nvSpPr>
-        <p:spPr/>
+        <p:spPr>
+          <a:xfrm>
+            <a:off x="4038600" y="6356354"/>
+            <a:ext cx="4114800" cy="365125"/>
+          </a:xfrm>
+          <a:prstGeom prst="rect">
+            <a:avLst/>
+          </a:prstGeom>
+        </p:spPr>
         <p:txBody>
           <a:bodyPr/>
           <a:lstStyle/>
@@ -1091,7 +1519,13 @@
       </p:sp>
       <p:sp>
         <p:nvSpPr>
-          <p:cNvPr id="6" name="Slide Number Placeholder 5"/>
+          <p:cNvPr id="6" name="Slide Number Placeholder 5">
+            <a:extLst>
+              <a:ext uri="{FF2B5EF4-FFF2-40B4-BE49-F238E27FC236}">
+                <a16:creationId xmlns:a16="http://schemas.microsoft.com/office/drawing/2014/main" id="{23885A41-9B71-494D-8739-5A09F705E6B7}"/>
+              </a:ext>
+            </a:extLst>
+          </p:cNvPr>
           <p:cNvSpPr>
             <a:spLocks noGrp="1"/>
           </p:cNvSpPr>
@@ -1115,7 +1549,7 @@
     </p:spTree>
     <p:extLst>
       <p:ext uri="{BB962C8B-B14F-4D97-AF65-F5344CB8AC3E}">
-        <p14:creationId xmlns:p14="http://schemas.microsoft.com/office/powerpoint/2010/main" val="1073069076"/>
+        <p14:creationId xmlns:p14="http://schemas.microsoft.com/office/powerpoint/2010/main" val="1771923018"/>
       </p:ext>
     </p:extLst>
   </p:cSld>
@@ -1144,113 +1578,152 @@
       </p:grpSpPr>
       <p:sp>
         <p:nvSpPr>
-          <p:cNvPr id="2" name="Title 1"/>
+          <p:cNvPr id="2" name="Title 1">
+            <a:extLst>
+              <a:ext uri="{FF2B5EF4-FFF2-40B4-BE49-F238E27FC236}">
+                <a16:creationId xmlns:a16="http://schemas.microsoft.com/office/drawing/2014/main" id="{2ECFDBC1-527D-3041-984A-EF5E7E9B7495}"/>
+              </a:ext>
+            </a:extLst>
+          </p:cNvPr>
           <p:cNvSpPr>
             <a:spLocks noGrp="1"/>
           </p:cNvSpPr>
           <p:nvPr>
             <p:ph type="title"/>
-          </p:nvPr>
-        </p:nvSpPr>
-        <p:spPr/>
-        <p:txBody>
-          <a:bodyPr/>
-          <a:lstStyle/>
-          <a:p>
-            <a:r>
-              <a:rPr lang="en-US"/>
-              <a:t>Click to edit Master title style</a:t>
-            </a:r>
-          </a:p>
-        </p:txBody>
-      </p:sp>
-      <p:sp>
-        <p:nvSpPr>
-          <p:cNvPr id="3" name="Content Placeholder 2"/>
-          <p:cNvSpPr>
-            <a:spLocks noGrp="1"/>
-          </p:cNvSpPr>
-          <p:nvPr>
-            <p:ph sz="half" idx="1"/>
           </p:nvPr>
         </p:nvSpPr>
         <p:spPr>
           <a:xfrm>
-            <a:off x="457200" y="1200151"/>
-            <a:ext cx="4038600" cy="3394472"/>
+            <a:off x="838200" y="365129"/>
+            <a:ext cx="10515600" cy="1325563"/>
+          </a:xfrm>
+          <a:prstGeom prst="rect">
+            <a:avLst/>
+          </a:prstGeom>
+        </p:spPr>
+        <p:txBody>
+          <a:bodyPr/>
+          <a:lstStyle>
+            <a:lvl1pPr>
+              <a:defRPr>
+                <a:solidFill>
+                  <a:srgbClr val="DC322F"/>
+                </a:solidFill>
+              </a:defRPr>
+            </a:lvl1pPr>
+          </a:lstStyle>
+          <a:p>
+            <a:r>
+              <a:rPr lang="en-GB" dirty="0"/>
+              <a:t>Click to edit Master title style</a:t>
+            </a:r>
+            <a:endParaRPr lang="en-US" dirty="0"/>
+          </a:p>
+        </p:txBody>
+      </p:sp>
+      <p:sp>
+        <p:nvSpPr>
+          <p:cNvPr id="3" name="Content Placeholder 2">
+            <a:extLst>
+              <a:ext uri="{FF2B5EF4-FFF2-40B4-BE49-F238E27FC236}">
+                <a16:creationId xmlns:a16="http://schemas.microsoft.com/office/drawing/2014/main" id="{63FA7BF1-44B1-744C-AB68-4BB0A6A5977E}"/>
+              </a:ext>
+            </a:extLst>
+          </p:cNvPr>
+          <p:cNvSpPr>
+            <a:spLocks noGrp="1"/>
+          </p:cNvSpPr>
+          <p:nvPr>
+            <p:ph sz="half" idx="1"/>
+          </p:nvPr>
+        </p:nvSpPr>
+        <p:spPr>
+          <a:xfrm>
+            <a:off x="838200" y="1825625"/>
+            <a:ext cx="5181600" cy="4351338"/>
           </a:xfrm>
         </p:spPr>
         <p:txBody>
           <a:bodyPr/>
           <a:lstStyle>
             <a:lvl1pPr>
-              <a:defRPr sz="2100"/>
+              <a:defRPr>
+                <a:latin typeface="Arial" panose="020B0604020202020204" pitchFamily="34" charset="0"/>
+                <a:cs typeface="Arial" panose="020B0604020202020204" pitchFamily="34" charset="0"/>
+              </a:defRPr>
             </a:lvl1pPr>
             <a:lvl2pPr>
-              <a:defRPr sz="1800"/>
+              <a:defRPr>
+                <a:latin typeface="Arial" panose="020B0604020202020204" pitchFamily="34" charset="0"/>
+                <a:cs typeface="Arial" panose="020B0604020202020204" pitchFamily="34" charset="0"/>
+              </a:defRPr>
             </a:lvl2pPr>
             <a:lvl3pPr>
-              <a:defRPr sz="1500"/>
+              <a:defRPr>
+                <a:latin typeface="Arial" panose="020B0604020202020204" pitchFamily="34" charset="0"/>
+                <a:cs typeface="Arial" panose="020B0604020202020204" pitchFamily="34" charset="0"/>
+              </a:defRPr>
             </a:lvl3pPr>
             <a:lvl4pPr>
-              <a:defRPr sz="1350"/>
+              <a:defRPr>
+                <a:latin typeface="Arial" panose="020B0604020202020204" pitchFamily="34" charset="0"/>
+                <a:cs typeface="Arial" panose="020B0604020202020204" pitchFamily="34" charset="0"/>
+              </a:defRPr>
             </a:lvl4pPr>
             <a:lvl5pPr>
-              <a:defRPr sz="1350"/>
+              <a:defRPr>
+                <a:latin typeface="Arial" panose="020B0604020202020204" pitchFamily="34" charset="0"/>
+                <a:cs typeface="Arial" panose="020B0604020202020204" pitchFamily="34" charset="0"/>
+              </a:defRPr>
             </a:lvl5pPr>
-            <a:lvl6pPr>
-              <a:defRPr sz="1350"/>
-            </a:lvl6pPr>
-            <a:lvl7pPr>
-              <a:defRPr sz="1350"/>
-            </a:lvl7pPr>
-            <a:lvl8pPr>
-              <a:defRPr sz="1350"/>
-            </a:lvl8pPr>
-            <a:lvl9pPr>
-              <a:defRPr sz="1350"/>
-            </a:lvl9pPr>
           </a:lstStyle>
           <a:p>
             <a:pPr lvl="0"/>
             <a:r>
-              <a:rPr lang="en-US"/>
+              <a:rPr lang="en-GB" dirty="0"/>
               <a:t>Click to edit Master text styles</a:t>
             </a:r>
           </a:p>
           <a:p>
             <a:pPr lvl="1"/>
             <a:r>
-              <a:rPr lang="en-US"/>
+              <a:rPr lang="en-GB" dirty="0"/>
               <a:t>Second level</a:t>
             </a:r>
           </a:p>
           <a:p>
             <a:pPr lvl="2"/>
             <a:r>
-              <a:rPr lang="en-US"/>
+              <a:rPr lang="en-GB" dirty="0"/>
               <a:t>Third level</a:t>
             </a:r>
           </a:p>
           <a:p>
             <a:pPr lvl="3"/>
             <a:r>
-              <a:rPr lang="en-US"/>
+              <a:rPr lang="en-GB" dirty="0"/>
               <a:t>Fourth level</a:t>
             </a:r>
           </a:p>
           <a:p>
             <a:pPr lvl="4"/>
             <a:r>
-              <a:rPr lang="en-US"/>
+              <a:rPr lang="en-GB" dirty="0"/>
               <a:t>Fifth level</a:t>
             </a:r>
-          </a:p>
-        </p:txBody>
-      </p:sp>
-      <p:sp>
-        <p:nvSpPr>
-          <p:cNvPr id="4" name="Content Placeholder 3"/>
+            <a:endParaRPr lang="en-US" dirty="0"/>
+          </a:p>
+        </p:txBody>
+      </p:sp>
+      <p:sp>
+        <p:nvSpPr>
+          <p:cNvPr id="4" name="Content Placeholder 3">
+            <a:extLst>
+              <a:ext uri="{FF2B5EF4-FFF2-40B4-BE49-F238E27FC236}">
+                <a16:creationId xmlns:a16="http://schemas.microsoft.com/office/drawing/2014/main" id="{3B974A49-6A1E-2F48-B419-02B0A17B9692}"/>
+              </a:ext>
+            </a:extLst>
+          </p:cNvPr>
           <p:cNvSpPr>
             <a:spLocks noGrp="1"/>
           </p:cNvSpPr>
@@ -1260,81 +1733,91 @@
         </p:nvSpPr>
         <p:spPr>
           <a:xfrm>
-            <a:off x="4648200" y="1200151"/>
-            <a:ext cx="4038600" cy="3394472"/>
+            <a:off x="6172200" y="1825625"/>
+            <a:ext cx="5181600" cy="4351338"/>
           </a:xfrm>
         </p:spPr>
         <p:txBody>
           <a:bodyPr/>
           <a:lstStyle>
             <a:lvl1pPr>
-              <a:defRPr sz="2100"/>
+              <a:defRPr>
+                <a:latin typeface="Arial" panose="020B0604020202020204" pitchFamily="34" charset="0"/>
+                <a:cs typeface="Arial" panose="020B0604020202020204" pitchFamily="34" charset="0"/>
+              </a:defRPr>
             </a:lvl1pPr>
             <a:lvl2pPr>
-              <a:defRPr sz="1800"/>
+              <a:defRPr>
+                <a:latin typeface="Arial" panose="020B0604020202020204" pitchFamily="34" charset="0"/>
+                <a:cs typeface="Arial" panose="020B0604020202020204" pitchFamily="34" charset="0"/>
+              </a:defRPr>
             </a:lvl2pPr>
             <a:lvl3pPr>
-              <a:defRPr sz="1500"/>
+              <a:defRPr>
+                <a:latin typeface="Arial" panose="020B0604020202020204" pitchFamily="34" charset="0"/>
+                <a:cs typeface="Arial" panose="020B0604020202020204" pitchFamily="34" charset="0"/>
+              </a:defRPr>
             </a:lvl3pPr>
             <a:lvl4pPr>
-              <a:defRPr sz="1350"/>
+              <a:defRPr>
+                <a:latin typeface="Arial" panose="020B0604020202020204" pitchFamily="34" charset="0"/>
+                <a:cs typeface="Arial" panose="020B0604020202020204" pitchFamily="34" charset="0"/>
+              </a:defRPr>
             </a:lvl4pPr>
             <a:lvl5pPr>
-              <a:defRPr sz="1350"/>
+              <a:defRPr>
+                <a:latin typeface="Arial" panose="020B0604020202020204" pitchFamily="34" charset="0"/>
+                <a:cs typeface="Arial" panose="020B0604020202020204" pitchFamily="34" charset="0"/>
+              </a:defRPr>
             </a:lvl5pPr>
-            <a:lvl6pPr>
-              <a:defRPr sz="1350"/>
-            </a:lvl6pPr>
-            <a:lvl7pPr>
-              <a:defRPr sz="1350"/>
-            </a:lvl7pPr>
-            <a:lvl8pPr>
-              <a:defRPr sz="1350"/>
-            </a:lvl8pPr>
-            <a:lvl9pPr>
-              <a:defRPr sz="1350"/>
-            </a:lvl9pPr>
           </a:lstStyle>
           <a:p>
             <a:pPr lvl="0"/>
             <a:r>
-              <a:rPr lang="en-US"/>
+              <a:rPr lang="en-GB" dirty="0"/>
               <a:t>Click to edit Master text styles</a:t>
             </a:r>
           </a:p>
           <a:p>
             <a:pPr lvl="1"/>
             <a:r>
-              <a:rPr lang="en-US"/>
+              <a:rPr lang="en-GB" dirty="0"/>
               <a:t>Second level</a:t>
             </a:r>
           </a:p>
           <a:p>
             <a:pPr lvl="2"/>
             <a:r>
-              <a:rPr lang="en-US"/>
+              <a:rPr lang="en-GB" dirty="0"/>
               <a:t>Third level</a:t>
             </a:r>
           </a:p>
           <a:p>
             <a:pPr lvl="3"/>
             <a:r>
-              <a:rPr lang="en-US"/>
+              <a:rPr lang="en-GB" dirty="0"/>
               <a:t>Fourth level</a:t>
             </a:r>
           </a:p>
           <a:p>
             <a:pPr lvl="4"/>
             <a:r>
-              <a:rPr lang="en-US"/>
+              <a:rPr lang="en-GB" dirty="0"/>
               <a:t>Fifth level</a:t>
             </a:r>
-          </a:p>
-        </p:txBody>
-      </p:sp>
-      <p:sp>
-        <p:nvSpPr>
-          <p:cNvPr id="5" name="Date Placeholder 4"/>
+            <a:endParaRPr lang="en-US" dirty="0"/>
+          </a:p>
+        </p:txBody>
+      </p:sp>
+      <p:sp>
+        <p:nvSpPr>
+          <p:cNvPr id="5" name="Date Placeholder 4">
+            <a:extLst>
+              <a:ext uri="{FF2B5EF4-FFF2-40B4-BE49-F238E27FC236}">
+                <a16:creationId xmlns:a16="http://schemas.microsoft.com/office/drawing/2014/main" id="{5EDA9989-2AC6-0F4E-ADFD-C6E06D00A011}"/>
+              </a:ext>
+            </a:extLst>
+          </p:cNvPr>
           <p:cNvSpPr>
             <a:spLocks noGrp="1"/>
           </p:cNvSpPr>
@@ -1349,7 +1832,7 @@
           <a:p>
             <a:fld id="{241EB5C9-1307-BA42-ABA2-0BC069CD8E7F}" type="datetimeFigureOut">
               <a:rPr lang="en-US" smtClean="0"/>
-              <a:t>1/2/22</a:t>
+              <a:t>1/31/22</a:t>
             </a:fld>
             <a:endParaRPr lang="en-US"/>
           </a:p>
@@ -1357,7 +1840,13 @@
       </p:sp>
       <p:sp>
         <p:nvSpPr>
-          <p:cNvPr id="6" name="Footer Placeholder 5"/>
+          <p:cNvPr id="6" name="Footer Placeholder 5">
+            <a:extLst>
+              <a:ext uri="{FF2B5EF4-FFF2-40B4-BE49-F238E27FC236}">
+                <a16:creationId xmlns:a16="http://schemas.microsoft.com/office/drawing/2014/main" id="{0F7625DC-FC15-A34E-972A-D70B8A82798F}"/>
+              </a:ext>
+            </a:extLst>
+          </p:cNvPr>
           <p:cNvSpPr>
             <a:spLocks noGrp="1"/>
           </p:cNvSpPr>
@@ -1365,7 +1854,15 @@
             <p:ph type="ftr" sz="quarter" idx="11"/>
           </p:nvPr>
         </p:nvSpPr>
-        <p:spPr/>
+        <p:spPr>
+          <a:xfrm>
+            <a:off x="4038600" y="6356354"/>
+            <a:ext cx="4114800" cy="365125"/>
+          </a:xfrm>
+          <a:prstGeom prst="rect">
+            <a:avLst/>
+          </a:prstGeom>
+        </p:spPr>
         <p:txBody>
           <a:bodyPr/>
           <a:lstStyle/>
@@ -1376,7 +1873,13 @@
       </p:sp>
       <p:sp>
         <p:nvSpPr>
-          <p:cNvPr id="7" name="Slide Number Placeholder 6"/>
+          <p:cNvPr id="7" name="Slide Number Placeholder 6">
+            <a:extLst>
+              <a:ext uri="{FF2B5EF4-FFF2-40B4-BE49-F238E27FC236}">
+                <a16:creationId xmlns:a16="http://schemas.microsoft.com/office/drawing/2014/main" id="{75BA2A21-61F6-4A4F-8B34-7B5540EF63C5}"/>
+              </a:ext>
+            </a:extLst>
+          </p:cNvPr>
           <p:cNvSpPr>
             <a:spLocks noGrp="1"/>
           </p:cNvSpPr>
@@ -1400,7 +1903,7 @@
     </p:spTree>
     <p:extLst>
       <p:ext uri="{BB962C8B-B14F-4D97-AF65-F5344CB8AC3E}">
-        <p14:creationId xmlns:p14="http://schemas.microsoft.com/office/powerpoint/2010/main" val="2619886245"/>
+        <p14:creationId xmlns:p14="http://schemas.microsoft.com/office/powerpoint/2010/main" val="1695231704"/>
       </p:ext>
     </p:extLst>
   </p:cSld>
@@ -1429,7 +1932,13 @@
       </p:grpSpPr>
       <p:sp>
         <p:nvSpPr>
-          <p:cNvPr id="2" name="Title 1"/>
+          <p:cNvPr id="2" name="Title 1">
+            <a:extLst>
+              <a:ext uri="{FF2B5EF4-FFF2-40B4-BE49-F238E27FC236}">
+                <a16:creationId xmlns:a16="http://schemas.microsoft.com/office/drawing/2014/main" id="{58F51DF4-AED1-614B-BE12-21438630C8F0}"/>
+              </a:ext>
+            </a:extLst>
+          </p:cNvPr>
           <p:cNvSpPr>
             <a:spLocks noGrp="1"/>
           </p:cNvSpPr>
@@ -1437,25 +1946,44 @@
             <p:ph type="title"/>
           </p:nvPr>
         </p:nvSpPr>
-        <p:spPr/>
+        <p:spPr>
+          <a:xfrm>
+            <a:off x="839788" y="365129"/>
+            <a:ext cx="10515600" cy="1325563"/>
+          </a:xfrm>
+          <a:prstGeom prst="rect">
+            <a:avLst/>
+          </a:prstGeom>
+        </p:spPr>
         <p:txBody>
           <a:bodyPr/>
           <a:lstStyle>
             <a:lvl1pPr>
-              <a:defRPr/>
+              <a:defRPr>
+                <a:solidFill>
+                  <a:srgbClr val="DC322F"/>
+                </a:solidFill>
+              </a:defRPr>
             </a:lvl1pPr>
           </a:lstStyle>
           <a:p>
             <a:r>
-              <a:rPr lang="en-US"/>
+              <a:rPr lang="en-GB" dirty="0"/>
               <a:t>Click to edit Master title style</a:t>
             </a:r>
-          </a:p>
-        </p:txBody>
-      </p:sp>
-      <p:sp>
-        <p:nvSpPr>
-          <p:cNvPr id="3" name="Text Placeholder 2"/>
+            <a:endParaRPr lang="en-US" dirty="0"/>
+          </a:p>
+        </p:txBody>
+      </p:sp>
+      <p:sp>
+        <p:nvSpPr>
+          <p:cNvPr id="3" name="Text Placeholder 2">
+            <a:extLst>
+              <a:ext uri="{FF2B5EF4-FFF2-40B4-BE49-F238E27FC236}">
+                <a16:creationId xmlns:a16="http://schemas.microsoft.com/office/drawing/2014/main" id="{3C3DBCAE-E5F3-8C40-9708-53662383E530}"/>
+              </a:ext>
+            </a:extLst>
+          </p:cNvPr>
           <p:cNvSpPr>
             <a:spLocks noGrp="1"/>
           </p:cNvSpPr>
@@ -1465,54 +1993,60 @@
         </p:nvSpPr>
         <p:spPr>
           <a:xfrm>
-            <a:off x="457200" y="1151335"/>
-            <a:ext cx="4040188" cy="479822"/>
+            <a:off x="839789" y="1681163"/>
+            <a:ext cx="5157787" cy="823912"/>
           </a:xfrm>
         </p:spPr>
         <p:txBody>
-          <a:bodyPr anchor="b"/>
+          <a:bodyPr anchor="b">
+            <a:normAutofit/>
+          </a:bodyPr>
           <a:lstStyle>
             <a:lvl1pPr marL="0" indent="0">
               <a:buNone/>
-              <a:defRPr sz="1800" b="1"/>
+              <a:defRPr sz="1600" b="1">
+                <a:solidFill>
+                  <a:srgbClr val="1A1A1A"/>
+                </a:solidFill>
+              </a:defRPr>
             </a:lvl1pPr>
-            <a:lvl2pPr marL="342900" indent="0">
-              <a:buNone/>
-              <a:defRPr sz="1500" b="1"/>
+            <a:lvl2pPr marL="257175" indent="0">
+              <a:buNone/>
+              <a:defRPr sz="1125" b="1"/>
             </a:lvl2pPr>
-            <a:lvl3pPr marL="685800" indent="0">
-              <a:buNone/>
-              <a:defRPr sz="1350" b="1"/>
+            <a:lvl3pPr marL="514350" indent="0">
+              <a:buNone/>
+              <a:defRPr sz="1013" b="1"/>
             </a:lvl3pPr>
-            <a:lvl4pPr marL="1028700" indent="0">
-              <a:buNone/>
-              <a:defRPr sz="1200" b="1"/>
+            <a:lvl4pPr marL="771525" indent="0">
+              <a:buNone/>
+              <a:defRPr sz="900" b="1"/>
             </a:lvl4pPr>
-            <a:lvl5pPr marL="1371600" indent="0">
-              <a:buNone/>
-              <a:defRPr sz="1200" b="1"/>
+            <a:lvl5pPr marL="1028700" indent="0">
+              <a:buNone/>
+              <a:defRPr sz="900" b="1"/>
             </a:lvl5pPr>
-            <a:lvl6pPr marL="1714500" indent="0">
-              <a:buNone/>
-              <a:defRPr sz="1200" b="1"/>
+            <a:lvl6pPr marL="1285875" indent="0">
+              <a:buNone/>
+              <a:defRPr sz="900" b="1"/>
             </a:lvl6pPr>
-            <a:lvl7pPr marL="2057400" indent="0">
-              <a:buNone/>
-              <a:defRPr sz="1200" b="1"/>
+            <a:lvl7pPr marL="1543050" indent="0">
+              <a:buNone/>
+              <a:defRPr sz="900" b="1"/>
             </a:lvl7pPr>
-            <a:lvl8pPr marL="2400300" indent="0">
-              <a:buNone/>
-              <a:defRPr sz="1200" b="1"/>
+            <a:lvl8pPr marL="1800225" indent="0">
+              <a:buNone/>
+              <a:defRPr sz="900" b="1"/>
             </a:lvl8pPr>
-            <a:lvl9pPr marL="2743200" indent="0">
-              <a:buNone/>
-              <a:defRPr sz="1200" b="1"/>
+            <a:lvl9pPr marL="2057400" indent="0">
+              <a:buNone/>
+              <a:defRPr sz="900" b="1"/>
             </a:lvl9pPr>
           </a:lstStyle>
           <a:p>
             <a:pPr lvl="0"/>
             <a:r>
-              <a:rPr lang="en-US"/>
+              <a:rPr lang="en-GB" dirty="0"/>
               <a:t>Click to edit Master text styles</a:t>
             </a:r>
           </a:p>
@@ -1520,7 +2054,13 @@
       </p:sp>
       <p:sp>
         <p:nvSpPr>
-          <p:cNvPr id="4" name="Content Placeholder 3"/>
+          <p:cNvPr id="4" name="Content Placeholder 3">
+            <a:extLst>
+              <a:ext uri="{FF2B5EF4-FFF2-40B4-BE49-F238E27FC236}">
+                <a16:creationId xmlns:a16="http://schemas.microsoft.com/office/drawing/2014/main" id="{37C57552-3DC5-3546-AB54-31C74D633808}"/>
+              </a:ext>
+            </a:extLst>
+          </p:cNvPr>
           <p:cNvSpPr>
             <a:spLocks noGrp="1"/>
           </p:cNvSpPr>
@@ -1530,272 +2070,262 @@
         </p:nvSpPr>
         <p:spPr>
           <a:xfrm>
-            <a:off x="457200" y="1631156"/>
-            <a:ext cx="4040188" cy="2963466"/>
+            <a:off x="839789" y="2505075"/>
+            <a:ext cx="5157787" cy="3684588"/>
           </a:xfrm>
         </p:spPr>
         <p:txBody>
           <a:bodyPr/>
+          <a:lstStyle/>
+          <a:p>
+            <a:pPr lvl="0"/>
+            <a:r>
+              <a:rPr lang="en-GB" dirty="0"/>
+              <a:t>Click to edit Master text styles</a:t>
+            </a:r>
+          </a:p>
+          <a:p>
+            <a:pPr lvl="1"/>
+            <a:r>
+              <a:rPr lang="en-GB" dirty="0"/>
+              <a:t>Second level</a:t>
+            </a:r>
+          </a:p>
+          <a:p>
+            <a:pPr lvl="2"/>
+            <a:r>
+              <a:rPr lang="en-GB" dirty="0"/>
+              <a:t>Third level</a:t>
+            </a:r>
+          </a:p>
+          <a:p>
+            <a:pPr lvl="3"/>
+            <a:r>
+              <a:rPr lang="en-GB" dirty="0"/>
+              <a:t>Fourth level</a:t>
+            </a:r>
+          </a:p>
+          <a:p>
+            <a:pPr lvl="4"/>
+            <a:r>
+              <a:rPr lang="en-GB" dirty="0"/>
+              <a:t>Fifth level</a:t>
+            </a:r>
+            <a:endParaRPr lang="en-US" dirty="0"/>
+          </a:p>
+        </p:txBody>
+      </p:sp>
+      <p:sp>
+        <p:nvSpPr>
+          <p:cNvPr id="5" name="Text Placeholder 4">
+            <a:extLst>
+              <a:ext uri="{FF2B5EF4-FFF2-40B4-BE49-F238E27FC236}">
+                <a16:creationId xmlns:a16="http://schemas.microsoft.com/office/drawing/2014/main" id="{3143EE9D-F5D6-F54D-8468-AEFB4E7186A0}"/>
+              </a:ext>
+            </a:extLst>
+          </p:cNvPr>
+          <p:cNvSpPr>
+            <a:spLocks noGrp="1"/>
+          </p:cNvSpPr>
+          <p:nvPr>
+            <p:ph type="body" sz="quarter" idx="3"/>
+          </p:nvPr>
+        </p:nvSpPr>
+        <p:spPr>
+          <a:xfrm>
+            <a:off x="6172202" y="1681163"/>
+            <a:ext cx="5183188" cy="823912"/>
+          </a:xfrm>
+        </p:spPr>
+        <p:txBody>
+          <a:bodyPr anchor="b">
+            <a:normAutofit/>
+          </a:bodyPr>
           <a:lstStyle>
-            <a:lvl1pPr>
-              <a:defRPr sz="1800"/>
+            <a:lvl1pPr marL="0" indent="0">
+              <a:buNone/>
+              <a:defRPr sz="1600" b="1">
+                <a:solidFill>
+                  <a:srgbClr val="1A1A1A"/>
+                </a:solidFill>
+              </a:defRPr>
             </a:lvl1pPr>
-            <a:lvl2pPr>
-              <a:defRPr sz="1500"/>
+            <a:lvl2pPr marL="257175" indent="0">
+              <a:buNone/>
+              <a:defRPr sz="1125" b="1"/>
             </a:lvl2pPr>
-            <a:lvl3pPr>
-              <a:defRPr sz="1350"/>
+            <a:lvl3pPr marL="514350" indent="0">
+              <a:buNone/>
+              <a:defRPr sz="1013" b="1"/>
             </a:lvl3pPr>
-            <a:lvl4pPr>
-              <a:defRPr sz="1200"/>
+            <a:lvl4pPr marL="771525" indent="0">
+              <a:buNone/>
+              <a:defRPr sz="900" b="1"/>
             </a:lvl4pPr>
-            <a:lvl5pPr>
-              <a:defRPr sz="1200"/>
+            <a:lvl5pPr marL="1028700" indent="0">
+              <a:buNone/>
+              <a:defRPr sz="900" b="1"/>
             </a:lvl5pPr>
-            <a:lvl6pPr>
-              <a:defRPr sz="1200"/>
+            <a:lvl6pPr marL="1285875" indent="0">
+              <a:buNone/>
+              <a:defRPr sz="900" b="1"/>
             </a:lvl6pPr>
-            <a:lvl7pPr>
-              <a:defRPr sz="1200"/>
+            <a:lvl7pPr marL="1543050" indent="0">
+              <a:buNone/>
+              <a:defRPr sz="900" b="1"/>
             </a:lvl7pPr>
-            <a:lvl8pPr>
-              <a:defRPr sz="1200"/>
+            <a:lvl8pPr marL="1800225" indent="0">
+              <a:buNone/>
+              <a:defRPr sz="900" b="1"/>
             </a:lvl8pPr>
-            <a:lvl9pPr>
-              <a:defRPr sz="1200"/>
+            <a:lvl9pPr marL="2057400" indent="0">
+              <a:buNone/>
+              <a:defRPr sz="900" b="1"/>
             </a:lvl9pPr>
           </a:lstStyle>
           <a:p>
             <a:pPr lvl="0"/>
             <a:r>
-              <a:rPr lang="en-US"/>
+              <a:rPr lang="en-GB" dirty="0"/>
               <a:t>Click to edit Master text styles</a:t>
             </a:r>
           </a:p>
-          <a:p>
-            <a:pPr lvl="1"/>
-            <a:r>
-              <a:rPr lang="en-US"/>
-              <a:t>Second level</a:t>
-            </a:r>
-          </a:p>
-          <a:p>
-            <a:pPr lvl="2"/>
-            <a:r>
-              <a:rPr lang="en-US"/>
-              <a:t>Third level</a:t>
-            </a:r>
-          </a:p>
-          <a:p>
-            <a:pPr lvl="3"/>
-            <a:r>
-              <a:rPr lang="en-US"/>
-              <a:t>Fourth level</a:t>
-            </a:r>
-          </a:p>
-          <a:p>
-            <a:pPr lvl="4"/>
-            <a:r>
-              <a:rPr lang="en-US"/>
-              <a:t>Fifth level</a:t>
-            </a:r>
-          </a:p>
-        </p:txBody>
-      </p:sp>
-      <p:sp>
-        <p:nvSpPr>
-          <p:cNvPr id="5" name="Text Placeholder 4"/>
-          <p:cNvSpPr>
-            <a:spLocks noGrp="1"/>
-          </p:cNvSpPr>
-          <p:nvPr>
-            <p:ph type="body" sz="quarter" idx="3"/>
+        </p:txBody>
+      </p:sp>
+      <p:sp>
+        <p:nvSpPr>
+          <p:cNvPr id="6" name="Content Placeholder 5">
+            <a:extLst>
+              <a:ext uri="{FF2B5EF4-FFF2-40B4-BE49-F238E27FC236}">
+                <a16:creationId xmlns:a16="http://schemas.microsoft.com/office/drawing/2014/main" id="{DC7198EC-0E7C-514D-9D5C-E0079B57D9B8}"/>
+              </a:ext>
+            </a:extLst>
+          </p:cNvPr>
+          <p:cNvSpPr>
+            <a:spLocks noGrp="1"/>
+          </p:cNvSpPr>
+          <p:nvPr>
+            <p:ph sz="quarter" idx="4"/>
           </p:nvPr>
         </p:nvSpPr>
         <p:spPr>
           <a:xfrm>
-            <a:off x="4645026" y="1151335"/>
-            <a:ext cx="4041775" cy="479822"/>
+            <a:off x="6172202" y="2505075"/>
+            <a:ext cx="5183188" cy="3684588"/>
           </a:xfrm>
         </p:spPr>
         <p:txBody>
-          <a:bodyPr anchor="b"/>
-          <a:lstStyle>
-            <a:lvl1pPr marL="0" indent="0">
-              <a:buNone/>
-              <a:defRPr sz="1800" b="1"/>
-            </a:lvl1pPr>
-            <a:lvl2pPr marL="342900" indent="0">
-              <a:buNone/>
-              <a:defRPr sz="1500" b="1"/>
-            </a:lvl2pPr>
-            <a:lvl3pPr marL="685800" indent="0">
-              <a:buNone/>
-              <a:defRPr sz="1350" b="1"/>
-            </a:lvl3pPr>
-            <a:lvl4pPr marL="1028700" indent="0">
-              <a:buNone/>
-              <a:defRPr sz="1200" b="1"/>
-            </a:lvl4pPr>
-            <a:lvl5pPr marL="1371600" indent="0">
-              <a:buNone/>
-              <a:defRPr sz="1200" b="1"/>
-            </a:lvl5pPr>
-            <a:lvl6pPr marL="1714500" indent="0">
-              <a:buNone/>
-              <a:defRPr sz="1200" b="1"/>
-            </a:lvl6pPr>
-            <a:lvl7pPr marL="2057400" indent="0">
-              <a:buNone/>
-              <a:defRPr sz="1200" b="1"/>
-            </a:lvl7pPr>
-            <a:lvl8pPr marL="2400300" indent="0">
-              <a:buNone/>
-              <a:defRPr sz="1200" b="1"/>
-            </a:lvl8pPr>
-            <a:lvl9pPr marL="2743200" indent="0">
-              <a:buNone/>
-              <a:defRPr sz="1200" b="1"/>
-            </a:lvl9pPr>
-          </a:lstStyle>
+          <a:bodyPr/>
+          <a:lstStyle/>
           <a:p>
             <a:pPr lvl="0"/>
             <a:r>
-              <a:rPr lang="en-US"/>
+              <a:rPr lang="en-GB"/>
               <a:t>Click to edit Master text styles</a:t>
             </a:r>
           </a:p>
-        </p:txBody>
-      </p:sp>
-      <p:sp>
-        <p:nvSpPr>
-          <p:cNvPr id="6" name="Content Placeholder 5"/>
-          <p:cNvSpPr>
-            <a:spLocks noGrp="1"/>
-          </p:cNvSpPr>
-          <p:nvPr>
-            <p:ph sz="quarter" idx="4"/>
+          <a:p>
+            <a:pPr lvl="1"/>
+            <a:r>
+              <a:rPr lang="en-GB"/>
+              <a:t>Second level</a:t>
+            </a:r>
+          </a:p>
+          <a:p>
+            <a:pPr lvl="2"/>
+            <a:r>
+              <a:rPr lang="en-GB"/>
+              <a:t>Third level</a:t>
+            </a:r>
+          </a:p>
+          <a:p>
+            <a:pPr lvl="3"/>
+            <a:r>
+              <a:rPr lang="en-GB"/>
+              <a:t>Fourth level</a:t>
+            </a:r>
+          </a:p>
+          <a:p>
+            <a:pPr lvl="4"/>
+            <a:r>
+              <a:rPr lang="en-GB"/>
+              <a:t>Fifth level</a:t>
+            </a:r>
+            <a:endParaRPr lang="en-US"/>
+          </a:p>
+        </p:txBody>
+      </p:sp>
+      <p:sp>
+        <p:nvSpPr>
+          <p:cNvPr id="7" name="Date Placeholder 6">
+            <a:extLst>
+              <a:ext uri="{FF2B5EF4-FFF2-40B4-BE49-F238E27FC236}">
+                <a16:creationId xmlns:a16="http://schemas.microsoft.com/office/drawing/2014/main" id="{079E07E0-5A9C-4B41-95FF-3BAA5F6BC2D3}"/>
+              </a:ext>
+            </a:extLst>
+          </p:cNvPr>
+          <p:cNvSpPr>
+            <a:spLocks noGrp="1"/>
+          </p:cNvSpPr>
+          <p:nvPr>
+            <p:ph type="dt" sz="half" idx="10"/>
+          </p:nvPr>
+        </p:nvSpPr>
+        <p:spPr/>
+        <p:txBody>
+          <a:bodyPr/>
+          <a:lstStyle/>
+          <a:p>
+            <a:fld id="{241EB5C9-1307-BA42-ABA2-0BC069CD8E7F}" type="datetimeFigureOut">
+              <a:rPr lang="en-US" smtClean="0"/>
+              <a:t>1/31/22</a:t>
+            </a:fld>
+            <a:endParaRPr lang="en-US"/>
+          </a:p>
+        </p:txBody>
+      </p:sp>
+      <p:sp>
+        <p:nvSpPr>
+          <p:cNvPr id="8" name="Footer Placeholder 7">
+            <a:extLst>
+              <a:ext uri="{FF2B5EF4-FFF2-40B4-BE49-F238E27FC236}">
+                <a16:creationId xmlns:a16="http://schemas.microsoft.com/office/drawing/2014/main" id="{74BDB537-974F-D34D-9750-CC69627A221B}"/>
+              </a:ext>
+            </a:extLst>
+          </p:cNvPr>
+          <p:cNvSpPr>
+            <a:spLocks noGrp="1"/>
+          </p:cNvSpPr>
+          <p:nvPr>
+            <p:ph type="ftr" sz="quarter" idx="11"/>
           </p:nvPr>
         </p:nvSpPr>
         <p:spPr>
           <a:xfrm>
-            <a:off x="4645026" y="1631156"/>
-            <a:ext cx="4041775" cy="2963466"/>
+            <a:off x="4038600" y="6356354"/>
+            <a:ext cx="4114800" cy="365125"/>
           </a:xfrm>
+          <a:prstGeom prst="rect">
+            <a:avLst/>
+          </a:prstGeom>
         </p:spPr>
         <p:txBody>
           <a:bodyPr/>
-          <a:lstStyle>
-            <a:lvl1pPr>
-              <a:defRPr sz="1800"/>
-            </a:lvl1pPr>
-            <a:lvl2pPr>
-              <a:defRPr sz="1500"/>
-            </a:lvl2pPr>
-            <a:lvl3pPr>
-              <a:defRPr sz="1350"/>
-            </a:lvl3pPr>
-            <a:lvl4pPr>
-              <a:defRPr sz="1200"/>
-            </a:lvl4pPr>
-            <a:lvl5pPr>
-              <a:defRPr sz="1200"/>
-            </a:lvl5pPr>
-            <a:lvl6pPr>
-              <a:defRPr sz="1200"/>
-            </a:lvl6pPr>
-            <a:lvl7pPr>
-              <a:defRPr sz="1200"/>
-            </a:lvl7pPr>
-            <a:lvl8pPr>
-              <a:defRPr sz="1200"/>
-            </a:lvl8pPr>
-            <a:lvl9pPr>
-              <a:defRPr sz="1200"/>
-            </a:lvl9pPr>
-          </a:lstStyle>
-          <a:p>
-            <a:pPr lvl="0"/>
-            <a:r>
-              <a:rPr lang="en-US"/>
-              <a:t>Click to edit Master text styles</a:t>
-            </a:r>
-          </a:p>
-          <a:p>
-            <a:pPr lvl="1"/>
-            <a:r>
-              <a:rPr lang="en-US"/>
-              <a:t>Second level</a:t>
-            </a:r>
-          </a:p>
-          <a:p>
-            <a:pPr lvl="2"/>
-            <a:r>
-              <a:rPr lang="en-US"/>
-              <a:t>Third level</a:t>
-            </a:r>
-          </a:p>
-          <a:p>
-            <a:pPr lvl="3"/>
-            <a:r>
-              <a:rPr lang="en-US"/>
-              <a:t>Fourth level</a:t>
-            </a:r>
-          </a:p>
-          <a:p>
-            <a:pPr lvl="4"/>
-            <a:r>
-              <a:rPr lang="en-US"/>
-              <a:t>Fifth level</a:t>
-            </a:r>
-          </a:p>
-        </p:txBody>
-      </p:sp>
-      <p:sp>
-        <p:nvSpPr>
-          <p:cNvPr id="7" name="Date Placeholder 6"/>
-          <p:cNvSpPr>
-            <a:spLocks noGrp="1"/>
-          </p:cNvSpPr>
-          <p:nvPr>
-            <p:ph type="dt" sz="half" idx="10"/>
-          </p:nvPr>
-        </p:nvSpPr>
-        <p:spPr/>
-        <p:txBody>
-          <a:bodyPr/>
           <a:lstStyle/>
           <a:p>
-            <a:fld id="{241EB5C9-1307-BA42-ABA2-0BC069CD8E7F}" type="datetimeFigureOut">
-              <a:rPr lang="en-US" smtClean="0"/>
-              <a:t>1/2/22</a:t>
-            </a:fld>
             <a:endParaRPr lang="en-US"/>
           </a:p>
         </p:txBody>
       </p:sp>
       <p:sp>
         <p:nvSpPr>
-          <p:cNvPr id="8" name="Footer Placeholder 7"/>
-          <p:cNvSpPr>
-            <a:spLocks noGrp="1"/>
-          </p:cNvSpPr>
-          <p:nvPr>
-            <p:ph type="ftr" sz="quarter" idx="11"/>
-          </p:nvPr>
-        </p:nvSpPr>
-        <p:spPr/>
-        <p:txBody>
-          <a:bodyPr/>
-          <a:lstStyle/>
-          <a:p>
-            <a:endParaRPr lang="en-US"/>
-          </a:p>
-        </p:txBody>
-      </p:sp>
-      <p:sp>
-        <p:nvSpPr>
-          <p:cNvPr id="9" name="Slide Number Placeholder 8"/>
+          <p:cNvPr id="9" name="Slide Number Placeholder 8">
+            <a:extLst>
+              <a:ext uri="{FF2B5EF4-FFF2-40B4-BE49-F238E27FC236}">
+                <a16:creationId xmlns:a16="http://schemas.microsoft.com/office/drawing/2014/main" id="{8F16F390-2D22-5048-A0FC-3FAD9329A0CB}"/>
+              </a:ext>
+            </a:extLst>
+          </p:cNvPr>
           <p:cNvSpPr>
             <a:spLocks noGrp="1"/>
           </p:cNvSpPr>
@@ -1819,7 +2349,7 @@
     </p:spTree>
     <p:extLst>
       <p:ext uri="{BB962C8B-B14F-4D97-AF65-F5344CB8AC3E}">
-        <p14:creationId xmlns:p14="http://schemas.microsoft.com/office/powerpoint/2010/main" val="2535793967"/>
+        <p14:creationId xmlns:p14="http://schemas.microsoft.com/office/powerpoint/2010/main" val="3822591399"/>
       </p:ext>
     </p:extLst>
   </p:cSld>
@@ -1848,7 +2378,13 @@
       </p:grpSpPr>
       <p:sp>
         <p:nvSpPr>
-          <p:cNvPr id="2" name="Title 1"/>
+          <p:cNvPr id="2" name="Title 1">
+            <a:extLst>
+              <a:ext uri="{FF2B5EF4-FFF2-40B4-BE49-F238E27FC236}">
+                <a16:creationId xmlns:a16="http://schemas.microsoft.com/office/drawing/2014/main" id="{4B3BD455-6580-E548-84D2-30E8C319B2E6}"/>
+              </a:ext>
+            </a:extLst>
+          </p:cNvPr>
           <p:cNvSpPr>
             <a:spLocks noGrp="1"/>
           </p:cNvSpPr>
@@ -1856,21 +2392,44 @@
             <p:ph type="title"/>
           </p:nvPr>
         </p:nvSpPr>
-        <p:spPr/>
-        <p:txBody>
-          <a:bodyPr/>
-          <a:lstStyle/>
-          <a:p>
-            <a:r>
-              <a:rPr lang="en-US"/>
+        <p:spPr>
+          <a:xfrm>
+            <a:off x="838200" y="365129"/>
+            <a:ext cx="10515600" cy="1325563"/>
+          </a:xfrm>
+          <a:prstGeom prst="rect">
+            <a:avLst/>
+          </a:prstGeom>
+        </p:spPr>
+        <p:txBody>
+          <a:bodyPr/>
+          <a:lstStyle>
+            <a:lvl1pPr>
+              <a:defRPr>
+                <a:solidFill>
+                  <a:srgbClr val="DC322F"/>
+                </a:solidFill>
+              </a:defRPr>
+            </a:lvl1pPr>
+          </a:lstStyle>
+          <a:p>
+            <a:r>
+              <a:rPr lang="en-GB" dirty="0"/>
               <a:t>Click to edit Master title style</a:t>
             </a:r>
-          </a:p>
-        </p:txBody>
-      </p:sp>
-      <p:sp>
-        <p:nvSpPr>
-          <p:cNvPr id="3" name="Date Placeholder 2"/>
+            <a:endParaRPr lang="en-US" dirty="0"/>
+          </a:p>
+        </p:txBody>
+      </p:sp>
+      <p:sp>
+        <p:nvSpPr>
+          <p:cNvPr id="3" name="Date Placeholder 2">
+            <a:extLst>
+              <a:ext uri="{FF2B5EF4-FFF2-40B4-BE49-F238E27FC236}">
+                <a16:creationId xmlns:a16="http://schemas.microsoft.com/office/drawing/2014/main" id="{98437170-F497-734A-8863-A2B1D6D27F61}"/>
+              </a:ext>
+            </a:extLst>
+          </p:cNvPr>
           <p:cNvSpPr>
             <a:spLocks noGrp="1"/>
           </p:cNvSpPr>
@@ -1885,7 +2444,7 @@
           <a:p>
             <a:fld id="{241EB5C9-1307-BA42-ABA2-0BC069CD8E7F}" type="datetimeFigureOut">
               <a:rPr lang="en-US" smtClean="0"/>
-              <a:t>1/2/22</a:t>
+              <a:t>1/31/22</a:t>
             </a:fld>
             <a:endParaRPr lang="en-US"/>
           </a:p>
@@ -1893,7 +2452,13 @@
       </p:sp>
       <p:sp>
         <p:nvSpPr>
-          <p:cNvPr id="4" name="Footer Placeholder 3"/>
+          <p:cNvPr id="4" name="Footer Placeholder 3">
+            <a:extLst>
+              <a:ext uri="{FF2B5EF4-FFF2-40B4-BE49-F238E27FC236}">
+                <a16:creationId xmlns:a16="http://schemas.microsoft.com/office/drawing/2014/main" id="{5183678E-8EC0-9D40-85FD-A78B73035745}"/>
+              </a:ext>
+            </a:extLst>
+          </p:cNvPr>
           <p:cNvSpPr>
             <a:spLocks noGrp="1"/>
           </p:cNvSpPr>
@@ -1901,7 +2466,15 @@
             <p:ph type="ftr" sz="quarter" idx="11"/>
           </p:nvPr>
         </p:nvSpPr>
-        <p:spPr/>
+        <p:spPr>
+          <a:xfrm>
+            <a:off x="4038600" y="6356354"/>
+            <a:ext cx="4114800" cy="365125"/>
+          </a:xfrm>
+          <a:prstGeom prst="rect">
+            <a:avLst/>
+          </a:prstGeom>
+        </p:spPr>
         <p:txBody>
           <a:bodyPr/>
           <a:lstStyle/>
@@ -1912,7 +2485,13 @@
       </p:sp>
       <p:sp>
         <p:nvSpPr>
-          <p:cNvPr id="5" name="Slide Number Placeholder 4"/>
+          <p:cNvPr id="5" name="Slide Number Placeholder 4">
+            <a:extLst>
+              <a:ext uri="{FF2B5EF4-FFF2-40B4-BE49-F238E27FC236}">
+                <a16:creationId xmlns:a16="http://schemas.microsoft.com/office/drawing/2014/main" id="{A4410869-C0FC-2E44-824A-787E6D8BF311}"/>
+              </a:ext>
+            </a:extLst>
+          </p:cNvPr>
           <p:cNvSpPr>
             <a:spLocks noGrp="1"/>
           </p:cNvSpPr>
@@ -1936,7 +2515,7 @@
     </p:spTree>
     <p:extLst>
       <p:ext uri="{BB962C8B-B14F-4D97-AF65-F5344CB8AC3E}">
-        <p14:creationId xmlns:p14="http://schemas.microsoft.com/office/powerpoint/2010/main" val="3472721253"/>
+        <p14:creationId xmlns:p14="http://schemas.microsoft.com/office/powerpoint/2010/main" val="557684754"/>
       </p:ext>
     </p:extLst>
   </p:cSld>
@@ -1965,7 +2544,13 @@
       </p:grpSpPr>
       <p:sp>
         <p:nvSpPr>
-          <p:cNvPr id="2" name="Date Placeholder 1"/>
+          <p:cNvPr id="2" name="Date Placeholder 1">
+            <a:extLst>
+              <a:ext uri="{FF2B5EF4-FFF2-40B4-BE49-F238E27FC236}">
+                <a16:creationId xmlns:a16="http://schemas.microsoft.com/office/drawing/2014/main" id="{6ECFB1ED-2AE6-5449-BE22-43836D3C45EE}"/>
+              </a:ext>
+            </a:extLst>
+          </p:cNvPr>
           <p:cNvSpPr>
             <a:spLocks noGrp="1"/>
           </p:cNvSpPr>
@@ -1980,7 +2565,7 @@
           <a:p>
             <a:fld id="{241EB5C9-1307-BA42-ABA2-0BC069CD8E7F}" type="datetimeFigureOut">
               <a:rPr lang="en-US" smtClean="0"/>
-              <a:t>1/2/22</a:t>
+              <a:t>1/31/22</a:t>
             </a:fld>
             <a:endParaRPr lang="en-US"/>
           </a:p>
@@ -1988,7 +2573,13 @@
       </p:sp>
       <p:sp>
         <p:nvSpPr>
-          <p:cNvPr id="3" name="Footer Placeholder 2"/>
+          <p:cNvPr id="3" name="Footer Placeholder 2">
+            <a:extLst>
+              <a:ext uri="{FF2B5EF4-FFF2-40B4-BE49-F238E27FC236}">
+                <a16:creationId xmlns:a16="http://schemas.microsoft.com/office/drawing/2014/main" id="{D92D820E-FB19-6E41-9F98-FE01AD877114}"/>
+              </a:ext>
+            </a:extLst>
+          </p:cNvPr>
           <p:cNvSpPr>
             <a:spLocks noGrp="1"/>
           </p:cNvSpPr>
@@ -1996,7 +2587,15 @@
             <p:ph type="ftr" sz="quarter" idx="11"/>
           </p:nvPr>
         </p:nvSpPr>
-        <p:spPr/>
+        <p:spPr>
+          <a:xfrm>
+            <a:off x="4038600" y="6356354"/>
+            <a:ext cx="4114800" cy="365125"/>
+          </a:xfrm>
+          <a:prstGeom prst="rect">
+            <a:avLst/>
+          </a:prstGeom>
+        </p:spPr>
         <p:txBody>
           <a:bodyPr/>
           <a:lstStyle/>
@@ -2007,7 +2606,13 @@
       </p:sp>
       <p:sp>
         <p:nvSpPr>
-          <p:cNvPr id="4" name="Slide Number Placeholder 3"/>
+          <p:cNvPr id="4" name="Slide Number Placeholder 3">
+            <a:extLst>
+              <a:ext uri="{FF2B5EF4-FFF2-40B4-BE49-F238E27FC236}">
+                <a16:creationId xmlns:a16="http://schemas.microsoft.com/office/drawing/2014/main" id="{7B109D32-6061-E14C-B370-0847ED7F2515}"/>
+              </a:ext>
+            </a:extLst>
+          </p:cNvPr>
           <p:cNvSpPr>
             <a:spLocks noGrp="1"/>
           </p:cNvSpPr>
@@ -2031,7 +2636,7 @@
     </p:spTree>
     <p:extLst>
       <p:ext uri="{BB962C8B-B14F-4D97-AF65-F5344CB8AC3E}">
-        <p14:creationId xmlns:p14="http://schemas.microsoft.com/office/powerpoint/2010/main" val="2130901097"/>
+        <p14:creationId xmlns:p14="http://schemas.microsoft.com/office/powerpoint/2010/main" val="2569823325"/>
       </p:ext>
     </p:extLst>
   </p:cSld>
@@ -2060,7 +2665,13 @@
       </p:grpSpPr>
       <p:sp>
         <p:nvSpPr>
-          <p:cNvPr id="2" name="Title 1"/>
+          <p:cNvPr id="2" name="Title 1">
+            <a:extLst>
+              <a:ext uri="{FF2B5EF4-FFF2-40B4-BE49-F238E27FC236}">
+                <a16:creationId xmlns:a16="http://schemas.microsoft.com/office/drawing/2014/main" id="{F3186003-B489-CA46-A95C-C1AECC0CA4D3}"/>
+              </a:ext>
+            </a:extLst>
+          </p:cNvPr>
           <p:cNvSpPr>
             <a:spLocks noGrp="1"/>
           </p:cNvSpPr>
@@ -2070,219 +2681,270 @@
         </p:nvSpPr>
         <p:spPr>
           <a:xfrm>
-            <a:off x="457201" y="204787"/>
-            <a:ext cx="3008313" cy="871538"/>
+            <a:off x="839788" y="457200"/>
+            <a:ext cx="3932237" cy="1600200"/>
+          </a:xfrm>
+          <a:prstGeom prst="rect">
+            <a:avLst/>
+          </a:prstGeom>
+        </p:spPr>
+        <p:txBody>
+          <a:bodyPr anchor="ctr">
+            <a:normAutofit/>
+          </a:bodyPr>
+          <a:lstStyle>
+            <a:lvl1pPr>
+              <a:defRPr sz="2800">
+                <a:solidFill>
+                  <a:srgbClr val="DC322F"/>
+                </a:solidFill>
+              </a:defRPr>
+            </a:lvl1pPr>
+          </a:lstStyle>
+          <a:p>
+            <a:r>
+              <a:rPr lang="en-GB" dirty="0"/>
+              <a:t>Click to edit Master title style</a:t>
+            </a:r>
+            <a:endParaRPr lang="en-US" dirty="0"/>
+          </a:p>
+        </p:txBody>
+      </p:sp>
+      <p:sp>
+        <p:nvSpPr>
+          <p:cNvPr id="3" name="Content Placeholder 2">
+            <a:extLst>
+              <a:ext uri="{FF2B5EF4-FFF2-40B4-BE49-F238E27FC236}">
+                <a16:creationId xmlns:a16="http://schemas.microsoft.com/office/drawing/2014/main" id="{2288BCD6-9805-9E45-9B7C-5314F41E6C9F}"/>
+              </a:ext>
+            </a:extLst>
+          </p:cNvPr>
+          <p:cNvSpPr>
+            <a:spLocks noGrp="1"/>
+          </p:cNvSpPr>
+          <p:nvPr>
+            <p:ph idx="1"/>
+          </p:nvPr>
+        </p:nvSpPr>
+        <p:spPr>
+          <a:xfrm>
+            <a:off x="5183188" y="987429"/>
+            <a:ext cx="6172200" cy="4873625"/>
           </a:xfrm>
         </p:spPr>
         <p:txBody>
-          <a:bodyPr anchor="b"/>
+          <a:bodyPr/>
           <a:lstStyle>
-            <a:lvl1pPr algn="l">
-              <a:defRPr sz="1500" b="1"/>
+            <a:lvl1pPr>
+              <a:defRPr sz="1800"/>
             </a:lvl1pPr>
+            <a:lvl2pPr>
+              <a:defRPr sz="1575"/>
+            </a:lvl2pPr>
+            <a:lvl3pPr>
+              <a:defRPr sz="1350"/>
+            </a:lvl3pPr>
+            <a:lvl4pPr>
+              <a:defRPr sz="1125"/>
+            </a:lvl4pPr>
+            <a:lvl5pPr>
+              <a:defRPr sz="1125"/>
+            </a:lvl5pPr>
+            <a:lvl6pPr>
+              <a:defRPr sz="1125"/>
+            </a:lvl6pPr>
+            <a:lvl7pPr>
+              <a:defRPr sz="1125"/>
+            </a:lvl7pPr>
+            <a:lvl8pPr>
+              <a:defRPr sz="1125"/>
+            </a:lvl8pPr>
+            <a:lvl9pPr>
+              <a:defRPr sz="1125"/>
+            </a:lvl9pPr>
           </a:lstStyle>
           <a:p>
-            <a:r>
-              <a:rPr lang="en-US"/>
-              <a:t>Click to edit Master title style</a:t>
-            </a:r>
-          </a:p>
-        </p:txBody>
-      </p:sp>
-      <p:sp>
-        <p:nvSpPr>
-          <p:cNvPr id="3" name="Content Placeholder 2"/>
-          <p:cNvSpPr>
-            <a:spLocks noGrp="1"/>
-          </p:cNvSpPr>
-          <p:nvPr>
-            <p:ph idx="1"/>
+            <a:pPr lvl="0"/>
+            <a:r>
+              <a:rPr lang="en-GB" dirty="0"/>
+              <a:t>Click to edit Master text styles</a:t>
+            </a:r>
+          </a:p>
+          <a:p>
+            <a:pPr lvl="1"/>
+            <a:r>
+              <a:rPr lang="en-GB" dirty="0"/>
+              <a:t>Second level</a:t>
+            </a:r>
+          </a:p>
+          <a:p>
+            <a:pPr lvl="2"/>
+            <a:r>
+              <a:rPr lang="en-GB" dirty="0"/>
+              <a:t>Third level</a:t>
+            </a:r>
+          </a:p>
+          <a:p>
+            <a:pPr lvl="3"/>
+            <a:r>
+              <a:rPr lang="en-GB" dirty="0"/>
+              <a:t>Fourth level</a:t>
+            </a:r>
+          </a:p>
+          <a:p>
+            <a:pPr lvl="4"/>
+            <a:r>
+              <a:rPr lang="en-GB" dirty="0"/>
+              <a:t>Fifth level</a:t>
+            </a:r>
+            <a:endParaRPr lang="en-US" dirty="0"/>
+          </a:p>
+        </p:txBody>
+      </p:sp>
+      <p:sp>
+        <p:nvSpPr>
+          <p:cNvPr id="4" name="Text Placeholder 3">
+            <a:extLst>
+              <a:ext uri="{FF2B5EF4-FFF2-40B4-BE49-F238E27FC236}">
+                <a16:creationId xmlns:a16="http://schemas.microsoft.com/office/drawing/2014/main" id="{898BA411-2A54-A94A-B3FC-826281DBEADF}"/>
+              </a:ext>
+            </a:extLst>
+          </p:cNvPr>
+          <p:cNvSpPr>
+            <a:spLocks noGrp="1"/>
+          </p:cNvSpPr>
+          <p:nvPr>
+            <p:ph type="body" sz="half" idx="2"/>
           </p:nvPr>
         </p:nvSpPr>
         <p:spPr>
           <a:xfrm>
-            <a:off x="3575050" y="204788"/>
-            <a:ext cx="5111750" cy="4389835"/>
+            <a:off x="839788" y="2057400"/>
+            <a:ext cx="3932237" cy="3811588"/>
           </a:xfrm>
         </p:spPr>
         <p:txBody>
-          <a:bodyPr/>
+          <a:bodyPr>
+            <a:normAutofit/>
+          </a:bodyPr>
           <a:lstStyle>
-            <a:lvl1pPr>
-              <a:defRPr sz="2400"/>
+            <a:lvl1pPr marL="0" indent="0">
+              <a:buNone/>
+              <a:defRPr sz="1800"/>
             </a:lvl1pPr>
-            <a:lvl2pPr>
-              <a:defRPr sz="2100"/>
+            <a:lvl2pPr marL="257175" indent="0">
+              <a:buNone/>
+              <a:defRPr sz="788"/>
             </a:lvl2pPr>
-            <a:lvl3pPr>
-              <a:defRPr sz="1800"/>
+            <a:lvl3pPr marL="514350" indent="0">
+              <a:buNone/>
+              <a:defRPr sz="675"/>
             </a:lvl3pPr>
-            <a:lvl4pPr>
-              <a:defRPr sz="1500"/>
+            <a:lvl4pPr marL="771525" indent="0">
+              <a:buNone/>
+              <a:defRPr sz="563"/>
             </a:lvl4pPr>
-            <a:lvl5pPr>
-              <a:defRPr sz="1500"/>
+            <a:lvl5pPr marL="1028700" indent="0">
+              <a:buNone/>
+              <a:defRPr sz="563"/>
             </a:lvl5pPr>
-            <a:lvl6pPr>
-              <a:defRPr sz="1500"/>
+            <a:lvl6pPr marL="1285875" indent="0">
+              <a:buNone/>
+              <a:defRPr sz="563"/>
             </a:lvl6pPr>
-            <a:lvl7pPr>
-              <a:defRPr sz="1500"/>
+            <a:lvl7pPr marL="1543050" indent="0">
+              <a:buNone/>
+              <a:defRPr sz="563"/>
             </a:lvl7pPr>
-            <a:lvl8pPr>
-              <a:defRPr sz="1500"/>
+            <a:lvl8pPr marL="1800225" indent="0">
+              <a:buNone/>
+              <a:defRPr sz="563"/>
             </a:lvl8pPr>
-            <a:lvl9pPr>
-              <a:defRPr sz="1500"/>
+            <a:lvl9pPr marL="2057400" indent="0">
+              <a:buNone/>
+              <a:defRPr sz="563"/>
             </a:lvl9pPr>
           </a:lstStyle>
           <a:p>
             <a:pPr lvl="0"/>
             <a:r>
-              <a:rPr lang="en-US"/>
+              <a:rPr lang="en-GB" dirty="0"/>
               <a:t>Click to edit Master text styles</a:t>
             </a:r>
           </a:p>
-          <a:p>
-            <a:pPr lvl="1"/>
-            <a:r>
-              <a:rPr lang="en-US"/>
-              <a:t>Second level</a:t>
-            </a:r>
-          </a:p>
-          <a:p>
-            <a:pPr lvl="2"/>
-            <a:r>
-              <a:rPr lang="en-US"/>
-              <a:t>Third level</a:t>
-            </a:r>
-          </a:p>
-          <a:p>
-            <a:pPr lvl="3"/>
-            <a:r>
-              <a:rPr lang="en-US"/>
-              <a:t>Fourth level</a:t>
-            </a:r>
-          </a:p>
-          <a:p>
-            <a:pPr lvl="4"/>
-            <a:r>
-              <a:rPr lang="en-US"/>
-              <a:t>Fifth level</a:t>
-            </a:r>
-          </a:p>
-        </p:txBody>
-      </p:sp>
-      <p:sp>
-        <p:nvSpPr>
-          <p:cNvPr id="4" name="Text Placeholder 3"/>
-          <p:cNvSpPr>
-            <a:spLocks noGrp="1"/>
-          </p:cNvSpPr>
-          <p:nvPr>
-            <p:ph type="body" sz="half" idx="2"/>
+        </p:txBody>
+      </p:sp>
+      <p:sp>
+        <p:nvSpPr>
+          <p:cNvPr id="5" name="Date Placeholder 4">
+            <a:extLst>
+              <a:ext uri="{FF2B5EF4-FFF2-40B4-BE49-F238E27FC236}">
+                <a16:creationId xmlns:a16="http://schemas.microsoft.com/office/drawing/2014/main" id="{B91F4F16-08DB-C247-8F9D-24EA7D84A9B2}"/>
+              </a:ext>
+            </a:extLst>
+          </p:cNvPr>
+          <p:cNvSpPr>
+            <a:spLocks noGrp="1"/>
+          </p:cNvSpPr>
+          <p:nvPr>
+            <p:ph type="dt" sz="half" idx="10"/>
+          </p:nvPr>
+        </p:nvSpPr>
+        <p:spPr/>
+        <p:txBody>
+          <a:bodyPr/>
+          <a:lstStyle/>
+          <a:p>
+            <a:fld id="{241EB5C9-1307-BA42-ABA2-0BC069CD8E7F}" type="datetimeFigureOut">
+              <a:rPr lang="en-US" smtClean="0"/>
+              <a:t>1/31/22</a:t>
+            </a:fld>
+            <a:endParaRPr lang="en-US"/>
+          </a:p>
+        </p:txBody>
+      </p:sp>
+      <p:sp>
+        <p:nvSpPr>
+          <p:cNvPr id="6" name="Footer Placeholder 5">
+            <a:extLst>
+              <a:ext uri="{FF2B5EF4-FFF2-40B4-BE49-F238E27FC236}">
+                <a16:creationId xmlns:a16="http://schemas.microsoft.com/office/drawing/2014/main" id="{E6FF2B46-16CB-7E41-AD5E-4493C9285A58}"/>
+              </a:ext>
+            </a:extLst>
+          </p:cNvPr>
+          <p:cNvSpPr>
+            <a:spLocks noGrp="1"/>
+          </p:cNvSpPr>
+          <p:nvPr>
+            <p:ph type="ftr" sz="quarter" idx="11"/>
           </p:nvPr>
         </p:nvSpPr>
         <p:spPr>
           <a:xfrm>
-            <a:off x="457201" y="1076326"/>
-            <a:ext cx="3008313" cy="3518297"/>
+            <a:off x="4038600" y="6356354"/>
+            <a:ext cx="4114800" cy="365125"/>
           </a:xfrm>
+          <a:prstGeom prst="rect">
+            <a:avLst/>
+          </a:prstGeom>
         </p:spPr>
         <p:txBody>
           <a:bodyPr/>
-          <a:lstStyle>
-            <a:lvl1pPr marL="0" indent="0">
-              <a:buNone/>
-              <a:defRPr sz="1050"/>
-            </a:lvl1pPr>
-            <a:lvl2pPr marL="342900" indent="0">
-              <a:buNone/>
-              <a:defRPr sz="900"/>
-            </a:lvl2pPr>
-            <a:lvl3pPr marL="685800" indent="0">
-              <a:buNone/>
-              <a:defRPr sz="750"/>
-            </a:lvl3pPr>
-            <a:lvl4pPr marL="1028700" indent="0">
-              <a:buNone/>
-              <a:defRPr sz="675"/>
-            </a:lvl4pPr>
-            <a:lvl5pPr marL="1371600" indent="0">
-              <a:buNone/>
-              <a:defRPr sz="675"/>
-            </a:lvl5pPr>
-            <a:lvl6pPr marL="1714500" indent="0">
-              <a:buNone/>
-              <a:defRPr sz="675"/>
-            </a:lvl6pPr>
-            <a:lvl7pPr marL="2057400" indent="0">
-              <a:buNone/>
-              <a:defRPr sz="675"/>
-            </a:lvl7pPr>
-            <a:lvl8pPr marL="2400300" indent="0">
-              <a:buNone/>
-              <a:defRPr sz="675"/>
-            </a:lvl8pPr>
-            <a:lvl9pPr marL="2743200" indent="0">
-              <a:buNone/>
-              <a:defRPr sz="675"/>
-            </a:lvl9pPr>
-          </a:lstStyle>
-          <a:p>
-            <a:pPr lvl="0"/>
-            <a:r>
-              <a:rPr lang="en-US"/>
-              <a:t>Click to edit Master text styles</a:t>
-            </a:r>
-          </a:p>
-        </p:txBody>
-      </p:sp>
-      <p:sp>
-        <p:nvSpPr>
-          <p:cNvPr id="5" name="Date Placeholder 4"/>
-          <p:cNvSpPr>
-            <a:spLocks noGrp="1"/>
-          </p:cNvSpPr>
-          <p:nvPr>
-            <p:ph type="dt" sz="half" idx="10"/>
-          </p:nvPr>
-        </p:nvSpPr>
-        <p:spPr/>
-        <p:txBody>
-          <a:bodyPr/>
           <a:lstStyle/>
           <a:p>
-            <a:fld id="{241EB5C9-1307-BA42-ABA2-0BC069CD8E7F}" type="datetimeFigureOut">
-              <a:rPr lang="en-US" smtClean="0"/>
-              <a:t>1/2/22</a:t>
-            </a:fld>
             <a:endParaRPr lang="en-US"/>
           </a:p>
         </p:txBody>
       </p:sp>
       <p:sp>
         <p:nvSpPr>
-          <p:cNvPr id="6" name="Footer Placeholder 5"/>
-          <p:cNvSpPr>
-            <a:spLocks noGrp="1"/>
-          </p:cNvSpPr>
-          <p:nvPr>
-            <p:ph type="ftr" sz="quarter" idx="11"/>
-          </p:nvPr>
-        </p:nvSpPr>
-        <p:spPr/>
-        <p:txBody>
-          <a:bodyPr/>
-          <a:lstStyle/>
-          <a:p>
-            <a:endParaRPr lang="en-US"/>
-          </a:p>
-        </p:txBody>
-      </p:sp>
-      <p:sp>
-        <p:nvSpPr>
-          <p:cNvPr id="7" name="Slide Number Placeholder 6"/>
+          <p:cNvPr id="7" name="Slide Number Placeholder 6">
+            <a:extLst>
+              <a:ext uri="{FF2B5EF4-FFF2-40B4-BE49-F238E27FC236}">
+                <a16:creationId xmlns:a16="http://schemas.microsoft.com/office/drawing/2014/main" id="{48BA2BC5-3886-C647-BB53-7B07EAE78D4B}"/>
+              </a:ext>
+            </a:extLst>
+          </p:cNvPr>
           <p:cNvSpPr>
             <a:spLocks noGrp="1"/>
           </p:cNvSpPr>
@@ -2306,7 +2968,7 @@
     </p:spTree>
     <p:extLst>
       <p:ext uri="{BB962C8B-B14F-4D97-AF65-F5344CB8AC3E}">
-        <p14:creationId xmlns:p14="http://schemas.microsoft.com/office/powerpoint/2010/main" val="3540895647"/>
+        <p14:creationId xmlns:p14="http://schemas.microsoft.com/office/powerpoint/2010/main" val="1370537101"/>
       </p:ext>
     </p:extLst>
   </p:cSld>
@@ -2335,7 +2997,13 @@
       </p:grpSpPr>
       <p:sp>
         <p:nvSpPr>
-          <p:cNvPr id="2" name="Title 1"/>
+          <p:cNvPr id="2" name="Title 1">
+            <a:extLst>
+              <a:ext uri="{FF2B5EF4-FFF2-40B4-BE49-F238E27FC236}">
+                <a16:creationId xmlns:a16="http://schemas.microsoft.com/office/drawing/2014/main" id="{E45682B8-C849-1F4E-8FED-86CF39DF59A8}"/>
+              </a:ext>
+            </a:extLst>
+          </p:cNvPr>
           <p:cNvSpPr>
             <a:spLocks noGrp="1"/>
           </p:cNvSpPr>
@@ -2345,196 +3013,250 @@
         </p:nvSpPr>
         <p:spPr>
           <a:xfrm>
-            <a:off x="1792288" y="3600450"/>
-            <a:ext cx="5486400" cy="425054"/>
+            <a:off x="839788" y="457200"/>
+            <a:ext cx="3932237" cy="1600200"/>
+          </a:xfrm>
+          <a:prstGeom prst="rect">
+            <a:avLst/>
+          </a:prstGeom>
+        </p:spPr>
+        <p:txBody>
+          <a:bodyPr anchor="ctr">
+            <a:normAutofit/>
+          </a:bodyPr>
+          <a:lstStyle>
+            <a:lvl1pPr>
+              <a:defRPr sz="2800">
+                <a:solidFill>
+                  <a:srgbClr val="DC322F"/>
+                </a:solidFill>
+              </a:defRPr>
+            </a:lvl1pPr>
+          </a:lstStyle>
+          <a:p>
+            <a:r>
+              <a:rPr lang="en-GB" dirty="0"/>
+              <a:t>Click to edit Master title style</a:t>
+            </a:r>
+            <a:endParaRPr lang="en-US" dirty="0"/>
+          </a:p>
+        </p:txBody>
+      </p:sp>
+      <p:sp>
+        <p:nvSpPr>
+          <p:cNvPr id="3" name="Picture Placeholder 2">
+            <a:extLst>
+              <a:ext uri="{FF2B5EF4-FFF2-40B4-BE49-F238E27FC236}">
+                <a16:creationId xmlns:a16="http://schemas.microsoft.com/office/drawing/2014/main" id="{26A410FE-1E10-8C4A-BD9D-9A0F6C9D1E52}"/>
+              </a:ext>
+            </a:extLst>
+          </p:cNvPr>
+          <p:cNvSpPr>
+            <a:spLocks noGrp="1"/>
+          </p:cNvSpPr>
+          <p:nvPr>
+            <p:ph type="pic" idx="1"/>
+          </p:nvPr>
+        </p:nvSpPr>
+        <p:spPr>
+          <a:xfrm>
+            <a:off x="5183188" y="987429"/>
+            <a:ext cx="6172200" cy="4873625"/>
           </a:xfrm>
         </p:spPr>
         <p:txBody>
-          <a:bodyPr anchor="b"/>
+          <a:bodyPr/>
           <a:lstStyle>
-            <a:lvl1pPr algn="l">
-              <a:defRPr sz="1500" b="1"/>
+            <a:lvl1pPr marL="0" indent="0">
+              <a:buNone/>
+              <a:defRPr sz="1800"/>
             </a:lvl1pPr>
+            <a:lvl2pPr marL="257175" indent="0">
+              <a:buNone/>
+              <a:defRPr sz="1575"/>
+            </a:lvl2pPr>
+            <a:lvl3pPr marL="514350" indent="0">
+              <a:buNone/>
+              <a:defRPr sz="1350"/>
+            </a:lvl3pPr>
+            <a:lvl4pPr marL="771525" indent="0">
+              <a:buNone/>
+              <a:defRPr sz="1125"/>
+            </a:lvl4pPr>
+            <a:lvl5pPr marL="1028700" indent="0">
+              <a:buNone/>
+              <a:defRPr sz="1125"/>
+            </a:lvl5pPr>
+            <a:lvl6pPr marL="1285875" indent="0">
+              <a:buNone/>
+              <a:defRPr sz="1125"/>
+            </a:lvl6pPr>
+            <a:lvl7pPr marL="1543050" indent="0">
+              <a:buNone/>
+              <a:defRPr sz="1125"/>
+            </a:lvl7pPr>
+            <a:lvl8pPr marL="1800225" indent="0">
+              <a:buNone/>
+              <a:defRPr sz="1125"/>
+            </a:lvl8pPr>
+            <a:lvl9pPr marL="2057400" indent="0">
+              <a:buNone/>
+              <a:defRPr sz="1125"/>
+            </a:lvl9pPr>
           </a:lstStyle>
           <a:p>
             <a:r>
-              <a:rPr lang="en-US"/>
-              <a:t>Click to edit Master title style</a:t>
-            </a:r>
-          </a:p>
-        </p:txBody>
-      </p:sp>
-      <p:sp>
-        <p:nvSpPr>
-          <p:cNvPr id="3" name="Picture Placeholder 2"/>
-          <p:cNvSpPr>
-            <a:spLocks noGrp="1"/>
-          </p:cNvSpPr>
-          <p:nvPr>
-            <p:ph type="pic" idx="1"/>
+              <a:rPr lang="en-GB" dirty="0"/>
+              <a:t>Click icon to add picture</a:t>
+            </a:r>
+            <a:endParaRPr lang="en-US" dirty="0"/>
+          </a:p>
+        </p:txBody>
+      </p:sp>
+      <p:sp>
+        <p:nvSpPr>
+          <p:cNvPr id="4" name="Text Placeholder 3">
+            <a:extLst>
+              <a:ext uri="{FF2B5EF4-FFF2-40B4-BE49-F238E27FC236}">
+                <a16:creationId xmlns:a16="http://schemas.microsoft.com/office/drawing/2014/main" id="{CA622F09-1B36-2F4E-8EEA-BAEEB3FD2B96}"/>
+              </a:ext>
+            </a:extLst>
+          </p:cNvPr>
+          <p:cNvSpPr>
+            <a:spLocks noGrp="1"/>
+          </p:cNvSpPr>
+          <p:nvPr>
+            <p:ph type="body" sz="half" idx="2"/>
           </p:nvPr>
         </p:nvSpPr>
         <p:spPr>
           <a:xfrm>
-            <a:off x="1792288" y="459581"/>
-            <a:ext cx="5486400" cy="3086100"/>
+            <a:off x="839788" y="2057400"/>
+            <a:ext cx="3932237" cy="3811588"/>
           </a:xfrm>
         </p:spPr>
         <p:txBody>
-          <a:bodyPr/>
+          <a:bodyPr>
+            <a:normAutofit/>
+          </a:bodyPr>
           <a:lstStyle>
             <a:lvl1pPr marL="0" indent="0">
               <a:buNone/>
-              <a:defRPr sz="2400"/>
+              <a:defRPr sz="1800"/>
             </a:lvl1pPr>
-            <a:lvl2pPr marL="342900" indent="0">
-              <a:buNone/>
-              <a:defRPr sz="2100"/>
+            <a:lvl2pPr marL="257175" indent="0">
+              <a:buNone/>
+              <a:defRPr sz="788"/>
             </a:lvl2pPr>
-            <a:lvl3pPr marL="685800" indent="0">
-              <a:buNone/>
-              <a:defRPr sz="1800"/>
+            <a:lvl3pPr marL="514350" indent="0">
+              <a:buNone/>
+              <a:defRPr sz="675"/>
             </a:lvl3pPr>
-            <a:lvl4pPr marL="1028700" indent="0">
-              <a:buNone/>
-              <a:defRPr sz="1500"/>
+            <a:lvl4pPr marL="771525" indent="0">
+              <a:buNone/>
+              <a:defRPr sz="563"/>
             </a:lvl4pPr>
-            <a:lvl5pPr marL="1371600" indent="0">
-              <a:buNone/>
-              <a:defRPr sz="1500"/>
+            <a:lvl5pPr marL="1028700" indent="0">
+              <a:buNone/>
+              <a:defRPr sz="563"/>
             </a:lvl5pPr>
-            <a:lvl6pPr marL="1714500" indent="0">
-              <a:buNone/>
-              <a:defRPr sz="1500"/>
+            <a:lvl6pPr marL="1285875" indent="0">
+              <a:buNone/>
+              <a:defRPr sz="563"/>
             </a:lvl6pPr>
-            <a:lvl7pPr marL="2057400" indent="0">
-              <a:buNone/>
-              <a:defRPr sz="1500"/>
+            <a:lvl7pPr marL="1543050" indent="0">
+              <a:buNone/>
+              <a:defRPr sz="563"/>
             </a:lvl7pPr>
-            <a:lvl8pPr marL="2400300" indent="0">
-              <a:buNone/>
-              <a:defRPr sz="1500"/>
+            <a:lvl8pPr marL="1800225" indent="0">
+              <a:buNone/>
+              <a:defRPr sz="563"/>
             </a:lvl8pPr>
-            <a:lvl9pPr marL="2743200" indent="0">
-              <a:buNone/>
-              <a:defRPr sz="1500"/>
+            <a:lvl9pPr marL="2057400" indent="0">
+              <a:buNone/>
+              <a:defRPr sz="563"/>
             </a:lvl9pPr>
           </a:lstStyle>
           <a:p>
+            <a:pPr lvl="0"/>
+            <a:r>
+              <a:rPr lang="en-GB" dirty="0"/>
+              <a:t>Click to edit Master text styles</a:t>
+            </a:r>
+          </a:p>
+        </p:txBody>
+      </p:sp>
+      <p:sp>
+        <p:nvSpPr>
+          <p:cNvPr id="5" name="Date Placeholder 4">
+            <a:extLst>
+              <a:ext uri="{FF2B5EF4-FFF2-40B4-BE49-F238E27FC236}">
+                <a16:creationId xmlns:a16="http://schemas.microsoft.com/office/drawing/2014/main" id="{96A97009-98F8-D441-A078-A31F891B49A4}"/>
+              </a:ext>
+            </a:extLst>
+          </p:cNvPr>
+          <p:cNvSpPr>
+            <a:spLocks noGrp="1"/>
+          </p:cNvSpPr>
+          <p:nvPr>
+            <p:ph type="dt" sz="half" idx="10"/>
+          </p:nvPr>
+        </p:nvSpPr>
+        <p:spPr/>
+        <p:txBody>
+          <a:bodyPr/>
+          <a:lstStyle/>
+          <a:p>
+            <a:fld id="{241EB5C9-1307-BA42-ABA2-0BC069CD8E7F}" type="datetimeFigureOut">
+              <a:rPr lang="en-US" smtClean="0"/>
+              <a:t>1/31/22</a:t>
+            </a:fld>
             <a:endParaRPr lang="en-US"/>
           </a:p>
         </p:txBody>
       </p:sp>
       <p:sp>
         <p:nvSpPr>
-          <p:cNvPr id="4" name="Text Placeholder 3"/>
-          <p:cNvSpPr>
-            <a:spLocks noGrp="1"/>
-          </p:cNvSpPr>
-          <p:nvPr>
-            <p:ph type="body" sz="half" idx="2"/>
+          <p:cNvPr id="6" name="Footer Placeholder 5">
+            <a:extLst>
+              <a:ext uri="{FF2B5EF4-FFF2-40B4-BE49-F238E27FC236}">
+                <a16:creationId xmlns:a16="http://schemas.microsoft.com/office/drawing/2014/main" id="{38CACA9B-B433-8E45-A2A3-CD0940DBC86C}"/>
+              </a:ext>
+            </a:extLst>
+          </p:cNvPr>
+          <p:cNvSpPr>
+            <a:spLocks noGrp="1"/>
+          </p:cNvSpPr>
+          <p:nvPr>
+            <p:ph type="ftr" sz="quarter" idx="11"/>
           </p:nvPr>
         </p:nvSpPr>
         <p:spPr>
           <a:xfrm>
-            <a:off x="1792288" y="4025503"/>
-            <a:ext cx="5486400" cy="603647"/>
+            <a:off x="4038600" y="6356354"/>
+            <a:ext cx="4114800" cy="365125"/>
           </a:xfrm>
+          <a:prstGeom prst="rect">
+            <a:avLst/>
+          </a:prstGeom>
         </p:spPr>
         <p:txBody>
           <a:bodyPr/>
-          <a:lstStyle>
-            <a:lvl1pPr marL="0" indent="0">
-              <a:buNone/>
-              <a:defRPr sz="1050"/>
-            </a:lvl1pPr>
-            <a:lvl2pPr marL="342900" indent="0">
-              <a:buNone/>
-              <a:defRPr sz="900"/>
-            </a:lvl2pPr>
-            <a:lvl3pPr marL="685800" indent="0">
-              <a:buNone/>
-              <a:defRPr sz="750"/>
-            </a:lvl3pPr>
-            <a:lvl4pPr marL="1028700" indent="0">
-              <a:buNone/>
-              <a:defRPr sz="675"/>
-            </a:lvl4pPr>
-            <a:lvl5pPr marL="1371600" indent="0">
-              <a:buNone/>
-              <a:defRPr sz="675"/>
-            </a:lvl5pPr>
-            <a:lvl6pPr marL="1714500" indent="0">
-              <a:buNone/>
-              <a:defRPr sz="675"/>
-            </a:lvl6pPr>
-            <a:lvl7pPr marL="2057400" indent="0">
-              <a:buNone/>
-              <a:defRPr sz="675"/>
-            </a:lvl7pPr>
-            <a:lvl8pPr marL="2400300" indent="0">
-              <a:buNone/>
-              <a:defRPr sz="675"/>
-            </a:lvl8pPr>
-            <a:lvl9pPr marL="2743200" indent="0">
-              <a:buNone/>
-              <a:defRPr sz="675"/>
-            </a:lvl9pPr>
-          </a:lstStyle>
-          <a:p>
-            <a:pPr lvl="0"/>
-            <a:r>
-              <a:rPr lang="en-US"/>
-              <a:t>Click to edit Master text styles</a:t>
-            </a:r>
-          </a:p>
-        </p:txBody>
-      </p:sp>
-      <p:sp>
-        <p:nvSpPr>
-          <p:cNvPr id="5" name="Date Placeholder 4"/>
-          <p:cNvSpPr>
-            <a:spLocks noGrp="1"/>
-          </p:cNvSpPr>
-          <p:nvPr>
-            <p:ph type="dt" sz="half" idx="10"/>
-          </p:nvPr>
-        </p:nvSpPr>
-        <p:spPr/>
-        <p:txBody>
-          <a:bodyPr/>
           <a:lstStyle/>
           <a:p>
-            <a:fld id="{241EB5C9-1307-BA42-ABA2-0BC069CD8E7F}" type="datetimeFigureOut">
-              <a:rPr lang="en-US" smtClean="0"/>
-              <a:t>1/2/22</a:t>
-            </a:fld>
             <a:endParaRPr lang="en-US"/>
           </a:p>
         </p:txBody>
       </p:sp>
       <p:sp>
         <p:nvSpPr>
-          <p:cNvPr id="6" name="Footer Placeholder 5"/>
-          <p:cNvSpPr>
-            <a:spLocks noGrp="1"/>
-          </p:cNvSpPr>
-          <p:nvPr>
-            <p:ph type="ftr" sz="quarter" idx="11"/>
-          </p:nvPr>
-        </p:nvSpPr>
-        <p:spPr/>
-        <p:txBody>
-          <a:bodyPr/>
-          <a:lstStyle/>
-          <a:p>
-            <a:endParaRPr lang="en-US"/>
-          </a:p>
-        </p:txBody>
-      </p:sp>
-      <p:sp>
-        <p:nvSpPr>
-          <p:cNvPr id="7" name="Slide Number Placeholder 6"/>
+          <p:cNvPr id="7" name="Slide Number Placeholder 6">
+            <a:extLst>
+              <a:ext uri="{FF2B5EF4-FFF2-40B4-BE49-F238E27FC236}">
+                <a16:creationId xmlns:a16="http://schemas.microsoft.com/office/drawing/2014/main" id="{A3FA396B-3342-4645-AC86-58732AAEFE03}"/>
+              </a:ext>
+            </a:extLst>
+          </p:cNvPr>
           <p:cNvSpPr>
             <a:spLocks noGrp="1"/>
           </p:cNvSpPr>
@@ -2558,7 +3280,7 @@
     </p:spTree>
     <p:extLst>
       <p:ext uri="{BB962C8B-B14F-4D97-AF65-F5344CB8AC3E}">
-        <p14:creationId xmlns:p14="http://schemas.microsoft.com/office/powerpoint/2010/main" val="3566899855"/>
+        <p14:creationId xmlns:p14="http://schemas.microsoft.com/office/powerpoint/2010/main" val="2187760234"/>
       </p:ext>
     </p:extLst>
   </p:cSld>
@@ -2572,9 +3294,12 @@
 <p:sldMaster xmlns:a="http://schemas.openxmlformats.org/drawingml/2006/main" xmlns:p="http://schemas.openxmlformats.org/presentationml/2006/main" xmlns:r="http://schemas.openxmlformats.org/officeDocument/2006/relationships">
   <p:cSld>
     <p:bg>
-      <p:bgRef idx="1001">
-        <a:schemeClr val="bg1"/>
-      </p:bgRef>
+      <p:bgPr>
+        <a:solidFill>
+          <a:srgbClr val="FFF8E7"/>
+        </a:solidFill>
+        <a:effectLst/>
+      </p:bgPr>
     </p:bg>
     <p:spTree>
       <p:nvGrpSpPr>
@@ -2592,121 +3317,102 @@
       </p:grpSpPr>
       <p:sp>
         <p:nvSpPr>
-          <p:cNvPr id="2" name="Title Placeholder 1"/>
-          <p:cNvSpPr>
-            <a:spLocks noGrp="1"/>
-          </p:cNvSpPr>
-          <p:nvPr>
-            <p:ph type="title"/>
+          <p:cNvPr id="3" name="Text Placeholder 2">
+            <a:extLst>
+              <a:ext uri="{FF2B5EF4-FFF2-40B4-BE49-F238E27FC236}">
+                <a16:creationId xmlns:a16="http://schemas.microsoft.com/office/drawing/2014/main" id="{527BF5EA-1FF6-EB48-B367-10F16FE226B4}"/>
+              </a:ext>
+            </a:extLst>
+          </p:cNvPr>
+          <p:cNvSpPr>
+            <a:spLocks noGrp="1"/>
+          </p:cNvSpPr>
+          <p:nvPr>
+            <p:ph idx="1" type="body"/>
           </p:nvPr>
         </p:nvSpPr>
         <p:spPr>
           <a:xfrm>
-            <a:off x="457200" y="205979"/>
-            <a:ext cx="8229600" cy="857250"/>
+            <a:off x="838200" y="1825625"/>
+            <a:ext cx="10515600" cy="4351338"/>
           </a:xfrm>
           <a:prstGeom prst="rect">
             <a:avLst/>
           </a:prstGeom>
         </p:spPr>
         <p:txBody>
-          <a:bodyPr anchor="ctr" bIns="45720" lIns="91440" rIns="91440" rtlCol="0" tIns="45720" vert="horz">
+          <a:bodyPr bIns="45720" lIns="91440" rIns="91440" rtlCol="0" tIns="45720" vert="horz">
             <a:normAutofit/>
           </a:bodyPr>
           <a:lstStyle/>
           <a:p>
-            <a:r>
-              <a:rPr lang="en-US"/>
-              <a:t>Click to edit Master title style</a:t>
-            </a:r>
-          </a:p>
-        </p:txBody>
-      </p:sp>
-      <p:sp>
-        <p:nvSpPr>
-          <p:cNvPr id="3" name="Text Placeholder 2"/>
-          <p:cNvSpPr>
-            <a:spLocks noGrp="1"/>
-          </p:cNvSpPr>
-          <p:nvPr>
-            <p:ph idx="1" type="body"/>
+            <a:pPr lvl="0"/>
+            <a:r>
+              <a:rPr dirty="0" lang="en-GB"/>
+              <a:t>Click to edit Master text styles</a:t>
+            </a:r>
+          </a:p>
+          <a:p>
+            <a:pPr lvl="1"/>
+            <a:r>
+              <a:rPr dirty="0" lang="en-GB"/>
+              <a:t>Second level</a:t>
+            </a:r>
+          </a:p>
+          <a:p>
+            <a:pPr lvl="2"/>
+            <a:r>
+              <a:rPr dirty="0" lang="en-GB"/>
+              <a:t>Third level</a:t>
+            </a:r>
+          </a:p>
+          <a:p>
+            <a:pPr lvl="3"/>
+            <a:r>
+              <a:rPr dirty="0" lang="en-GB"/>
+              <a:t>Fourth level</a:t>
+            </a:r>
+          </a:p>
+          <a:p>
+            <a:pPr lvl="4"/>
+            <a:r>
+              <a:rPr dirty="0" lang="en-GB"/>
+              <a:t>Fifth level</a:t>
+            </a:r>
+            <a:endParaRPr dirty="0" lang="en-US"/>
+          </a:p>
+        </p:txBody>
+      </p:sp>
+      <p:sp>
+        <p:nvSpPr>
+          <p:cNvPr id="4" name="Date Placeholder 3">
+            <a:extLst>
+              <a:ext uri="{FF2B5EF4-FFF2-40B4-BE49-F238E27FC236}">
+                <a16:creationId xmlns:a16="http://schemas.microsoft.com/office/drawing/2014/main" id="{DDF491ED-FFB7-904F-8814-ED29EAA4264A}"/>
+              </a:ext>
+            </a:extLst>
+          </p:cNvPr>
+          <p:cNvSpPr>
+            <a:spLocks noGrp="1"/>
+          </p:cNvSpPr>
+          <p:nvPr>
+            <p:ph idx="2" sz="half" type="dt"/>
           </p:nvPr>
         </p:nvSpPr>
         <p:spPr>
           <a:xfrm>
-            <a:off x="457200" y="1200151"/>
-            <a:ext cx="8229600" cy="3394472"/>
+            <a:off x="838200" y="6356354"/>
+            <a:ext cx="2743200" cy="365125"/>
           </a:xfrm>
           <a:prstGeom prst="rect">
             <a:avLst/>
           </a:prstGeom>
         </p:spPr>
         <p:txBody>
-          <a:bodyPr bIns="45720" lIns="91440" rIns="91440" rtlCol="0" tIns="45720" vert="horz">
-            <a:normAutofit/>
-          </a:bodyPr>
-          <a:lstStyle/>
-          <a:p>
-            <a:pPr lvl="0"/>
-            <a:r>
-              <a:rPr lang="en-US"/>
-              <a:t>Click to edit Master text styles</a:t>
-            </a:r>
-          </a:p>
-          <a:p>
-            <a:pPr lvl="1"/>
-            <a:r>
-              <a:rPr lang="en-US"/>
-              <a:t>Second level</a:t>
-            </a:r>
-          </a:p>
-          <a:p>
-            <a:pPr lvl="2"/>
-            <a:r>
-              <a:rPr lang="en-US"/>
-              <a:t>Third level</a:t>
-            </a:r>
-          </a:p>
-          <a:p>
-            <a:pPr lvl="3"/>
-            <a:r>
-              <a:rPr lang="en-US"/>
-              <a:t>Fourth level</a:t>
-            </a:r>
-          </a:p>
-          <a:p>
-            <a:pPr lvl="4"/>
-            <a:r>
-              <a:rPr lang="en-US"/>
-              <a:t>Fifth level</a:t>
-            </a:r>
-          </a:p>
-        </p:txBody>
-      </p:sp>
-      <p:sp>
-        <p:nvSpPr>
-          <p:cNvPr id="4" name="Date Placeholder 3"/>
-          <p:cNvSpPr>
-            <a:spLocks noGrp="1"/>
-          </p:cNvSpPr>
-          <p:nvPr>
-            <p:ph idx="2" sz="half" type="dt"/>
-          </p:nvPr>
-        </p:nvSpPr>
-        <p:spPr>
-          <a:xfrm>
-            <a:off x="457200" y="4767263"/>
-            <a:ext cx="2133600" cy="273844"/>
-          </a:xfrm>
-          <a:prstGeom prst="rect">
-            <a:avLst/>
-          </a:prstGeom>
-        </p:spPr>
-        <p:txBody>
           <a:bodyPr anchor="ctr" bIns="45720" lIns="91440" rIns="91440" rtlCol="0" tIns="45720" vert="horz"/>
           <a:lstStyle>
             <a:lvl1pPr algn="l">
-              <a:defRPr sz="900">
+              <a:defRPr sz="675">
                 <a:solidFill>
                   <a:schemeClr val="tx1">
                     <a:tint val="75000"/>
@@ -2718,7 +3424,7 @@
           <a:p>
             <a:fld id="{241EB5C9-1307-BA42-ABA2-0BC069CD8E7F}" type="datetimeFigureOut">
               <a:rPr lang="en-US" smtClean="0"/>
-              <a:t>1/2/22</a:t>
+              <a:t>1/31/22</a:t>
             </a:fld>
             <a:endParaRPr lang="en-US"/>
           </a:p>
@@ -2726,18 +3432,24 @@
       </p:sp>
       <p:sp>
         <p:nvSpPr>
-          <p:cNvPr id="5" name="Footer Placeholder 4"/>
-          <p:cNvSpPr>
-            <a:spLocks noGrp="1"/>
-          </p:cNvSpPr>
-          <p:nvPr>
-            <p:ph idx="3" sz="quarter" type="ftr"/>
+          <p:cNvPr id="6" name="Slide Number Placeholder 5">
+            <a:extLst>
+              <a:ext uri="{FF2B5EF4-FFF2-40B4-BE49-F238E27FC236}">
+                <a16:creationId xmlns:a16="http://schemas.microsoft.com/office/drawing/2014/main" id="{2DC6F4AD-BD6B-CE47-88CB-D7910584936B}"/>
+              </a:ext>
+            </a:extLst>
+          </p:cNvPr>
+          <p:cNvSpPr>
+            <a:spLocks noGrp="1"/>
+          </p:cNvSpPr>
+          <p:nvPr>
+            <p:ph idx="4" sz="quarter" type="sldNum"/>
           </p:nvPr>
         </p:nvSpPr>
         <p:spPr>
           <a:xfrm>
-            <a:off x="3124200" y="4767263"/>
-            <a:ext cx="2895600" cy="273844"/>
+            <a:off x="8610600" y="6356354"/>
+            <a:ext cx="2743200" cy="365125"/>
           </a:xfrm>
           <a:prstGeom prst="rect">
             <a:avLst/>
@@ -2746,8 +3458,8 @@
         <p:txBody>
           <a:bodyPr anchor="ctr" bIns="45720" lIns="91440" rIns="91440" rtlCol="0" tIns="45720" vert="horz"/>
           <a:lstStyle>
-            <a:lvl1pPr algn="ctr">
-              <a:defRPr sz="900">
+            <a:lvl1pPr algn="r">
+              <a:defRPr sz="675">
                 <a:solidFill>
                   <a:schemeClr val="tx1">
                     <a:tint val="75000"/>
@@ -2757,24 +3469,34 @@
             </a:lvl1pPr>
           </a:lstStyle>
           <a:p>
+            <a:fld id="{C5EF2332-01BF-834F-8236-50238282D533}" type="slidenum">
+              <a:rPr lang="en-US" smtClean="0"/>
+              <a:t>‹#›</a:t>
+            </a:fld>
             <a:endParaRPr lang="en-US"/>
           </a:p>
         </p:txBody>
       </p:sp>
       <p:sp>
         <p:nvSpPr>
-          <p:cNvPr id="6" name="Slide Number Placeholder 5"/>
-          <p:cNvSpPr>
-            <a:spLocks noGrp="1"/>
-          </p:cNvSpPr>
-          <p:nvPr>
-            <p:ph idx="4" sz="quarter" type="sldNum"/>
+          <p:cNvPr id="7" name="Footer Placeholder 6">
+            <a:extLst>
+              <a:ext uri="{FF2B5EF4-FFF2-40B4-BE49-F238E27FC236}">
+                <a16:creationId xmlns:a16="http://schemas.microsoft.com/office/drawing/2014/main" id="{FE305052-7E31-8548-802E-BBA9CB132D12}"/>
+              </a:ext>
+            </a:extLst>
+          </p:cNvPr>
+          <p:cNvSpPr>
+            <a:spLocks noGrp="1"/>
+          </p:cNvSpPr>
+          <p:nvPr>
+            <p:ph idx="3" sz="quarter" type="ftr"/>
           </p:nvPr>
         </p:nvSpPr>
         <p:spPr>
           <a:xfrm>
-            <a:off x="6553200" y="4767263"/>
-            <a:ext cx="2133600" cy="273844"/>
+            <a:off x="4038600" y="6356351"/>
+            <a:ext cx="4114800" cy="365125"/>
           </a:xfrm>
           <a:prstGeom prst="rect">
             <a:avLst/>
@@ -2783,8 +3505,8 @@
         <p:txBody>
           <a:bodyPr anchor="ctr" bIns="45720" lIns="91440" rIns="91440" rtlCol="0" tIns="45720" vert="horz"/>
           <a:lstStyle>
-            <a:lvl1pPr algn="r">
-              <a:defRPr sz="900">
+            <a:lvl1pPr algn="ctr">
+              <a:defRPr sz="1200">
                 <a:solidFill>
                   <a:schemeClr val="tx1">
                     <a:tint val="75000"/>
@@ -2794,135 +3516,192 @@
             </a:lvl1pPr>
           </a:lstStyle>
           <a:p>
-            <a:fld id="{C5EF2332-01BF-834F-8236-50238282D533}" type="slidenum">
-              <a:rPr lang="en-US" smtClean="0"/>
-              <a:t>‹#›</a:t>
-            </a:fld>
             <a:endParaRPr lang="en-US"/>
+          </a:p>
+        </p:txBody>
+      </p:sp>
+      <p:sp>
+        <p:nvSpPr>
+          <p:cNvPr id="8" name="Title Placeholder 7">
+            <a:extLst>
+              <a:ext uri="{FF2B5EF4-FFF2-40B4-BE49-F238E27FC236}">
+                <a16:creationId xmlns:a16="http://schemas.microsoft.com/office/drawing/2014/main" id="{A9FF2A29-0C17-AD44-9B62-E2C61042DF29}"/>
+              </a:ext>
+            </a:extLst>
+          </p:cNvPr>
+          <p:cNvSpPr>
+            <a:spLocks noGrp="1"/>
+          </p:cNvSpPr>
+          <p:nvPr>
+            <p:ph type="title"/>
+          </p:nvPr>
+        </p:nvSpPr>
+        <p:spPr>
+          <a:xfrm>
+            <a:off x="838200" y="365126"/>
+            <a:ext cx="10515600" cy="1325563"/>
+          </a:xfrm>
+          <a:prstGeom prst="rect">
+            <a:avLst/>
+          </a:prstGeom>
+        </p:spPr>
+        <p:txBody>
+          <a:bodyPr anchor="ctr" bIns="45720" lIns="91440" rIns="91440" rtlCol="0" tIns="45720" vert="horz">
+            <a:normAutofit/>
+          </a:bodyPr>
+          <a:lstStyle/>
+          <a:p>
+            <a:r>
+              <a:rPr dirty="0" lang="en-GB"/>
+              <a:t>Click to edit Master title style</a:t>
+            </a:r>
+            <a:endParaRPr dirty="0" lang="en-US"/>
           </a:p>
         </p:txBody>
       </p:sp>
     </p:spTree>
     <p:extLst>
       <p:ext uri="{BB962C8B-B14F-4D97-AF65-F5344CB8AC3E}">
-        <p14:creationId xmlns:p14="http://schemas.microsoft.com/office/powerpoint/2010/main" val="3676200875"/>
+        <p14:creationId xmlns:p14="http://schemas.microsoft.com/office/powerpoint/2010/main" val="3225650749"/>
       </p:ext>
     </p:extLst>
   </p:cSld>
   <p:clrMap accent1="accent1" accent2="accent2" accent3="accent3" accent4="accent4" accent5="accent5" accent6="accent6" bg1="lt1" bg2="lt2" folHlink="folHlink" hlink="hlink" tx1="dk1" tx2="dk2"/>
   <p:sldLayoutIdLst>
-    <p:sldLayoutId id="2147483649" r:id="rId1"/>
-    <p:sldLayoutId id="2147483650" r:id="rId2"/>
-    <p:sldLayoutId id="2147483651" r:id="rId3"/>
-    <p:sldLayoutId id="2147483652" r:id="rId4"/>
-    <p:sldLayoutId id="2147483653" r:id="rId5"/>
-    <p:sldLayoutId id="2147483654" r:id="rId6"/>
-    <p:sldLayoutId id="2147483655" r:id="rId7"/>
-    <p:sldLayoutId id="2147483656" r:id="rId8"/>
-    <p:sldLayoutId id="2147483657" r:id="rId9"/>
-    <p:sldLayoutId id="2147483658" r:id="rId10"/>
-    <p:sldLayoutId id="2147483659" r:id="rId11"/>
+    <p:sldLayoutId id="2147483687" r:id="rId1"/>
+    <p:sldLayoutId id="2147483688" r:id="rId2"/>
+    <p:sldLayoutId id="2147483689" r:id="rId3"/>
+    <p:sldLayoutId id="2147483690" r:id="rId4"/>
+    <p:sldLayoutId id="2147483691" r:id="rId5"/>
+    <p:sldLayoutId id="2147483692" r:id="rId6"/>
+    <p:sldLayoutId id="2147483693" r:id="rId7"/>
+    <p:sldLayoutId id="2147483694" r:id="rId8"/>
+    <p:sldLayoutId id="2147483695" r:id="rId9"/>
+    <p:sldLayoutId id="2147483696" r:id="rId10"/>
+    <p:sldLayoutId id="2147483697" r:id="rId11"/>
+    <p:sldLayoutId id="2147483698" r:id="rId12"/>
   </p:sldLayoutIdLst>
   <p:txStyles>
     <p:titleStyle>
-      <a:lvl1pPr algn="ctr" defTabSz="342900" eaLnBrk="1" hangingPunct="1" latinLnBrk="0" rtl="0">
+      <a:lvl1pPr algn="l" defTabSz="514350" eaLnBrk="1" hangingPunct="1" latinLnBrk="0" rtl="0">
+        <a:lnSpc>
+          <a:spcPct val="90000"/>
+        </a:lnSpc>
         <a:spcBef>
           <a:spcPct val="0"/>
         </a:spcBef>
         <a:buNone/>
-        <a:defRPr kern="1200" sz="3300">
+        <a:defRPr b="1" baseline="0" i="0" kern="1200" sz="3200">
           <a:solidFill>
-            <a:schemeClr val="tx1"/>
+            <a:srgbClr val="DC322F"/>
           </a:solidFill>
-          <a:latin typeface="+mj-lt"/>
+          <a:latin charset="0" panose="020B0703020202090204" pitchFamily="34" typeface="Trebuchet MS"/>
           <a:ea typeface="+mj-ea"/>
-          <a:cs typeface="+mj-cs"/>
+          <a:cs charset="-79" panose="020B0502020104020203" pitchFamily="34" typeface="Gill Sans"/>
         </a:defRPr>
       </a:lvl1pPr>
     </p:titleStyle>
     <p:bodyStyle>
-      <a:lvl1pPr algn="l" defTabSz="342900" eaLnBrk="1" hangingPunct="1" indent="-342900" latinLnBrk="0" marL="342900" rtl="0">
+      <a:lvl1pPr algn="l" defTabSz="514350" eaLnBrk="1" hangingPunct="1" indent="-128588" latinLnBrk="0" marL="128588" rtl="0">
+        <a:lnSpc>
+          <a:spcPts val="2400"/>
+        </a:lnSpc>
         <a:spcBef>
-          <a:spcPct val="20000"/>
+          <a:spcPts val="1600"/>
         </a:spcBef>
-        <a:buFont typeface="Arial"/>
+        <a:buFont charset="0" panose="020B0604020202020204" pitchFamily="34" typeface="Arial"/>
         <a:buChar char="•"/>
-        <a:defRPr kern="1200" sz="2400">
+        <a:defRPr b="0" baseline="0" i="0" kern="1200" sz="1800">
           <a:solidFill>
-            <a:schemeClr val="tx1"/>
+            <a:srgbClr val="1A1A1A"/>
           </a:solidFill>
-          <a:latin typeface="+mn-lt"/>
+          <a:latin charset="0" panose="020B0604020202020204" pitchFamily="34" typeface="Arial"/>
           <a:ea typeface="+mn-ea"/>
-          <a:cs typeface="+mn-cs"/>
+          <a:cs charset="0" panose="020B0604020202020204" pitchFamily="34" typeface="Arial"/>
         </a:defRPr>
       </a:lvl1pPr>
-      <a:lvl2pPr algn="l" defTabSz="342900" eaLnBrk="1" hangingPunct="1" indent="-342900" latinLnBrk="0" marL="685800" rtl="0">
+      <a:lvl2pPr algn="l" defTabSz="514350" eaLnBrk="1" hangingPunct="1" indent="-128588" latinLnBrk="0" marL="385763" rtl="0">
+        <a:lnSpc>
+          <a:spcPts val="2400"/>
+        </a:lnSpc>
         <a:spcBef>
-          <a:spcPct val="20000"/>
+          <a:spcPts val="1600"/>
         </a:spcBef>
-        <a:buFont typeface="Arial"/>
-        <a:buChar char="–"/>
-        <a:defRPr kern="1200" sz="2100">
+        <a:buFont charset="0" panose="020B0604020202020204" pitchFamily="34" typeface="Arial"/>
+        <a:buChar char="•"/>
+        <a:defRPr b="0" baseline="0" i="0" kern="1200" sz="1800">
           <a:solidFill>
-            <a:schemeClr val="tx1"/>
+            <a:srgbClr val="1A1A1A"/>
           </a:solidFill>
-          <a:latin typeface="+mn-lt"/>
+          <a:latin charset="0" panose="020B0604020202020204" pitchFamily="34" typeface="Arial"/>
           <a:ea typeface="+mn-ea"/>
-          <a:cs typeface="+mn-cs"/>
+          <a:cs charset="0" panose="020B0604020202020204" pitchFamily="34" typeface="Arial"/>
         </a:defRPr>
       </a:lvl2pPr>
-      <a:lvl3pPr algn="l" defTabSz="342900" eaLnBrk="1" hangingPunct="1" indent="-342900" latinLnBrk="0" marL="1028700" rtl="0">
+      <a:lvl3pPr algn="l" defTabSz="514350" eaLnBrk="1" hangingPunct="1" indent="-128588" latinLnBrk="0" marL="642938" rtl="0">
+        <a:lnSpc>
+          <a:spcPts val="2400"/>
+        </a:lnSpc>
         <a:spcBef>
-          <a:spcPct val="20000"/>
+          <a:spcPts val="1600"/>
         </a:spcBef>
-        <a:buFont typeface="Arial"/>
+        <a:buFont charset="0" panose="020B0604020202020204" pitchFamily="34" typeface="Arial"/>
         <a:buChar char="•"/>
-        <a:defRPr kern="1200" sz="1800">
+        <a:defRPr b="0" baseline="0" i="0" kern="1200" sz="1800">
           <a:solidFill>
-            <a:schemeClr val="tx1"/>
+            <a:srgbClr val="1A1A1A"/>
           </a:solidFill>
-          <a:latin typeface="+mn-lt"/>
+          <a:latin charset="0" panose="020B0604020202020204" pitchFamily="34" typeface="Arial"/>
           <a:ea typeface="+mn-ea"/>
-          <a:cs typeface="+mn-cs"/>
+          <a:cs charset="0" panose="020B0604020202020204" pitchFamily="34" typeface="Arial"/>
         </a:defRPr>
       </a:lvl3pPr>
-      <a:lvl4pPr algn="l" defTabSz="342900" eaLnBrk="1" hangingPunct="1" indent="-342900" latinLnBrk="0" marL="1371600" rtl="0">
+      <a:lvl4pPr algn="l" defTabSz="514350" eaLnBrk="1" hangingPunct="1" indent="-128588" latinLnBrk="0" marL="900113" rtl="0">
+        <a:lnSpc>
+          <a:spcPts val="2400"/>
+        </a:lnSpc>
         <a:spcBef>
-          <a:spcPct val="20000"/>
+          <a:spcPts val="1600"/>
         </a:spcBef>
-        <a:buFont typeface="Arial"/>
-        <a:buChar char="–"/>
-        <a:defRPr kern="1200" sz="1500">
+        <a:buFont charset="0" panose="020B0604020202020204" pitchFamily="34" typeface="Arial"/>
+        <a:buChar char="•"/>
+        <a:defRPr b="0" baseline="0" i="0" kern="1200" sz="1800">
           <a:solidFill>
-            <a:schemeClr val="tx1"/>
+            <a:srgbClr val="1A1A1A"/>
           </a:solidFill>
-          <a:latin typeface="+mn-lt"/>
+          <a:latin charset="0" panose="020B0604020202020204" pitchFamily="34" typeface="Arial"/>
           <a:ea typeface="+mn-ea"/>
-          <a:cs typeface="+mn-cs"/>
+          <a:cs charset="0" panose="020B0604020202020204" pitchFamily="34" typeface="Arial"/>
         </a:defRPr>
       </a:lvl4pPr>
-      <a:lvl5pPr algn="l" defTabSz="342900" eaLnBrk="1" hangingPunct="1" indent="-342900" latinLnBrk="0" marL="1714500" rtl="0">
+      <a:lvl5pPr algn="l" defTabSz="514350" eaLnBrk="1" hangingPunct="1" indent="-128588" latinLnBrk="0" marL="1157288" rtl="0">
+        <a:lnSpc>
+          <a:spcPts val="2400"/>
+        </a:lnSpc>
         <a:spcBef>
-          <a:spcPct val="20000"/>
+          <a:spcPts val="1600"/>
         </a:spcBef>
-        <a:buFont typeface="Arial"/>
-        <a:buChar char="»"/>
-        <a:defRPr kern="1200" sz="1500">
+        <a:buFont charset="0" panose="020B0604020202020204" pitchFamily="34" typeface="Arial"/>
+        <a:buChar char="•"/>
+        <a:defRPr b="0" baseline="0" i="0" kern="1200" sz="1800">
           <a:solidFill>
-            <a:schemeClr val="tx1"/>
+            <a:srgbClr val="1A1A1A"/>
           </a:solidFill>
-          <a:latin typeface="+mn-lt"/>
+          <a:latin charset="0" panose="020B0604020202020204" pitchFamily="34" typeface="Arial"/>
           <a:ea typeface="+mn-ea"/>
-          <a:cs typeface="+mn-cs"/>
+          <a:cs charset="0" panose="020B0604020202020204" pitchFamily="34" typeface="Arial"/>
         </a:defRPr>
       </a:lvl5pPr>
-      <a:lvl6pPr algn="l" defTabSz="342900" eaLnBrk="1" hangingPunct="1" indent="-342900" latinLnBrk="0" marL="2057400" rtl="0">
+      <a:lvl6pPr algn="l" defTabSz="514350" eaLnBrk="1" hangingPunct="1" indent="-128588" latinLnBrk="0" marL="1414463" rtl="0">
+        <a:lnSpc>
+          <a:spcPct val="90000"/>
+        </a:lnSpc>
         <a:spcBef>
-          <a:spcPct val="20000"/>
+          <a:spcPts val="281"/>
         </a:spcBef>
-        <a:buFont typeface="Arial"/>
+        <a:buFont charset="0" panose="020B0604020202020204" pitchFamily="34" typeface="Arial"/>
         <a:buChar char="•"/>
-        <a:defRPr kern="1200" sz="1500">
+        <a:defRPr kern="1200" sz="1013">
           <a:solidFill>
             <a:schemeClr val="tx1"/>
           </a:solidFill>
@@ -2931,13 +3710,16 @@
           <a:cs typeface="+mn-cs"/>
         </a:defRPr>
       </a:lvl6pPr>
-      <a:lvl7pPr algn="l" defTabSz="342900" eaLnBrk="1" hangingPunct="1" indent="-342900" latinLnBrk="0" marL="2400300" rtl="0">
+      <a:lvl7pPr algn="l" defTabSz="514350" eaLnBrk="1" hangingPunct="1" indent="-128588" latinLnBrk="0" marL="1671638" rtl="0">
+        <a:lnSpc>
+          <a:spcPct val="90000"/>
+        </a:lnSpc>
         <a:spcBef>
-          <a:spcPct val="20000"/>
+          <a:spcPts val="281"/>
         </a:spcBef>
-        <a:buFont typeface="Arial"/>
+        <a:buFont charset="0" panose="020B0604020202020204" pitchFamily="34" typeface="Arial"/>
         <a:buChar char="•"/>
-        <a:defRPr kern="1200" sz="1500">
+        <a:defRPr kern="1200" sz="1013">
           <a:solidFill>
             <a:schemeClr val="tx1"/>
           </a:solidFill>
@@ -2946,13 +3728,16 @@
           <a:cs typeface="+mn-cs"/>
         </a:defRPr>
       </a:lvl7pPr>
-      <a:lvl8pPr algn="l" defTabSz="342900" eaLnBrk="1" hangingPunct="1" indent="-342900" latinLnBrk="0" marL="2743200" rtl="0">
+      <a:lvl8pPr algn="l" defTabSz="514350" eaLnBrk="1" hangingPunct="1" indent="-128588" latinLnBrk="0" marL="1928813" rtl="0">
+        <a:lnSpc>
+          <a:spcPct val="90000"/>
+        </a:lnSpc>
         <a:spcBef>
-          <a:spcPct val="20000"/>
+          <a:spcPts val="281"/>
         </a:spcBef>
-        <a:buFont typeface="Arial"/>
+        <a:buFont charset="0" panose="020B0604020202020204" pitchFamily="34" typeface="Arial"/>
         <a:buChar char="•"/>
-        <a:defRPr kern="1200" sz="1500">
+        <a:defRPr kern="1200" sz="1013">
           <a:solidFill>
             <a:schemeClr val="tx1"/>
           </a:solidFill>
@@ -2961,13 +3746,16 @@
           <a:cs typeface="+mn-cs"/>
         </a:defRPr>
       </a:lvl8pPr>
-      <a:lvl9pPr algn="l" defTabSz="342900" eaLnBrk="1" hangingPunct="1" indent="-342900" latinLnBrk="0" marL="3086100" rtl="0">
+      <a:lvl9pPr algn="l" defTabSz="514350" eaLnBrk="1" hangingPunct="1" indent="-128588" latinLnBrk="0" marL="2185988" rtl="0">
+        <a:lnSpc>
+          <a:spcPct val="90000"/>
+        </a:lnSpc>
         <a:spcBef>
-          <a:spcPct val="20000"/>
+          <a:spcPts val="281"/>
         </a:spcBef>
-        <a:buFont typeface="Arial"/>
+        <a:buFont charset="0" panose="020B0604020202020204" pitchFamily="34" typeface="Arial"/>
         <a:buChar char="•"/>
-        <a:defRPr kern="1200" sz="1500">
+        <a:defRPr kern="1200" sz="1013">
           <a:solidFill>
             <a:schemeClr val="tx1"/>
           </a:solidFill>
@@ -2981,8 +3769,8 @@
       <a:defPPr>
         <a:defRPr lang="en-US"/>
       </a:defPPr>
-      <a:lvl1pPr algn="l" defTabSz="342900" eaLnBrk="1" hangingPunct="1" latinLnBrk="0" marL="0" rtl="0">
-        <a:defRPr kern="1200" sz="1350">
+      <a:lvl1pPr algn="l" defTabSz="514350" eaLnBrk="1" hangingPunct="1" latinLnBrk="0" marL="0" rtl="0">
+        <a:defRPr kern="1200" sz="1013">
           <a:solidFill>
             <a:schemeClr val="tx1"/>
           </a:solidFill>
@@ -2991,8 +3779,8 @@
           <a:cs typeface="+mn-cs"/>
         </a:defRPr>
       </a:lvl1pPr>
-      <a:lvl2pPr algn="l" defTabSz="342900" eaLnBrk="1" hangingPunct="1" latinLnBrk="0" marL="342900" rtl="0">
-        <a:defRPr kern="1200" sz="1350">
+      <a:lvl2pPr algn="l" defTabSz="514350" eaLnBrk="1" hangingPunct="1" latinLnBrk="0" marL="257175" rtl="0">
+        <a:defRPr kern="1200" sz="1013">
           <a:solidFill>
             <a:schemeClr val="tx1"/>
           </a:solidFill>
@@ -3001,8 +3789,8 @@
           <a:cs typeface="+mn-cs"/>
         </a:defRPr>
       </a:lvl2pPr>
-      <a:lvl3pPr algn="l" defTabSz="342900" eaLnBrk="1" hangingPunct="1" latinLnBrk="0" marL="685800" rtl="0">
-        <a:defRPr kern="1200" sz="1350">
+      <a:lvl3pPr algn="l" defTabSz="514350" eaLnBrk="1" hangingPunct="1" latinLnBrk="0" marL="514350" rtl="0">
+        <a:defRPr kern="1200" sz="1013">
           <a:solidFill>
             <a:schemeClr val="tx1"/>
           </a:solidFill>
@@ -3011,8 +3799,8 @@
           <a:cs typeface="+mn-cs"/>
         </a:defRPr>
       </a:lvl3pPr>
-      <a:lvl4pPr algn="l" defTabSz="342900" eaLnBrk="1" hangingPunct="1" latinLnBrk="0" marL="1028700" rtl="0">
-        <a:defRPr kern="1200" sz="1350">
+      <a:lvl4pPr algn="l" defTabSz="514350" eaLnBrk="1" hangingPunct="1" latinLnBrk="0" marL="771525" rtl="0">
+        <a:defRPr kern="1200" sz="1013">
           <a:solidFill>
             <a:schemeClr val="tx1"/>
           </a:solidFill>
@@ -3021,8 +3809,8 @@
           <a:cs typeface="+mn-cs"/>
         </a:defRPr>
       </a:lvl4pPr>
-      <a:lvl5pPr algn="l" defTabSz="342900" eaLnBrk="1" hangingPunct="1" latinLnBrk="0" marL="1371600" rtl="0">
-        <a:defRPr kern="1200" sz="1350">
+      <a:lvl5pPr algn="l" defTabSz="514350" eaLnBrk="1" hangingPunct="1" latinLnBrk="0" marL="1028700" rtl="0">
+        <a:defRPr kern="1200" sz="1013">
           <a:solidFill>
             <a:schemeClr val="tx1"/>
           </a:solidFill>
@@ -3031,8 +3819,8 @@
           <a:cs typeface="+mn-cs"/>
         </a:defRPr>
       </a:lvl5pPr>
-      <a:lvl6pPr algn="l" defTabSz="342900" eaLnBrk="1" hangingPunct="1" latinLnBrk="0" marL="1714500" rtl="0">
-        <a:defRPr kern="1200" sz="1350">
+      <a:lvl6pPr algn="l" defTabSz="514350" eaLnBrk="1" hangingPunct="1" latinLnBrk="0" marL="1285875" rtl="0">
+        <a:defRPr kern="1200" sz="1013">
           <a:solidFill>
             <a:schemeClr val="tx1"/>
           </a:solidFill>
@@ -3041,8 +3829,8 @@
           <a:cs typeface="+mn-cs"/>
         </a:defRPr>
       </a:lvl6pPr>
-      <a:lvl7pPr algn="l" defTabSz="342900" eaLnBrk="1" hangingPunct="1" latinLnBrk="0" marL="2057400" rtl="0">
-        <a:defRPr kern="1200" sz="1350">
+      <a:lvl7pPr algn="l" defTabSz="514350" eaLnBrk="1" hangingPunct="1" latinLnBrk="0" marL="1543050" rtl="0">
+        <a:defRPr kern="1200" sz="1013">
           <a:solidFill>
             <a:schemeClr val="tx1"/>
           </a:solidFill>
@@ -3051,8 +3839,8 @@
           <a:cs typeface="+mn-cs"/>
         </a:defRPr>
       </a:lvl7pPr>
-      <a:lvl8pPr algn="l" defTabSz="342900" eaLnBrk="1" hangingPunct="1" latinLnBrk="0" marL="2400300" rtl="0">
-        <a:defRPr kern="1200" sz="1350">
+      <a:lvl8pPr algn="l" defTabSz="514350" eaLnBrk="1" hangingPunct="1" latinLnBrk="0" marL="1800225" rtl="0">
+        <a:defRPr kern="1200" sz="1013">
           <a:solidFill>
             <a:schemeClr val="tx1"/>
           </a:solidFill>
@@ -3061,8 +3849,8 @@
           <a:cs typeface="+mn-cs"/>
         </a:defRPr>
       </a:lvl8pPr>
-      <a:lvl9pPr algn="l" defTabSz="342900" eaLnBrk="1" hangingPunct="1" latinLnBrk="0" marL="2743200" rtl="0">
-        <a:defRPr kern="1200" sz="1350">
+      <a:lvl9pPr algn="l" defTabSz="514350" eaLnBrk="1" hangingPunct="1" latinLnBrk="0" marL="2057400" rtl="0">
+        <a:defRPr kern="1200" sz="1013">
           <a:solidFill>
             <a:schemeClr val="tx1"/>
           </a:solidFill>
@@ -3095,7 +3883,13 @@
       </p:grpSpPr>
       <p:sp>
         <p:nvSpPr>
-          <p:cNvPr id="2" name="Title 1"/>
+          <p:cNvPr id="2" name="Title 1">
+            <a:extLst>
+              <a:ext uri="{FF2B5EF4-FFF2-40B4-BE49-F238E27FC236}">
+                <a16:creationId xmlns:a16="http://schemas.microsoft.com/office/drawing/2014/main" id="{5216EB9F-821C-3043-9B29-83C5977F52F4}"/>
+              </a:ext>
+            </a:extLst>
+          </p:cNvPr>
           <p:cNvSpPr>
             <a:spLocks noGrp="1"/>
           </p:cNvSpPr>
@@ -3105,8 +3899,47 @@
         </p:nvSpPr>
         <p:spPr>
           <a:xfrm>
-            <a:off x="685800" y="1597819"/>
-            <a:ext cx="7772400" cy="1102519"/>
+            <a:off x="1524000" y="1122364"/>
+            <a:ext cx="9144000" cy="2396341"/>
+          </a:xfrm>
+          <a:prstGeom prst="rect">
+            <a:avLst/>
+          </a:prstGeom>
+        </p:spPr>
+        <p:txBody>
+          <a:bodyPr/>
+          <a:lstStyle/>
+          <a:p>
+            <a:pPr lvl="0" indent="0" marL="0">
+              <a:buNone/>
+            </a:pPr>
+            <a:r>
+              <a:rPr/>
+              <a:t>Lab 03: xx</a:t>
+            </a:r>
+          </a:p>
+        </p:txBody>
+      </p:sp>
+      <p:sp>
+        <p:nvSpPr>
+          <p:cNvPr id="3" name="Subtitle 2">
+            <a:extLst>
+              <a:ext uri="{FF2B5EF4-FFF2-40B4-BE49-F238E27FC236}">
+                <a16:creationId xmlns:a16="http://schemas.microsoft.com/office/drawing/2014/main" id="{8C337200-5D83-FE46-9E69-B6B1D353C69A}"/>
+              </a:ext>
+            </a:extLst>
+          </p:cNvPr>
+          <p:cNvSpPr>
+            <a:spLocks noGrp="1"/>
+          </p:cNvSpPr>
+          <p:nvPr>
+            <p:ph idx="1" type="subTitle"/>
+          </p:nvPr>
+        </p:nvSpPr>
+        <p:spPr>
+          <a:xfrm>
+            <a:off x="1524000" y="3611302"/>
+            <a:ext cx="9144000" cy="1646498"/>
           </a:xfrm>
         </p:spPr>
         <p:txBody>
@@ -3118,36 +3951,6 @@
             </a:pPr>
             <a:r>
               <a:rPr/>
-              <a:t>Lab 03: xx</a:t>
-            </a:r>
-          </a:p>
-        </p:txBody>
-      </p:sp>
-      <p:sp>
-        <p:nvSpPr>
-          <p:cNvPr id="3" name="Subtitle 2"/>
-          <p:cNvSpPr>
-            <a:spLocks noGrp="1"/>
-          </p:cNvSpPr>
-          <p:nvPr>
-            <p:ph idx="1" type="subTitle"/>
-          </p:nvPr>
-        </p:nvSpPr>
-        <p:spPr>
-          <a:xfrm>
-            <a:off x="1371600" y="2914650"/>
-            <a:ext cx="6400800" cy="1314450"/>
-          </a:xfrm>
-        </p:spPr>
-        <p:txBody>
-          <a:bodyPr/>
-          <a:lstStyle/>
-          <a:p>
-            <a:pPr lvl="0" indent="0" marL="0">
-              <a:buNone/>
-            </a:pPr>
-            <a:r>
-              <a:rPr/>
               <a:t>xxx</a:t>
             </a:r>
             <a:br/>
@@ -3161,7 +3964,13 @@
       </p:sp>
       <p:sp>
         <p:nvSpPr>
-          <p:cNvPr id="4" name="Date Placeholder 3"/>
+          <p:cNvPr id="4" name="Date Placeholder 3">
+            <a:extLst>
+              <a:ext uri="{FF2B5EF4-FFF2-40B4-BE49-F238E27FC236}">
+                <a16:creationId xmlns:a16="http://schemas.microsoft.com/office/drawing/2014/main" id="{1069A7C7-1ADA-474D-B8F0-3471D14F86DA}"/>
+              </a:ext>
+            </a:extLst>
+          </p:cNvPr>
           <p:cNvSpPr>
             <a:spLocks noGrp="1"/>
           </p:cNvSpPr>
@@ -3208,7 +4017,13 @@
       </p:grpSpPr>
       <p:sp>
         <p:nvSpPr>
-          <p:cNvPr id="2" name="Title 1"/>
+          <p:cNvPr id="2" name="Title 1">
+            <a:extLst>
+              <a:ext uri="{FF2B5EF4-FFF2-40B4-BE49-F238E27FC236}">
+                <a16:creationId xmlns:a16="http://schemas.microsoft.com/office/drawing/2014/main" id="{DD9B8E45-0772-954C-8D4B-6E6808DFEDED}"/>
+              </a:ext>
+            </a:extLst>
+          </p:cNvPr>
           <p:cNvSpPr>
             <a:spLocks noGrp="1"/>
           </p:cNvSpPr>
@@ -3216,7 +4031,15 @@
             <p:ph type="title"/>
           </p:nvPr>
         </p:nvSpPr>
-        <p:spPr/>
+        <p:spPr>
+          <a:xfrm>
+            <a:off x="838200" y="365129"/>
+            <a:ext cx="10515600" cy="1325563"/>
+          </a:xfrm>
+          <a:prstGeom prst="rect">
+            <a:avLst/>
+          </a:prstGeom>
+        </p:spPr>
         <p:txBody>
           <a:bodyPr/>
           <a:lstStyle/>
@@ -3233,7 +4056,13 @@
       </p:sp>
       <p:sp>
         <p:nvSpPr>
-          <p:cNvPr id="3" name="Content Placeholder 2"/>
+          <p:cNvPr id="3" name="Content Placeholder 2">
+            <a:extLst>
+              <a:ext uri="{FF2B5EF4-FFF2-40B4-BE49-F238E27FC236}">
+                <a16:creationId xmlns:a16="http://schemas.microsoft.com/office/drawing/2014/main" id="{A4EB24F9-04F1-C843-9D71-56C5C024552B}"/>
+              </a:ext>
+            </a:extLst>
+          </p:cNvPr>
           <p:cNvSpPr>
             <a:spLocks noGrp="1"/>
           </p:cNvSpPr>
@@ -3246,7 +4075,7 @@
           <a:bodyPr/>
           <a:lstStyle/>
           <a:p>
-            <a:pPr lvl="0" indent="-342900" marL="342900">
+            <a:pPr lvl="0" indent="-257175" marL="257175">
               <a:buAutoNum type="arabicPeriod"/>
             </a:pPr>
             <a:r>
@@ -3255,7 +4084,7 @@
             </a:r>
           </a:p>
           <a:p>
-            <a:pPr lvl="0" indent="-342900" marL="342900">
+            <a:pPr lvl="0" indent="-257175" marL="257175">
               <a:buAutoNum type="arabicPeriod"/>
             </a:pPr>
             <a:r>
@@ -3264,7 +4093,7 @@
             </a:r>
           </a:p>
           <a:p>
-            <a:pPr lvl="0" indent="-342900" marL="342900">
+            <a:pPr lvl="0" indent="-257175" marL="257175">
               <a:buAutoNum type="arabicPeriod"/>
             </a:pPr>
             <a:r>
@@ -3273,7 +4102,7 @@
             </a:r>
           </a:p>
           <a:p>
-            <a:pPr lvl="1" indent="-342900" marL="685800">
+            <a:pPr lvl="1" indent="-257175" marL="514350">
               <a:buAutoNum type="arabicPeriod"/>
             </a:pPr>
             <a:r>
@@ -3282,7 +4111,7 @@
             </a:r>
           </a:p>
           <a:p>
-            <a:pPr lvl="1" indent="-342900" marL="685800">
+            <a:pPr lvl="1" indent="-257175" marL="514350">
               <a:buAutoNum type="arabicPeriod"/>
             </a:pPr>
             <a:r>
@@ -3594,7 +4423,13 @@
       </p:grpSpPr>
       <p:sp>
         <p:nvSpPr>
-          <p:cNvPr id="2" name="Title 1"/>
+          <p:cNvPr id="2" name="Title 1">
+            <a:extLst>
+              <a:ext uri="{FF2B5EF4-FFF2-40B4-BE49-F238E27FC236}">
+                <a16:creationId xmlns:a16="http://schemas.microsoft.com/office/drawing/2014/main" id="{FF6A6CB2-D1B6-B94A-84C1-83C65423C650}"/>
+              </a:ext>
+            </a:extLst>
+          </p:cNvPr>
           <p:cNvSpPr>
             <a:spLocks noGrp="1"/>
           </p:cNvSpPr>
@@ -3604,9 +4439,12 @@
         </p:nvSpPr>
         <p:spPr>
           <a:xfrm>
-            <a:off x="722313" y="3305176"/>
-            <a:ext cx="7772400" cy="1021556"/>
+            <a:off x="831851" y="1709742"/>
+            <a:ext cx="10515600" cy="2852737"/>
           </a:xfrm>
+          <a:prstGeom prst="rect">
+            <a:avLst/>
+          </a:prstGeom>
         </p:spPr>
         <p:txBody>
           <a:bodyPr/>
@@ -3650,7 +4488,7 @@
 </file>
 
 <file path=ppt/theme/theme1.xml><?xml version="1.0" encoding="utf-8"?>
-<a:theme xmlns:a="http://schemas.openxmlformats.org/drawingml/2006/main" name="Office Theme">
+<a:theme xmlns:a="http://schemas.openxmlformats.org/drawingml/2006/main" name="Cosmic Latte">
   <a:themeElements>
     <a:clrScheme name="Office">
       <a:dk1>
@@ -3660,48 +4498,87 @@
         <a:sysClr val="window" lastClr="FFFFFF"/>
       </a:lt1>
       <a:dk2>
-        <a:srgbClr val="1F497D"/>
+        <a:srgbClr val="44546A"/>
       </a:dk2>
       <a:lt2>
-        <a:srgbClr val="EEECE1"/>
+        <a:srgbClr val="E7E6E6"/>
       </a:lt2>
       <a:accent1>
-        <a:srgbClr val="4F81BD"/>
+        <a:srgbClr val="4472C4"/>
       </a:accent1>
       <a:accent2>
-        <a:srgbClr val="C0504D"/>
+        <a:srgbClr val="ED7D31"/>
       </a:accent2>
       <a:accent3>
-        <a:srgbClr val="9BBB59"/>
+        <a:srgbClr val="A5A5A5"/>
       </a:accent3>
       <a:accent4>
-        <a:srgbClr val="8064A2"/>
+        <a:srgbClr val="FFC000"/>
       </a:accent4>
       <a:accent5>
-        <a:srgbClr val="4BACC6"/>
+        <a:srgbClr val="5B9BD5"/>
       </a:accent5>
       <a:accent6>
-        <a:srgbClr val="F79646"/>
+        <a:srgbClr val="70AD47"/>
       </a:accent6>
       <a:hlink>
-        <a:srgbClr val="0000FF"/>
+        <a:srgbClr val="0563C1"/>
       </a:hlink>
       <a:folHlink>
-        <a:srgbClr val="800080"/>
+        <a:srgbClr val="954F72"/>
       </a:folHlink>
     </a:clrScheme>
-    <a:fontScheme name="Office">
+    <a:fontScheme name="Tw Cen MT-Rockwell">
       <a:majorFont>
-        <a:latin typeface="Calibri"/>
+        <a:latin typeface="Tw Cen MT" panose="020B0602020104020603"/>
         <a:ea typeface=""/>
         <a:cs typeface=""/>
-        <a:font script="Jpan" typeface="ＭＳ Ｐゴシック"/>
-        <a:font script="Hang" typeface="맑은 고딕"/>
-        <a:font script="Hans" typeface="宋体"/>
-        <a:font script="Hant" typeface="新細明體"/>
+        <a:font script="Grek" typeface="Calibri"/>
+        <a:font script="Cyrl" typeface="Calibri"/>
+        <a:font script="Jpan" typeface="HGPｺﾞｼｯｸE"/>
+        <a:font script="Hang" typeface="HY얕은샘물M"/>
+        <a:font script="Hans" typeface="华文仿宋"/>
+        <a:font script="Hant" typeface="微軟正黑體"/>
+        <a:font script="Arab" typeface="Arial"/>
+        <a:font script="Hebr" typeface="Levenim MT"/>
+        <a:font script="Thai" typeface="FreesiaUPC"/>
+        <a:font script="Ethi" typeface="Nyala"/>
+        <a:font script="Beng" typeface="Vrinda"/>
+        <a:font script="Gujr" typeface="Shruti"/>
+        <a:font script="Khmr" typeface="DaunPenh"/>
+        <a:font script="Knda" typeface="Tunga"/>
+        <a:font script="Guru" typeface="Raavi"/>
+        <a:font script="Cans" typeface="Euphemia"/>
+        <a:font script="Cher" typeface="Plantagenet Cherokee"/>
+        <a:font script="Yiii" typeface="Microsoft Yi Baiti"/>
+        <a:font script="Tibt" typeface="Microsoft Himalaya"/>
+        <a:font script="Thaa" typeface="MV Boli"/>
+        <a:font script="Deva" typeface="Mangal"/>
+        <a:font script="Telu" typeface="Gautami"/>
+        <a:font script="Taml" typeface="Latha"/>
+        <a:font script="Syrc" typeface="Estrangelo Edessa"/>
+        <a:font script="Orya" typeface="Kalinga"/>
+        <a:font script="Mlym" typeface="Kartika"/>
+        <a:font script="Laoo" typeface="DokChampa"/>
+        <a:font script="Sinh" typeface="Iskoola Pota"/>
+        <a:font script="Mong" typeface="Mongolian Baiti"/>
+        <a:font script="Viet" typeface="Tahoma"/>
+        <a:font script="Uigh" typeface="Microsoft Uighur"/>
+        <a:font script="Geor" typeface="Sylfaen"/>
+      </a:majorFont>
+      <a:minorFont>
+        <a:latin typeface="Rockwell" panose="02060603020205020403"/>
+        <a:ea typeface=""/>
+        <a:cs typeface=""/>
+        <a:font script="Grek" typeface="Cambria"/>
+        <a:font script="Cyrl" typeface="Cambria"/>
+        <a:font script="Jpan" typeface="HG明朝B"/>
+        <a:font script="Hang" typeface="바탕"/>
+        <a:font script="Hans" typeface="方正姚体"/>
+        <a:font script="Hant" typeface="標楷體"/>
         <a:font script="Arab" typeface="Times New Roman"/>
-        <a:font script="Hebr" typeface="Times New Roman"/>
-        <a:font script="Thai" typeface="Angsana New"/>
+        <a:font script="Hebr" typeface="David"/>
+        <a:font script="Thai" typeface="JasmineUPC"/>
         <a:font script="Ethi" typeface="Nyala"/>
         <a:font script="Beng" typeface="Vrinda"/>
         <a:font script="Gujr" typeface="Shruti"/>
@@ -3725,41 +4602,6 @@
         <a:font script="Viet" typeface="Times New Roman"/>
         <a:font script="Uigh" typeface="Microsoft Uighur"/>
         <a:font script="Geor" typeface="Sylfaen"/>
-      </a:majorFont>
-      <a:minorFont>
-        <a:latin typeface="Calibri"/>
-        <a:ea typeface=""/>
-        <a:cs typeface=""/>
-        <a:font script="Jpan" typeface="ＭＳ Ｐゴシック"/>
-        <a:font script="Hang" typeface="맑은 고딕"/>
-        <a:font script="Hans" typeface="宋体"/>
-        <a:font script="Hant" typeface="新細明體"/>
-        <a:font script="Arab" typeface="Arial"/>
-        <a:font script="Hebr" typeface="Arial"/>
-        <a:font script="Thai" typeface="Cordia New"/>
-        <a:font script="Ethi" typeface="Nyala"/>
-        <a:font script="Beng" typeface="Vrinda"/>
-        <a:font script="Gujr" typeface="Shruti"/>
-        <a:font script="Khmr" typeface="DaunPenh"/>
-        <a:font script="Knda" typeface="Tunga"/>
-        <a:font script="Guru" typeface="Raavi"/>
-        <a:font script="Cans" typeface="Euphemia"/>
-        <a:font script="Cher" typeface="Plantagenet Cherokee"/>
-        <a:font script="Yiii" typeface="Microsoft Yi Baiti"/>
-        <a:font script="Tibt" typeface="Microsoft Himalaya"/>
-        <a:font script="Thaa" typeface="MV Boli"/>
-        <a:font script="Deva" typeface="Mangal"/>
-        <a:font script="Telu" typeface="Gautami"/>
-        <a:font script="Taml" typeface="Latha"/>
-        <a:font script="Syrc" typeface="Estrangelo Edessa"/>
-        <a:font script="Orya" typeface="Kalinga"/>
-        <a:font script="Mlym" typeface="Kartika"/>
-        <a:font script="Laoo" typeface="DokChampa"/>
-        <a:font script="Sinh" typeface="Iskoola Pota"/>
-        <a:font script="Mong" typeface="Mongolian Baiti"/>
-        <a:font script="Viet" typeface="Arial"/>
-        <a:font script="Uigh" typeface="Microsoft Uighur"/>
-        <a:font script="Geor" typeface="Sylfaen"/>
       </a:minorFont>
     </a:fontScheme>
     <a:fmtScheme name="Office">
@@ -3771,201 +4613,142 @@
           <a:gsLst>
             <a:gs pos="0">
               <a:schemeClr val="phClr">
-                <a:tint val="50000"/>
-                <a:satMod val="300000"/>
+                <a:lumMod val="110000"/>
+                <a:satMod val="105000"/>
+                <a:tint val="67000"/>
               </a:schemeClr>
             </a:gs>
-            <a:gs pos="35000">
+            <a:gs pos="50000">
               <a:schemeClr val="phClr">
-                <a:tint val="37000"/>
-                <a:satMod val="300000"/>
+                <a:lumMod val="105000"/>
+                <a:satMod val="103000"/>
+                <a:tint val="73000"/>
               </a:schemeClr>
             </a:gs>
             <a:gs pos="100000">
               <a:schemeClr val="phClr">
-                <a:tint val="15000"/>
-                <a:satMod val="350000"/>
+                <a:lumMod val="105000"/>
+                <a:satMod val="109000"/>
+                <a:tint val="81000"/>
               </a:schemeClr>
             </a:gs>
           </a:gsLst>
-          <a:lin ang="16200000" scaled="1"/>
+          <a:lin ang="5400000" scaled="0"/>
         </a:gradFill>
         <a:gradFill rotWithShape="1">
           <a:gsLst>
             <a:gs pos="0">
               <a:schemeClr val="phClr">
-                <a:tint val="100000"/>
+                <a:satMod val="103000"/>
+                <a:lumMod val="102000"/>
+                <a:tint val="94000"/>
+              </a:schemeClr>
+            </a:gs>
+            <a:gs pos="50000">
+              <a:schemeClr val="phClr">
+                <a:satMod val="110000"/>
+                <a:lumMod val="100000"/>
                 <a:shade val="100000"/>
-                <a:satMod val="130000"/>
               </a:schemeClr>
             </a:gs>
             <a:gs pos="100000">
               <a:schemeClr val="phClr">
-                <a:tint val="50000"/>
-                <a:shade val="100000"/>
-                <a:satMod val="350000"/>
+                <a:lumMod val="99000"/>
+                <a:satMod val="120000"/>
+                <a:shade val="78000"/>
               </a:schemeClr>
             </a:gs>
           </a:gsLst>
-          <a:lin ang="16200000" scaled="0"/>
+          <a:lin ang="5400000" scaled="0"/>
         </a:gradFill>
       </a:fillStyleLst>
       <a:lnStyleLst>
-        <a:ln w="9525" cap="flat" cmpd="sng" algn="ctr">
-          <a:solidFill>
-            <a:schemeClr val="phClr">
-              <a:shade val="95000"/>
-              <a:satMod val="105000"/>
-            </a:schemeClr>
-          </a:solidFill>
-          <a:prstDash val="solid"/>
-        </a:ln>
-        <a:ln w="25400" cap="flat" cmpd="sng" algn="ctr">
+        <a:ln w="6350" cap="flat" cmpd="sng" algn="ctr">
           <a:solidFill>
             <a:schemeClr val="phClr"/>
           </a:solidFill>
           <a:prstDash val="solid"/>
+          <a:miter lim="800000"/>
         </a:ln>
-        <a:ln w="38100" cap="flat" cmpd="sng" algn="ctr">
+        <a:ln w="12700" cap="flat" cmpd="sng" algn="ctr">
           <a:solidFill>
             <a:schemeClr val="phClr"/>
           </a:solidFill>
           <a:prstDash val="solid"/>
+          <a:miter lim="800000"/>
+        </a:ln>
+        <a:ln w="19050" cap="flat" cmpd="sng" algn="ctr">
+          <a:solidFill>
+            <a:schemeClr val="phClr"/>
+          </a:solidFill>
+          <a:prstDash val="solid"/>
+          <a:miter lim="800000"/>
         </a:ln>
       </a:lnStyleLst>
       <a:effectStyleLst>
         <a:effectStyle>
+          <a:effectLst/>
+        </a:effectStyle>
+        <a:effectStyle>
+          <a:effectLst/>
+        </a:effectStyle>
+        <a:effectStyle>
           <a:effectLst>
-            <a:outerShdw blurRad="40000" dist="20000" dir="5400000" rotWithShape="0">
+            <a:outerShdw blurRad="57150" dist="19050" dir="5400000" algn="ctr" rotWithShape="0">
               <a:srgbClr val="000000">
-                <a:alpha val="38000"/>
+                <a:alpha val="63000"/>
               </a:srgbClr>
             </a:outerShdw>
           </a:effectLst>
-        </a:effectStyle>
-        <a:effectStyle>
-          <a:effectLst>
-            <a:outerShdw blurRad="40000" dist="23000" dir="5400000" rotWithShape="0">
-              <a:srgbClr val="000000">
-                <a:alpha val="35000"/>
-              </a:srgbClr>
-            </a:outerShdw>
-          </a:effectLst>
-        </a:effectStyle>
-        <a:effectStyle>
-          <a:effectLst>
-            <a:outerShdw blurRad="40000" dist="23000" dir="5400000" rotWithShape="0">
-              <a:srgbClr val="000000">
-                <a:alpha val="35000"/>
-              </a:srgbClr>
-            </a:outerShdw>
-          </a:effectLst>
-          <a:scene3d>
-            <a:camera prst="orthographicFront">
-              <a:rot lat="0" lon="0" rev="0"/>
-            </a:camera>
-            <a:lightRig rig="threePt" dir="t">
-              <a:rot lat="0" lon="0" rev="1200000"/>
-            </a:lightRig>
-          </a:scene3d>
-          <a:sp3d>
-            <a:bevelT w="63500" h="25400"/>
-          </a:sp3d>
         </a:effectStyle>
       </a:effectStyleLst>
       <a:bgFillStyleLst>
         <a:solidFill>
           <a:schemeClr val="phClr"/>
         </a:solidFill>
+        <a:solidFill>
+          <a:schemeClr val="phClr">
+            <a:tint val="95000"/>
+            <a:satMod val="170000"/>
+          </a:schemeClr>
+        </a:solidFill>
         <a:gradFill rotWithShape="1">
           <a:gsLst>
             <a:gs pos="0">
               <a:schemeClr val="phClr">
-                <a:tint val="40000"/>
-                <a:satMod val="350000"/>
+                <a:tint val="93000"/>
+                <a:satMod val="150000"/>
+                <a:shade val="98000"/>
+                <a:lumMod val="102000"/>
               </a:schemeClr>
             </a:gs>
-            <a:gs pos="40000">
+            <a:gs pos="50000">
               <a:schemeClr val="phClr">
-                <a:tint val="45000"/>
-                <a:shade val="99000"/>
-                <a:satMod val="350000"/>
+                <a:tint val="98000"/>
+                <a:satMod val="130000"/>
+                <a:shade val="90000"/>
+                <a:lumMod val="103000"/>
               </a:schemeClr>
             </a:gs>
             <a:gs pos="100000">
               <a:schemeClr val="phClr">
-                <a:shade val="20000"/>
-                <a:satMod val="255000"/>
+                <a:shade val="63000"/>
+                <a:satMod val="120000"/>
               </a:schemeClr>
             </a:gs>
           </a:gsLst>
-          <a:path path="circle">
-            <a:fillToRect l="50000" t="-80000" r="50000" b="180000"/>
-          </a:path>
-        </a:gradFill>
-        <a:gradFill rotWithShape="1">
-          <a:gsLst>
-            <a:gs pos="0">
-              <a:schemeClr val="phClr">
-                <a:tint val="80000"/>
-                <a:satMod val="300000"/>
-              </a:schemeClr>
-            </a:gs>
-            <a:gs pos="100000">
-              <a:schemeClr val="phClr">
-                <a:shade val="30000"/>
-                <a:satMod val="200000"/>
-              </a:schemeClr>
-            </a:gs>
-          </a:gsLst>
-          <a:path path="circle">
-            <a:fillToRect l="50000" t="50000" r="50000" b="50000"/>
-          </a:path>
+          <a:lin ang="5400000" scaled="0"/>
         </a:gradFill>
       </a:bgFillStyleLst>
     </a:fmtScheme>
   </a:themeElements>
-  <a:objectDefaults>
-    <a:spDef>
-      <a:spPr/>
-      <a:bodyPr/>
-      <a:lstStyle/>
-      <a:style>
-        <a:lnRef idx="1">
-          <a:schemeClr val="accent1"/>
-        </a:lnRef>
-        <a:fillRef idx="3">
-          <a:schemeClr val="accent1"/>
-        </a:fillRef>
-        <a:effectRef idx="2">
-          <a:schemeClr val="accent1"/>
-        </a:effectRef>
-        <a:fontRef idx="minor">
-          <a:schemeClr val="lt1"/>
-        </a:fontRef>
-      </a:style>
-    </a:spDef>
-    <a:lnDef>
-      <a:spPr/>
-      <a:bodyPr/>
-      <a:lstStyle/>
-      <a:style>
-        <a:lnRef idx="2">
-          <a:schemeClr val="accent1"/>
-        </a:lnRef>
-        <a:fillRef idx="0">
-          <a:schemeClr val="accent1"/>
-        </a:fillRef>
-        <a:effectRef idx="1">
-          <a:schemeClr val="accent1"/>
-        </a:effectRef>
-        <a:fontRef idx="minor">
-          <a:schemeClr val="tx1"/>
-        </a:fontRef>
-      </a:style>
-    </a:lnDef>
-  </a:objectDefaults>
+  <a:objectDefaults/>
   <a:extraClrSchemeLst/>
+  <a:extLst>
+    <a:ext uri="{05A4C25C-085E-4340-85A3-A5531E510DB2}">
+      <thm15:themeFamily xmlns:thm15="http://schemas.microsoft.com/office/thememl/2012/main" name="Cosmic Latte" id="{689C1CBC-A372-ED4C-A38C-441AC706A1A4}" vid="{44785AA0-04C0-4846-AC8A-8123607AC8E0}"/>
+    </a:ext>
+  </a:extLst>
 </a:theme>
 </file>
 

--- a/week05/lab.pptx
+++ b/week05/lab.pptx
@@ -290,7 +290,7 @@
           <a:p>
             <a:fld id="{241EB5C9-1307-BA42-ABA2-0BC069CD8E7F}" type="datetimeFigureOut">
               <a:rPr lang="en-US" smtClean="0"/>
-              <a:t>1/31/22</a:t>
+              <a:t>9/29/24</a:t>
             </a:fld>
             <a:endParaRPr lang="en-US"/>
           </a:p>
@@ -419,7 +419,7 @@
             <a:lvl1pPr>
               <a:defRPr>
                 <a:solidFill>
-                  <a:srgbClr val="DC322F"/>
+                  <a:schemeClr val="tx1"/>
                 </a:solidFill>
               </a:defRPr>
             </a:lvl1pPr>
@@ -514,7 +514,7 @@
           <a:p>
             <a:fld id="{241EB5C9-1307-BA42-ABA2-0BC069CD8E7F}" type="datetimeFigureOut">
               <a:rPr lang="en-US" smtClean="0"/>
-              <a:t>1/31/22</a:t>
+              <a:t>9/29/24</a:t>
             </a:fld>
             <a:endParaRPr lang="en-US"/>
           </a:p>
@@ -743,7 +743,7 @@
           <a:p>
             <a:fld id="{241EB5C9-1307-BA42-ABA2-0BC069CD8E7F}" type="datetimeFigureOut">
               <a:rPr lang="en-US" smtClean="0"/>
-              <a:t>1/31/22</a:t>
+              <a:t>9/29/24</a:t>
             </a:fld>
             <a:endParaRPr lang="en-US"/>
           </a:p>
@@ -919,7 +919,7 @@
               <a:buNone/>
               <a:defRPr sz="2000" b="0">
                 <a:solidFill>
-                  <a:srgbClr val="DC322F"/>
+                  <a:schemeClr val="tx1"/>
                 </a:solidFill>
               </a:defRPr>
             </a:lvl1pPr>
@@ -1036,7 +1036,7 @@
           <a:p>
             <a:fld id="{241EB5C9-1307-BA42-ABA2-0BC069CD8E7F}" type="datetimeFigureOut">
               <a:rPr lang="en-US" smtClean="0"/>
-              <a:t>1/31/22</a:t>
+              <a:t>9/29/24</a:t>
             </a:fld>
             <a:endParaRPr lang="en-US"/>
           </a:p>
@@ -1167,7 +1167,7 @@
             <a:lvl1pPr>
               <a:defRPr sz="3200">
                 <a:solidFill>
-                  <a:srgbClr val="DC322F"/>
+                  <a:schemeClr val="tx1"/>
                 </a:solidFill>
                 <a:latin typeface="Trebuchet MS" panose="020B0703020202090204" pitchFamily="34" charset="0"/>
                 <a:cs typeface="Arial" panose="020B0604020202020204" pitchFamily="34" charset="0"/>
@@ -1310,7 +1310,7 @@
           <a:p>
             <a:fld id="{241EB5C9-1307-BA42-ABA2-0BC069CD8E7F}" type="datetimeFigureOut">
               <a:rPr lang="en-US" smtClean="0"/>
-              <a:t>1/31/22</a:t>
+              <a:t>9/29/24</a:t>
             </a:fld>
             <a:endParaRPr lang="en-US"/>
           </a:p>
@@ -1478,7 +1478,7 @@
           <a:p>
             <a:fld id="{241EB5C9-1307-BA42-ABA2-0BC069CD8E7F}" type="datetimeFigureOut">
               <a:rPr lang="en-US" smtClean="0"/>
-              <a:t>1/31/22</a:t>
+              <a:t>9/29/24</a:t>
             </a:fld>
             <a:endParaRPr lang="en-US"/>
           </a:p>
@@ -1607,7 +1607,7 @@
             <a:lvl1pPr>
               <a:defRPr>
                 <a:solidFill>
-                  <a:srgbClr val="DC322F"/>
+                  <a:schemeClr val="tx1"/>
                 </a:solidFill>
               </a:defRPr>
             </a:lvl1pPr>
@@ -1832,7 +1832,7 @@
           <a:p>
             <a:fld id="{241EB5C9-1307-BA42-ABA2-0BC069CD8E7F}" type="datetimeFigureOut">
               <a:rPr lang="en-US" smtClean="0"/>
-              <a:t>1/31/22</a:t>
+              <a:t>9/29/24</a:t>
             </a:fld>
             <a:endParaRPr lang="en-US"/>
           </a:p>
@@ -1961,7 +1961,7 @@
             <a:lvl1pPr>
               <a:defRPr>
                 <a:solidFill>
-                  <a:srgbClr val="DC322F"/>
+                  <a:schemeClr val="tx1"/>
                 </a:solidFill>
               </a:defRPr>
             </a:lvl1pPr>
@@ -2278,7 +2278,7 @@
           <a:p>
             <a:fld id="{241EB5C9-1307-BA42-ABA2-0BC069CD8E7F}" type="datetimeFigureOut">
               <a:rPr lang="en-US" smtClean="0"/>
-              <a:t>1/31/22</a:t>
+              <a:t>9/29/24</a:t>
             </a:fld>
             <a:endParaRPr lang="en-US"/>
           </a:p>
@@ -2444,7 +2444,7 @@
           <a:p>
             <a:fld id="{241EB5C9-1307-BA42-ABA2-0BC069CD8E7F}" type="datetimeFigureOut">
               <a:rPr lang="en-US" smtClean="0"/>
-              <a:t>1/31/22</a:t>
+              <a:t>9/29/24</a:t>
             </a:fld>
             <a:endParaRPr lang="en-US"/>
           </a:p>
@@ -2565,7 +2565,7 @@
           <a:p>
             <a:fld id="{241EB5C9-1307-BA42-ABA2-0BC069CD8E7F}" type="datetimeFigureOut">
               <a:rPr lang="en-US" smtClean="0"/>
-              <a:t>1/31/22</a:t>
+              <a:t>9/29/24</a:t>
             </a:fld>
             <a:endParaRPr lang="en-US"/>
           </a:p>
@@ -2696,7 +2696,7 @@
             <a:lvl1pPr>
               <a:defRPr sz="2800">
                 <a:solidFill>
-                  <a:srgbClr val="DC322F"/>
+                  <a:schemeClr val="tx1"/>
                 </a:solidFill>
               </a:defRPr>
             </a:lvl1pPr>
@@ -2897,7 +2897,7 @@
           <a:p>
             <a:fld id="{241EB5C9-1307-BA42-ABA2-0BC069CD8E7F}" type="datetimeFigureOut">
               <a:rPr lang="en-US" smtClean="0"/>
-              <a:t>1/31/22</a:t>
+              <a:t>9/29/24</a:t>
             </a:fld>
             <a:endParaRPr lang="en-US"/>
           </a:p>
@@ -3028,7 +3028,7 @@
             <a:lvl1pPr>
               <a:defRPr sz="2800">
                 <a:solidFill>
-                  <a:srgbClr val="DC322F"/>
+                  <a:schemeClr val="tx1"/>
                 </a:solidFill>
               </a:defRPr>
             </a:lvl1pPr>
@@ -3209,7 +3209,7 @@
           <a:p>
             <a:fld id="{241EB5C9-1307-BA42-ABA2-0BC069CD8E7F}" type="datetimeFigureOut">
               <a:rPr lang="en-US" smtClean="0"/>
-              <a:t>1/31/22</a:t>
+              <a:t>9/29/24</a:t>
             </a:fld>
             <a:endParaRPr lang="en-US"/>
           </a:p>
@@ -3296,7 +3296,7 @@
     <p:bg>
       <p:bgPr>
         <a:solidFill>
-          <a:srgbClr val="FFF8E7"/>
+          <a:srgbClr val="FFFCF2"/>
         </a:solidFill>
         <a:effectLst/>
       </p:bgPr>
@@ -3424,7 +3424,7 @@
           <a:p>
             <a:fld id="{241EB5C9-1307-BA42-ABA2-0BC069CD8E7F}" type="datetimeFigureOut">
               <a:rPr lang="en-US" smtClean="0"/>
-              <a:t>1/31/22</a:t>
+              <a:t>9/29/24</a:t>
             </a:fld>
             <a:endParaRPr lang="en-US"/>
           </a:p>
@@ -3559,6 +3559,36 @@
           </a:p>
         </p:txBody>
       </p:sp>
+      <p:pic>
+        <p:nvPicPr>
+          <p:cNvPr descr="A cartoon monkey holding a magnifying glass  Description automatically generated" id="2" name="Picture 1">
+            <a:extLst>
+              <a:ext uri="{FF2B5EF4-FFF2-40B4-BE49-F238E27FC236}">
+                <a16:creationId xmlns:a16="http://schemas.microsoft.com/office/drawing/2014/main" id="{72DC9D06-A870-D4AB-1948-5435052EE000}"/>
+              </a:ext>
+            </a:extLst>
+          </p:cNvPr>
+          <p:cNvPicPr>
+            <a:picLocks noChangeAspect="1"/>
+          </p:cNvPicPr>
+          <p:nvPr userDrawn="1"/>
+        </p:nvPicPr>
+        <p:blipFill>
+          <a:blip r:embed="rId14"/>
+          <a:stretch>
+            <a:fillRect/>
+          </a:stretch>
+        </p:blipFill>
+        <p:spPr>
+          <a:xfrm>
+            <a:off x="11056677" y="5670030"/>
+            <a:ext cx="1051446" cy="1051446"/>
+          </a:xfrm>
+          <a:prstGeom prst="rect">
+            <a:avLst/>
+          </a:prstGeom>
+        </p:spPr>
+      </p:pic>
     </p:spTree>
     <p:extLst>
       <p:ext uri="{BB962C8B-B14F-4D97-AF65-F5344CB8AC3E}">
@@ -3593,9 +3623,9 @@
         <a:buNone/>
         <a:defRPr b="1" baseline="0" i="0" kern="1200" sz="3200">
           <a:solidFill>
-            <a:srgbClr val="DC322F"/>
+            <a:schemeClr val="tx1"/>
           </a:solidFill>
-          <a:latin charset="0" panose="020B0703020202090204" pitchFamily="34" typeface="Trebuchet MS"/>
+          <a:latin charset="0" pitchFamily="2" typeface="Atkinson Hyperlegible"/>
           <a:ea typeface="+mj-ea"/>
           <a:cs charset="-79" panose="020B0502020104020203" pitchFamily="34" typeface="Gill Sans"/>
         </a:defRPr>
@@ -3615,7 +3645,7 @@
           <a:solidFill>
             <a:srgbClr val="1A1A1A"/>
           </a:solidFill>
-          <a:latin charset="0" panose="020B0604020202020204" pitchFamily="34" typeface="Arial"/>
+          <a:latin charset="0" pitchFamily="2" typeface="Atkinson Hyperlegible"/>
           <a:ea typeface="+mn-ea"/>
           <a:cs charset="0" panose="020B0604020202020204" pitchFamily="34" typeface="Arial"/>
         </a:defRPr>
@@ -3633,7 +3663,7 @@
           <a:solidFill>
             <a:srgbClr val="1A1A1A"/>
           </a:solidFill>
-          <a:latin charset="0" panose="020B0604020202020204" pitchFamily="34" typeface="Arial"/>
+          <a:latin charset="0" pitchFamily="2" typeface="Atkinson Hyperlegible"/>
           <a:ea typeface="+mn-ea"/>
           <a:cs charset="0" panose="020B0604020202020204" pitchFamily="34" typeface="Arial"/>
         </a:defRPr>
@@ -3651,7 +3681,7 @@
           <a:solidFill>
             <a:srgbClr val="1A1A1A"/>
           </a:solidFill>
-          <a:latin charset="0" panose="020B0604020202020204" pitchFamily="34" typeface="Arial"/>
+          <a:latin charset="0" pitchFamily="2" typeface="Atkinson Hyperlegible"/>
           <a:ea typeface="+mn-ea"/>
           <a:cs charset="0" panose="020B0604020202020204" pitchFamily="34" typeface="Arial"/>
         </a:defRPr>
@@ -3669,7 +3699,7 @@
           <a:solidFill>
             <a:srgbClr val="1A1A1A"/>
           </a:solidFill>
-          <a:latin charset="0" panose="020B0604020202020204" pitchFamily="34" typeface="Arial"/>
+          <a:latin charset="0" pitchFamily="2" typeface="Atkinson Hyperlegible"/>
           <a:ea typeface="+mn-ea"/>
           <a:cs charset="0" panose="020B0604020202020204" pitchFamily="34" typeface="Arial"/>
         </a:defRPr>
@@ -3687,7 +3717,7 @@
           <a:solidFill>
             <a:srgbClr val="1A1A1A"/>
           </a:solidFill>
-          <a:latin charset="0" panose="020B0604020202020204" pitchFamily="34" typeface="Arial"/>
+          <a:latin charset="0" pitchFamily="2" typeface="Atkinson Hyperlegible"/>
           <a:ea typeface="+mn-ea"/>
           <a:cs charset="0" panose="020B0604020202020204" pitchFamily="34" typeface="Arial"/>
         </a:defRPr>

--- a/week05/lab.pptx
+++ b/week05/lab.pptx
@@ -8,7 +8,6 @@
     <p:sldId id="256" r:id="rId2"/>
     <p:sldId id="257" r:id="rId3"/>
     <p:sldId id="258" r:id="rId4"/>
-    <p:sldId id="259" r:id="rId5"/>
   </p:sldIdLst>
   <p:sldSz cx="12192000" cy="6858000"/>
   <p:notesSz cx="6858000" cy="9144000"/>
@@ -3945,7 +3944,7 @@
             </a:pPr>
             <a:r>
               <a:rPr/>
-              <a:t>Lab 03: xx</a:t>
+              <a:t>Lab 05: Critical Proposal Support</a:t>
             </a:r>
           </a:p>
         </p:txBody>
@@ -3981,7 +3980,7 @@
             </a:pPr>
             <a:r>
               <a:rPr/>
-              <a:t>xxx</a:t>
+              <a:t>For first deadline</a:t>
             </a:r>
             <a:br/>
             <a:br/>
@@ -4079,7 +4078,7 @@
             </a:pPr>
             <a:r>
               <a:rPr/>
-              <a:t>Today’s activities 20000000</a:t>
+              <a:t>Today’s activities</a:t>
             </a:r>
           </a:p>
         </p:txBody>
@@ -4110,7 +4109,7 @@
             </a:pPr>
             <a:r>
               <a:rPr/>
-              <a:t>Complete the Pulse (2 topics - 5 mins Max)</a:t>
+              <a:t>Ask your lab tutor any questions relating to the Critical Proposal</a:t>
             </a:r>
           </a:p>
           <a:p>
@@ -4119,34 +4118,7 @@
             </a:pPr>
             <a:r>
               <a:rPr/>
-              <a:t>Consider how to approach the Critical Proposal to best effect</a:t>
-            </a:r>
-          </a:p>
-          <a:p>
-            <a:pPr lvl="0" indent="-257175" marL="257175">
-              <a:buAutoNum type="arabicPeriod"/>
-            </a:pPr>
-            <a:r>
-              <a:rPr/>
-              <a:t>Start identifying candidate papers</a:t>
-            </a:r>
-          </a:p>
-          <a:p>
-            <a:pPr lvl="1" indent="-257175" marL="514350">
-              <a:buAutoNum type="arabicPeriod"/>
-            </a:pPr>
-            <a:r>
-              <a:rPr/>
-              <a:t>Use the tools suggested below (or share others!)</a:t>
-            </a:r>
-          </a:p>
-          <a:p>
-            <a:pPr lvl="1" indent="-257175" marL="514350">
-              <a:buAutoNum type="arabicPeriod"/>
-            </a:pPr>
-            <a:r>
-              <a:rPr/>
-              <a:t>Show it to LTs and/or Gordon - get specific!</a:t>
+              <a:t>Further support for RASA and EC applications will be available in Week 6 - if needed</a:t>
             </a:r>
           </a:p>
         </p:txBody>
@@ -4259,153 +4231,6 @@
                       </p:childTnLst>
                     </p:cTn>
                   </p:par>
-                  <p:par>
-                    <p:cTn id="11" fill="hold">
-                      <p:stCondLst>
-                        <p:cond delay="indefinite"/>
-                      </p:stCondLst>
-                      <p:childTnLst>
-                        <p:par>
-                          <p:cTn id="12" fill="hold">
-                            <p:stCondLst>
-                              <p:cond delay="0"/>
-                            </p:stCondLst>
-                            <p:childTnLst>
-                              <p:par>
-                                <p:cTn id="13" presetID="1" presetClass="entr" presetSubtype="0" fill="hold" grpId="0" nodeType="clickEffect">
-                                  <p:stCondLst>
-                                    <p:cond delay="0"/>
-                                  </p:stCondLst>
-                                  <p:childTnLst>
-                                    <p:set>
-                                      <p:cBhvr>
-                                        <p:cTn id="14" dur="1" fill="hold">
-                                          <p:stCondLst>
-                                            <p:cond delay="0"/>
-                                          </p:stCondLst>
-                                        </p:cTn>
-                                        <p:tgtEl>
-                                          <p:spTgt spid="3">
-                                            <p:txEl>
-                                              <p:pRg st="2" end="2"/>
-                                            </p:txEl>
-                                          </p:spTgt>
-                                        </p:tgtEl>
-                                        <p:attrNameLst>
-                                          <p:attrName>style.visibility</p:attrName>
-                                        </p:attrNameLst>
-                                      </p:cBhvr>
-                                      <p:to>
-                                        <p:strVal val="visible"/>
-                                      </p:to>
-                                    </p:set>
-                                  </p:childTnLst>
-                                </p:cTn>
-                              </p:par>
-                            </p:childTnLst>
-                          </p:cTn>
-                        </p:par>
-                      </p:childTnLst>
-                    </p:cTn>
-                  </p:par>
-                  <p:par>
-                    <p:cTn id="15" fill="hold">
-                      <p:stCondLst>
-                        <p:cond delay="indefinite"/>
-                      </p:stCondLst>
-                      <p:childTnLst>
-                        <p:par>
-                          <p:cTn id="16" fill="hold">
-                            <p:stCondLst>
-                              <p:cond delay="0"/>
-                            </p:stCondLst>
-                            <p:childTnLst>
-                              <p:par>
-                                <p:cTn id="17" presetID="1" presetClass="entr" presetSubtype="0" fill="hold" grpId="0" nodeType="clickEffect">
-                                  <p:stCondLst>
-                                    <p:cond delay="0"/>
-                                  </p:stCondLst>
-                                  <p:childTnLst>
-                                    <p:set>
-                                      <p:cBhvr>
-                                        <p:cTn id="18" dur="1" fill="hold">
-                                          <p:stCondLst>
-                                            <p:cond delay="0"/>
-                                          </p:stCondLst>
-                                        </p:cTn>
-                                        <p:tgtEl>
-                                          <p:spTgt spid="3">
-                                            <p:txEl>
-                                              <p:pRg st="3" end="3"/>
-                                            </p:txEl>
-                                          </p:spTgt>
-                                        </p:tgtEl>
-                                        <p:attrNameLst>
-                                          <p:attrName>style.visibility</p:attrName>
-                                        </p:attrNameLst>
-                                      </p:cBhvr>
-                                      <p:to>
-                                        <p:strVal val="visible"/>
-                                      </p:to>
-                                    </p:set>
-                                  </p:childTnLst>
-                                </p:cTn>
-                              </p:par>
-                            </p:childTnLst>
-                          </p:cTn>
-                        </p:par>
-                      </p:childTnLst>
-                    </p:cTn>
-                  </p:par>
-                  <p:par>
-                    <p:cTn id="19" fill="hold">
-                      <p:stCondLst>
-                        <p:cond delay="indefinite"/>
-                      </p:stCondLst>
-                      <p:childTnLst>
-                        <p:par>
-                          <p:cTn id="20" fill="hold">
-                            <p:stCondLst>
-                              <p:cond delay="0"/>
-                            </p:stCondLst>
-                            <p:childTnLst>
-                              <p:par>
-                                <p:cTn id="21" presetID="1" presetClass="entr" presetSubtype="0" fill="hold" grpId="0" nodeType="clickEffect">
-                                  <p:stCondLst>
-                                    <p:cond delay="0"/>
-                                  </p:stCondLst>
-                                  <p:childTnLst>
-                                    <p:set>
-                                      <p:cBhvr>
-                                        <p:cTn id="22" dur="1" fill="hold">
-                                          <p:stCondLst>
-                                            <p:cond delay="0"/>
-                                          </p:stCondLst>
-                                        </p:cTn>
-                                        <p:tgtEl>
-                                          <p:spTgt spid="3">
-                                            <p:txEl>
-                                              <p:pRg st="4" end="4"/>
-                                            </p:txEl>
-                                          </p:spTgt>
-                                        </p:tgtEl>
-                                        <p:attrNameLst>
-                                          <p:attrName>style.visibility</p:attrName>
-                                        </p:attrNameLst>
-                                      </p:cBhvr>
-                                      <p:to>
-                                        <p:strVal val="visible"/>
-                                      </p:to>
-                                    </p:set>
-                                  </p:childTnLst>
-                                </p:cTn>
-                              </p:par>
-                            </p:childTnLst>
-                          </p:cTn>
-                        </p:par>
-                      </p:childTnLst>
-                    </p:cTn>
-                  </p:par>
                 </p:childTnLst>
               </p:cTn>
               <p:prevCondLst>
@@ -4435,67 +4260,6 @@
 </file>
 
 <file path=ppt/slides/slide3.xml><?xml version="1.0" encoding="utf-8"?>
-<p:sld xmlns:a="http://schemas.openxmlformats.org/drawingml/2006/main" xmlns:r="http://schemas.openxmlformats.org/officeDocument/2006/relationships" xmlns:p="http://schemas.openxmlformats.org/presentationml/2006/main">
-  <p:cSld>
-    <p:spTree>
-      <p:nvGrpSpPr>
-        <p:cNvPr id="1" name=""/>
-        <p:cNvGrpSpPr/>
-        <p:nvPr/>
-      </p:nvGrpSpPr>
-      <p:grpSpPr>
-        <a:xfrm>
-          <a:off x="0" y="0"/>
-          <a:ext cx="0" cy="0"/>
-          <a:chOff x="0" y="0"/>
-          <a:chExt cx="0" cy="0"/>
-        </a:xfrm>
-      </p:grpSpPr>
-      <p:sp>
-        <p:nvSpPr>
-          <p:cNvPr id="2" name="Title 1">
-            <a:extLst>
-              <a:ext uri="{FF2B5EF4-FFF2-40B4-BE49-F238E27FC236}">
-                <a16:creationId xmlns:a16="http://schemas.microsoft.com/office/drawing/2014/main" id="{FF6A6CB2-D1B6-B94A-84C1-83C65423C650}"/>
-              </a:ext>
-            </a:extLst>
-          </p:cNvPr>
-          <p:cNvSpPr>
-            <a:spLocks noGrp="1"/>
-          </p:cNvSpPr>
-          <p:nvPr>
-            <p:ph type="title"/>
-          </p:nvPr>
-        </p:nvSpPr>
-        <p:spPr>
-          <a:xfrm>
-            <a:off x="831851" y="1709742"/>
-            <a:ext cx="10515600" cy="2852737"/>
-          </a:xfrm>
-          <a:prstGeom prst="rect">
-            <a:avLst/>
-          </a:prstGeom>
-        </p:spPr>
-        <p:txBody>
-          <a:bodyPr/>
-          <a:lstStyle/>
-          <a:p>
-            <a:pPr lvl="0" indent="0" marL="0">
-              <a:buNone/>
-            </a:pPr>
-            <a:r>
-              <a:rPr/>
-              <a:t>Literature searching</a:t>
-            </a:r>
-          </a:p>
-        </p:txBody>
-      </p:sp>
-    </p:spTree>
-  </p:cSld>
-</p:sld>
-</file>
-
-<file path=ppt/slides/slide4.xml><?xml version="1.0" encoding="utf-8"?>
 <p:sld xmlns:a="http://schemas.openxmlformats.org/drawingml/2006/main" xmlns:r="http://schemas.openxmlformats.org/officeDocument/2006/relationships" xmlns:p="http://schemas.openxmlformats.org/presentationml/2006/main">
   <p:cSld>
     <p:spTree>
